--- a/4.presentation/presentation.pptx
+++ b/4.presentation/presentation.pptx
@@ -44,7 +44,7 @@
             <a:spLocks noGrp="1"/>
           </p:cNvSpPr>
           <p:nvPr>
-            <p:ph type="ftr" idx="2"/>
+            <p:ph type="ftr" idx="1"/>
           </p:nvPr>
         </p:nvSpPr>
         <p:spPr/>
@@ -64,14 +64,14 @@
             <a:spLocks noGrp="1"/>
           </p:cNvSpPr>
           <p:nvPr>
-            <p:ph type="sldNum" idx="3"/>
-          </p:nvPr>
-        </p:nvSpPr>
-        <p:spPr/>
-        <p:txBody>
-          <a:bodyPr/>
-          <a:p>
-            <a:fld id="{46CD07B6-4389-4591-B6FC-C6E2FEC672EA}" type="slidenum">
+            <p:ph type="sldNum" idx="2"/>
+          </p:nvPr>
+        </p:nvSpPr>
+        <p:spPr/>
+        <p:txBody>
+          <a:bodyPr/>
+          <a:p>
+            <a:fld id="{5D852755-D7F0-457D-8F4E-C8DC6FF2E8BE}" type="slidenum">
               <a:t>&lt;#&gt;</a:t>
             </a:fld>
           </a:p>
@@ -84,7 +84,7 @@
             <a:spLocks noGrp="1"/>
           </p:cNvSpPr>
           <p:nvPr>
-            <p:ph type="dt" idx="1"/>
+            <p:ph type="dt" idx="3"/>
           </p:nvPr>
         </p:nvSpPr>
         <p:spPr/>
@@ -133,7 +133,7 @@
         <p:spPr>
           <a:xfrm>
             <a:off x="540000" y="270000"/>
-            <a:ext cx="9000000" cy="990000"/>
+            <a:ext cx="8999640" cy="989640"/>
           </a:xfrm>
           <a:prstGeom prst="rect">
             <a:avLst/>
@@ -145,14 +145,14 @@
         </p:spPr>
         <p:txBody>
           <a:bodyPr lIns="0" rIns="0" tIns="0" bIns="0" anchor="ctr">
-            <a:normAutofit/>
-          </a:bodyPr>
-          <a:p>
-            <a:endParaRPr b="0" lang="de-AT" sz="4500" spc="-1" strike="noStrike">
-              <a:solidFill>
-                <a:srgbClr val="04617b"/>
-              </a:solidFill>
-              <a:latin typeface="Noto Sans"/>
+            <a:noAutofit/>
+          </a:bodyPr>
+          <a:p>
+            <a:pPr algn="ctr">
+              <a:buNone/>
+            </a:pPr>
+            <a:endParaRPr b="0" lang="en-US" sz="4400" spc="-1" strike="noStrike">
+              <a:latin typeface="Arial"/>
             </a:endParaRPr>
           </a:p>
         </p:txBody>
@@ -169,8 +169,8 @@
         </p:nvSpPr>
         <p:spPr>
           <a:xfrm>
-            <a:off x="540000" y="1440000"/>
-            <a:ext cx="9000000" cy="1931760"/>
+            <a:off x="504000" y="1326600"/>
+            <a:ext cx="9072000" cy="1568520"/>
           </a:xfrm>
           <a:prstGeom prst="rect">
             <a:avLst/>
@@ -185,8 +185,8 @@
             <a:normAutofit/>
           </a:bodyPr>
           <a:p>
-            <a:endParaRPr b="0" lang="de-AT" sz="2400" spc="-1" strike="noStrike">
-              <a:latin typeface="Noto Sans"/>
+            <a:endParaRPr b="0" lang="en-US" sz="3200" spc="-1" strike="noStrike">
+              <a:latin typeface="Arial"/>
             </a:endParaRPr>
           </a:p>
         </p:txBody>
@@ -203,8 +203,8 @@
         </p:nvSpPr>
         <p:spPr>
           <a:xfrm>
-            <a:off x="540000" y="3555720"/>
-            <a:ext cx="9000000" cy="1931760"/>
+            <a:off x="504000" y="3044520"/>
+            <a:ext cx="9072000" cy="1568520"/>
           </a:xfrm>
           <a:prstGeom prst="rect">
             <a:avLst/>
@@ -219,8 +219,8 @@
             <a:normAutofit/>
           </a:bodyPr>
           <a:p>
-            <a:endParaRPr b="0" lang="de-AT" sz="2400" spc="-1" strike="noStrike">
-              <a:latin typeface="Noto Sans"/>
+            <a:endParaRPr b="0" lang="en-US" sz="3200" spc="-1" strike="noStrike">
+              <a:latin typeface="Arial"/>
             </a:endParaRPr>
           </a:p>
         </p:txBody>
@@ -232,7 +232,7 @@
             <a:spLocks noGrp="1"/>
           </p:cNvSpPr>
           <p:nvPr>
-            <p:ph type="ftr" idx="2"/>
+            <p:ph type="ftr" idx="1"/>
           </p:nvPr>
         </p:nvSpPr>
         <p:spPr/>
@@ -252,14 +252,14 @@
             <a:spLocks noGrp="1"/>
           </p:cNvSpPr>
           <p:nvPr>
-            <p:ph type="sldNum" idx="3"/>
-          </p:nvPr>
-        </p:nvSpPr>
-        <p:spPr/>
-        <p:txBody>
-          <a:bodyPr/>
-          <a:p>
-            <a:fld id="{ED0C9E4F-7E25-4A40-94A5-FE182FB8E4DE}" type="slidenum">
+            <p:ph type="sldNum" idx="2"/>
+          </p:nvPr>
+        </p:nvSpPr>
+        <p:spPr/>
+        <p:txBody>
+          <a:bodyPr/>
+          <a:p>
+            <a:fld id="{D345794A-94D3-4891-AF12-3CA2D8D7D57A}" type="slidenum">
               <a:t>&lt;#&gt;</a:t>
             </a:fld>
           </a:p>
@@ -272,7 +272,7 @@
             <a:spLocks noGrp="1"/>
           </p:cNvSpPr>
           <p:nvPr>
-            <p:ph type="dt" idx="1"/>
+            <p:ph type="dt" idx="3"/>
           </p:nvPr>
         </p:nvSpPr>
         <p:spPr/>
@@ -321,7 +321,7 @@
         <p:spPr>
           <a:xfrm>
             <a:off x="540000" y="270000"/>
-            <a:ext cx="9000000" cy="990000"/>
+            <a:ext cx="8999640" cy="989640"/>
           </a:xfrm>
           <a:prstGeom prst="rect">
             <a:avLst/>
@@ -333,14 +333,14 @@
         </p:spPr>
         <p:txBody>
           <a:bodyPr lIns="0" rIns="0" tIns="0" bIns="0" anchor="ctr">
-            <a:normAutofit/>
-          </a:bodyPr>
-          <a:p>
-            <a:endParaRPr b="0" lang="de-AT" sz="4500" spc="-1" strike="noStrike">
-              <a:solidFill>
-                <a:srgbClr val="04617b"/>
-              </a:solidFill>
-              <a:latin typeface="Noto Sans"/>
+            <a:noAutofit/>
+          </a:bodyPr>
+          <a:p>
+            <a:pPr algn="ctr">
+              <a:buNone/>
+            </a:pPr>
+            <a:endParaRPr b="0" lang="en-US" sz="4400" spc="-1" strike="noStrike">
+              <a:latin typeface="Arial"/>
             </a:endParaRPr>
           </a:p>
         </p:txBody>
@@ -357,8 +357,8 @@
         </p:nvSpPr>
         <p:spPr>
           <a:xfrm>
-            <a:off x="540000" y="1440000"/>
-            <a:ext cx="4391640" cy="1931760"/>
+            <a:off x="504000" y="1326600"/>
+            <a:ext cx="4426920" cy="1568520"/>
           </a:xfrm>
           <a:prstGeom prst="rect">
             <a:avLst/>
@@ -373,8 +373,8 @@
             <a:normAutofit/>
           </a:bodyPr>
           <a:p>
-            <a:endParaRPr b="0" lang="de-AT" sz="2400" spc="-1" strike="noStrike">
-              <a:latin typeface="Noto Sans"/>
+            <a:endParaRPr b="0" lang="en-US" sz="3200" spc="-1" strike="noStrike">
+              <a:latin typeface="Arial"/>
             </a:endParaRPr>
           </a:p>
         </p:txBody>
@@ -391,8 +391,8 @@
         </p:nvSpPr>
         <p:spPr>
           <a:xfrm>
-            <a:off x="5151600" y="1440000"/>
-            <a:ext cx="4391640" cy="1931760"/>
+            <a:off x="5152680" y="1326600"/>
+            <a:ext cx="4426920" cy="1568520"/>
           </a:xfrm>
           <a:prstGeom prst="rect">
             <a:avLst/>
@@ -407,8 +407,8 @@
             <a:normAutofit/>
           </a:bodyPr>
           <a:p>
-            <a:endParaRPr b="0" lang="de-AT" sz="2400" spc="-1" strike="noStrike">
-              <a:latin typeface="Noto Sans"/>
+            <a:endParaRPr b="0" lang="en-US" sz="3200" spc="-1" strike="noStrike">
+              <a:latin typeface="Arial"/>
             </a:endParaRPr>
           </a:p>
         </p:txBody>
@@ -425,8 +425,8 @@
         </p:nvSpPr>
         <p:spPr>
           <a:xfrm>
-            <a:off x="540000" y="3555720"/>
-            <a:ext cx="4391640" cy="1931760"/>
+            <a:off x="504000" y="3044520"/>
+            <a:ext cx="4426920" cy="1568520"/>
           </a:xfrm>
           <a:prstGeom prst="rect">
             <a:avLst/>
@@ -441,8 +441,8 @@
             <a:normAutofit/>
           </a:bodyPr>
           <a:p>
-            <a:endParaRPr b="0" lang="de-AT" sz="2400" spc="-1" strike="noStrike">
-              <a:latin typeface="Noto Sans"/>
+            <a:endParaRPr b="0" lang="en-US" sz="3200" spc="-1" strike="noStrike">
+              <a:latin typeface="Arial"/>
             </a:endParaRPr>
           </a:p>
         </p:txBody>
@@ -459,8 +459,8 @@
         </p:nvSpPr>
         <p:spPr>
           <a:xfrm>
-            <a:off x="5151600" y="3555720"/>
-            <a:ext cx="4391640" cy="1931760"/>
+            <a:off x="5152680" y="3044520"/>
+            <a:ext cx="4426920" cy="1568520"/>
           </a:xfrm>
           <a:prstGeom prst="rect">
             <a:avLst/>
@@ -475,8 +475,8 @@
             <a:normAutofit/>
           </a:bodyPr>
           <a:p>
-            <a:endParaRPr b="0" lang="de-AT" sz="2400" spc="-1" strike="noStrike">
-              <a:latin typeface="Noto Sans"/>
+            <a:endParaRPr b="0" lang="en-US" sz="3200" spc="-1" strike="noStrike">
+              <a:latin typeface="Arial"/>
             </a:endParaRPr>
           </a:p>
         </p:txBody>
@@ -488,7 +488,7 @@
             <a:spLocks noGrp="1"/>
           </p:cNvSpPr>
           <p:nvPr>
-            <p:ph type="ftr" idx="2"/>
+            <p:ph type="ftr" idx="1"/>
           </p:nvPr>
         </p:nvSpPr>
         <p:spPr/>
@@ -508,14 +508,14 @@
             <a:spLocks noGrp="1"/>
           </p:cNvSpPr>
           <p:nvPr>
-            <p:ph type="sldNum" idx="3"/>
-          </p:nvPr>
-        </p:nvSpPr>
-        <p:spPr/>
-        <p:txBody>
-          <a:bodyPr/>
-          <a:p>
-            <a:fld id="{371A639E-463B-4CB3-9E84-2002C0B007E2}" type="slidenum">
+            <p:ph type="sldNum" idx="2"/>
+          </p:nvPr>
+        </p:nvSpPr>
+        <p:spPr/>
+        <p:txBody>
+          <a:bodyPr/>
+          <a:p>
+            <a:fld id="{7E12F0E7-F994-4C0F-A535-9D61015B6ED6}" type="slidenum">
               <a:t>&lt;#&gt;</a:t>
             </a:fld>
           </a:p>
@@ -528,7 +528,7 @@
             <a:spLocks noGrp="1"/>
           </p:cNvSpPr>
           <p:nvPr>
-            <p:ph type="dt" idx="1"/>
+            <p:ph type="dt" idx="3"/>
           </p:nvPr>
         </p:nvSpPr>
         <p:spPr/>
@@ -577,7 +577,7 @@
         <p:spPr>
           <a:xfrm>
             <a:off x="540000" y="270000"/>
-            <a:ext cx="9000000" cy="990000"/>
+            <a:ext cx="8999640" cy="989640"/>
           </a:xfrm>
           <a:prstGeom prst="rect">
             <a:avLst/>
@@ -589,14 +589,14 @@
         </p:spPr>
         <p:txBody>
           <a:bodyPr lIns="0" rIns="0" tIns="0" bIns="0" anchor="ctr">
-            <a:normAutofit/>
-          </a:bodyPr>
-          <a:p>
-            <a:endParaRPr b="0" lang="de-AT" sz="4500" spc="-1" strike="noStrike">
-              <a:solidFill>
-                <a:srgbClr val="04617b"/>
-              </a:solidFill>
-              <a:latin typeface="Noto Sans"/>
+            <a:noAutofit/>
+          </a:bodyPr>
+          <a:p>
+            <a:pPr algn="ctr">
+              <a:buNone/>
+            </a:pPr>
+            <a:endParaRPr b="0" lang="en-US" sz="4400" spc="-1" strike="noStrike">
+              <a:latin typeface="Arial"/>
             </a:endParaRPr>
           </a:p>
         </p:txBody>
@@ -613,8 +613,8 @@
         </p:nvSpPr>
         <p:spPr>
           <a:xfrm>
-            <a:off x="540000" y="1440000"/>
-            <a:ext cx="2897640" cy="1931760"/>
+            <a:off x="504000" y="1326600"/>
+            <a:ext cx="2921040" cy="1568520"/>
           </a:xfrm>
           <a:prstGeom prst="rect">
             <a:avLst/>
@@ -629,8 +629,8 @@
             <a:normAutofit/>
           </a:bodyPr>
           <a:p>
-            <a:endParaRPr b="0" lang="de-AT" sz="2400" spc="-1" strike="noStrike">
-              <a:latin typeface="Noto Sans"/>
+            <a:endParaRPr b="0" lang="en-US" sz="3200" spc="-1" strike="noStrike">
+              <a:latin typeface="Arial"/>
             </a:endParaRPr>
           </a:p>
         </p:txBody>
@@ -647,8 +647,8 @@
         </p:nvSpPr>
         <p:spPr>
           <a:xfrm>
-            <a:off x="3583080" y="1440000"/>
-            <a:ext cx="2897640" cy="1931760"/>
+            <a:off x="3571560" y="1326600"/>
+            <a:ext cx="2921040" cy="1568520"/>
           </a:xfrm>
           <a:prstGeom prst="rect">
             <a:avLst/>
@@ -663,8 +663,8 @@
             <a:normAutofit/>
           </a:bodyPr>
           <a:p>
-            <a:endParaRPr b="0" lang="de-AT" sz="2400" spc="-1" strike="noStrike">
-              <a:latin typeface="Noto Sans"/>
+            <a:endParaRPr b="0" lang="en-US" sz="3200" spc="-1" strike="noStrike">
+              <a:latin typeface="Arial"/>
             </a:endParaRPr>
           </a:p>
         </p:txBody>
@@ -681,8 +681,8 @@
         </p:nvSpPr>
         <p:spPr>
           <a:xfrm>
-            <a:off x="6625800" y="1440000"/>
-            <a:ext cx="2897640" cy="1931760"/>
+            <a:off x="6639120" y="1326600"/>
+            <a:ext cx="2921040" cy="1568520"/>
           </a:xfrm>
           <a:prstGeom prst="rect">
             <a:avLst/>
@@ -697,8 +697,8 @@
             <a:normAutofit/>
           </a:bodyPr>
           <a:p>
-            <a:endParaRPr b="0" lang="de-AT" sz="2400" spc="-1" strike="noStrike">
-              <a:latin typeface="Noto Sans"/>
+            <a:endParaRPr b="0" lang="en-US" sz="3200" spc="-1" strike="noStrike">
+              <a:latin typeface="Arial"/>
             </a:endParaRPr>
           </a:p>
         </p:txBody>
@@ -715,8 +715,8 @@
         </p:nvSpPr>
         <p:spPr>
           <a:xfrm>
-            <a:off x="540000" y="3555720"/>
-            <a:ext cx="2897640" cy="1931760"/>
+            <a:off x="504000" y="3044520"/>
+            <a:ext cx="2921040" cy="1568520"/>
           </a:xfrm>
           <a:prstGeom prst="rect">
             <a:avLst/>
@@ -731,8 +731,8 @@
             <a:normAutofit/>
           </a:bodyPr>
           <a:p>
-            <a:endParaRPr b="0" lang="de-AT" sz="2400" spc="-1" strike="noStrike">
-              <a:latin typeface="Noto Sans"/>
+            <a:endParaRPr b="0" lang="en-US" sz="3200" spc="-1" strike="noStrike">
+              <a:latin typeface="Arial"/>
             </a:endParaRPr>
           </a:p>
         </p:txBody>
@@ -749,8 +749,8 @@
         </p:nvSpPr>
         <p:spPr>
           <a:xfrm>
-            <a:off x="3583080" y="3555720"/>
-            <a:ext cx="2897640" cy="1931760"/>
+            <a:off x="3571560" y="3044520"/>
+            <a:ext cx="2921040" cy="1568520"/>
           </a:xfrm>
           <a:prstGeom prst="rect">
             <a:avLst/>
@@ -765,8 +765,8 @@
             <a:normAutofit/>
           </a:bodyPr>
           <a:p>
-            <a:endParaRPr b="0" lang="de-AT" sz="2400" spc="-1" strike="noStrike">
-              <a:latin typeface="Noto Sans"/>
+            <a:endParaRPr b="0" lang="en-US" sz="3200" spc="-1" strike="noStrike">
+              <a:latin typeface="Arial"/>
             </a:endParaRPr>
           </a:p>
         </p:txBody>
@@ -783,8 +783,8 @@
         </p:nvSpPr>
         <p:spPr>
           <a:xfrm>
-            <a:off x="6625800" y="3555720"/>
-            <a:ext cx="2897640" cy="1931760"/>
+            <a:off x="6639120" y="3044520"/>
+            <a:ext cx="2921040" cy="1568520"/>
           </a:xfrm>
           <a:prstGeom prst="rect">
             <a:avLst/>
@@ -799,8 +799,8 @@
             <a:normAutofit/>
           </a:bodyPr>
           <a:p>
-            <a:endParaRPr b="0" lang="de-AT" sz="2400" spc="-1" strike="noStrike">
-              <a:latin typeface="Noto Sans"/>
+            <a:endParaRPr b="0" lang="en-US" sz="3200" spc="-1" strike="noStrike">
+              <a:latin typeface="Arial"/>
             </a:endParaRPr>
           </a:p>
         </p:txBody>
@@ -812,7 +812,7 @@
             <a:spLocks noGrp="1"/>
           </p:cNvSpPr>
           <p:nvPr>
-            <p:ph type="ftr" idx="2"/>
+            <p:ph type="ftr" idx="1"/>
           </p:nvPr>
         </p:nvSpPr>
         <p:spPr/>
@@ -832,14 +832,14 @@
             <a:spLocks noGrp="1"/>
           </p:cNvSpPr>
           <p:nvPr>
-            <p:ph type="sldNum" idx="3"/>
-          </p:nvPr>
-        </p:nvSpPr>
-        <p:spPr/>
-        <p:txBody>
-          <a:bodyPr/>
-          <a:p>
-            <a:fld id="{29D11497-F061-4BBA-9DB8-34AD87AE5B5B}" type="slidenum">
+            <p:ph type="sldNum" idx="2"/>
+          </p:nvPr>
+        </p:nvSpPr>
+        <p:spPr/>
+        <p:txBody>
+          <a:bodyPr/>
+          <a:p>
+            <a:fld id="{0651E466-174A-4DD8-9BEE-C80A472D2556}" type="slidenum">
               <a:t>&lt;#&gt;</a:t>
             </a:fld>
           </a:p>
@@ -852,7 +852,7 @@
             <a:spLocks noGrp="1"/>
           </p:cNvSpPr>
           <p:nvPr>
-            <p:ph type="dt" idx="1"/>
+            <p:ph type="dt" idx="3"/>
           </p:nvPr>
         </p:nvSpPr>
         <p:spPr/>
@@ -895,7 +895,7 @@
             <a:spLocks noGrp="1"/>
           </p:cNvSpPr>
           <p:nvPr>
-            <p:ph type="ftr" idx="5"/>
+            <p:ph type="ftr" idx="4"/>
           </p:nvPr>
         </p:nvSpPr>
         <p:spPr/>
@@ -915,14 +915,14 @@
             <a:spLocks noGrp="1"/>
           </p:cNvSpPr>
           <p:nvPr>
-            <p:ph type="sldNum" idx="6"/>
-          </p:nvPr>
-        </p:nvSpPr>
-        <p:spPr/>
-        <p:txBody>
-          <a:bodyPr/>
-          <a:p>
-            <a:fld id="{A1A0858E-9648-4B9C-AA48-38FCD43C5A18}" type="slidenum">
+            <p:ph type="sldNum" idx="5"/>
+          </p:nvPr>
+        </p:nvSpPr>
+        <p:spPr/>
+        <p:txBody>
+          <a:bodyPr/>
+          <a:p>
+            <a:fld id="{47273BC0-1DC1-4072-8C07-FB2CA121AC2B}" type="slidenum">
               <a:t>&lt;#&gt;</a:t>
             </a:fld>
           </a:p>
@@ -935,7 +935,7 @@
             <a:spLocks noGrp="1"/>
           </p:cNvSpPr>
           <p:nvPr>
-            <p:ph type="dt" idx="4"/>
+            <p:ph type="dt" idx="6"/>
           </p:nvPr>
         </p:nvSpPr>
         <p:spPr/>
@@ -984,44 +984,7 @@
         <p:spPr>
           <a:xfrm>
             <a:off x="540000" y="270000"/>
-            <a:ext cx="9000000" cy="990000"/>
-          </a:xfrm>
-          <a:prstGeom prst="rect">
-            <a:avLst/>
-          </a:prstGeom>
-          <a:noFill/>
-          <a:ln w="0">
-            <a:noFill/>
-          </a:ln>
-        </p:spPr>
-        <p:txBody>
-          <a:bodyPr lIns="0" rIns="0" tIns="0" bIns="0" anchor="ctr">
-            <a:normAutofit/>
-          </a:bodyPr>
-          <a:p>
-            <a:endParaRPr b="0" lang="de-AT" sz="4500" spc="-1" strike="noStrike">
-              <a:solidFill>
-                <a:srgbClr val="04617b"/>
-              </a:solidFill>
-              <a:latin typeface="Noto Sans"/>
-            </a:endParaRPr>
-          </a:p>
-        </p:txBody>
-      </p:sp>
-      <p:sp>
-        <p:nvSpPr>
-          <p:cNvPr id="49" name="PlaceHolder 2"/>
-          <p:cNvSpPr>
-            <a:spLocks noGrp="1"/>
-          </p:cNvSpPr>
-          <p:nvPr>
-            <p:ph type="subTitle"/>
-          </p:nvPr>
-        </p:nvSpPr>
-        <p:spPr>
-          <a:xfrm>
-            <a:off x="540000" y="1440000"/>
-            <a:ext cx="9000000" cy="4050000"/>
+            <a:ext cx="8999640" cy="989640"/>
           </a:xfrm>
           <a:prstGeom prst="rect">
             <a:avLst/>
@@ -1039,11 +1002,45 @@
             <a:pPr algn="ctr">
               <a:buNone/>
             </a:pPr>
-            <a:endParaRPr b="1" lang="de-AT" sz="4000" spc="-1" strike="noStrike">
-              <a:solidFill>
-                <a:srgbClr val="009eda"/>
-              </a:solidFill>
-              <a:latin typeface="Noto Sans"/>
+            <a:endParaRPr b="0" lang="en-US" sz="4400" spc="-1" strike="noStrike">
+              <a:latin typeface="Arial"/>
+            </a:endParaRPr>
+          </a:p>
+        </p:txBody>
+      </p:sp>
+      <p:sp>
+        <p:nvSpPr>
+          <p:cNvPr id="49" name="PlaceHolder 2"/>
+          <p:cNvSpPr>
+            <a:spLocks noGrp="1"/>
+          </p:cNvSpPr>
+          <p:nvPr>
+            <p:ph type="subTitle"/>
+          </p:nvPr>
+        </p:nvSpPr>
+        <p:spPr>
+          <a:xfrm>
+            <a:off x="504000" y="1326600"/>
+            <a:ext cx="9072000" cy="3288600"/>
+          </a:xfrm>
+          <a:prstGeom prst="rect">
+            <a:avLst/>
+          </a:prstGeom>
+          <a:noFill/>
+          <a:ln w="0">
+            <a:noFill/>
+          </a:ln>
+        </p:spPr>
+        <p:txBody>
+          <a:bodyPr lIns="0" rIns="0" tIns="0" bIns="0" anchor="ctr">
+            <a:noAutofit/>
+          </a:bodyPr>
+          <a:p>
+            <a:pPr algn="ctr">
+              <a:buNone/>
+            </a:pPr>
+            <a:endParaRPr b="0" lang="en-US" sz="3200" spc="-1" strike="noStrike">
+              <a:latin typeface="Arial"/>
             </a:endParaRPr>
           </a:p>
         </p:txBody>
@@ -1055,7 +1052,7 @@
             <a:spLocks noGrp="1"/>
           </p:cNvSpPr>
           <p:nvPr>
-            <p:ph type="ftr" idx="5"/>
+            <p:ph type="ftr" idx="4"/>
           </p:nvPr>
         </p:nvSpPr>
         <p:spPr/>
@@ -1075,14 +1072,14 @@
             <a:spLocks noGrp="1"/>
           </p:cNvSpPr>
           <p:nvPr>
-            <p:ph type="sldNum" idx="6"/>
-          </p:nvPr>
-        </p:nvSpPr>
-        <p:spPr/>
-        <p:txBody>
-          <a:bodyPr/>
-          <a:p>
-            <a:fld id="{261F6299-370E-432D-810A-23E61EA479F9}" type="slidenum">
+            <p:ph type="sldNum" idx="5"/>
+          </p:nvPr>
+        </p:nvSpPr>
+        <p:spPr/>
+        <p:txBody>
+          <a:bodyPr/>
+          <a:p>
+            <a:fld id="{1FCBBEDF-6658-44A8-9997-ADCC634911D6}" type="slidenum">
               <a:t>&lt;#&gt;</a:t>
             </a:fld>
           </a:p>
@@ -1095,7 +1092,7 @@
             <a:spLocks noGrp="1"/>
           </p:cNvSpPr>
           <p:nvPr>
-            <p:ph type="dt" idx="4"/>
+            <p:ph type="dt" idx="6"/>
           </p:nvPr>
         </p:nvSpPr>
         <p:spPr/>
@@ -1144,7 +1141,7 @@
         <p:spPr>
           <a:xfrm>
             <a:off x="540000" y="270000"/>
-            <a:ext cx="9000000" cy="990000"/>
+            <a:ext cx="8999640" cy="989640"/>
           </a:xfrm>
           <a:prstGeom prst="rect">
             <a:avLst/>
@@ -1156,14 +1153,14 @@
         </p:spPr>
         <p:txBody>
           <a:bodyPr lIns="0" rIns="0" tIns="0" bIns="0" anchor="ctr">
-            <a:normAutofit/>
-          </a:bodyPr>
-          <a:p>
-            <a:endParaRPr b="0" lang="de-AT" sz="4500" spc="-1" strike="noStrike">
-              <a:solidFill>
-                <a:srgbClr val="04617b"/>
-              </a:solidFill>
-              <a:latin typeface="Noto Sans"/>
+            <a:noAutofit/>
+          </a:bodyPr>
+          <a:p>
+            <a:pPr algn="ctr">
+              <a:buNone/>
+            </a:pPr>
+            <a:endParaRPr b="0" lang="en-US" sz="4400" spc="-1" strike="noStrike">
+              <a:latin typeface="Arial"/>
             </a:endParaRPr>
           </a:p>
         </p:txBody>
@@ -1180,8 +1177,8 @@
         </p:nvSpPr>
         <p:spPr>
           <a:xfrm>
-            <a:off x="540000" y="1440000"/>
-            <a:ext cx="9000000" cy="4050000"/>
+            <a:off x="504000" y="1326600"/>
+            <a:ext cx="9072000" cy="3288600"/>
           </a:xfrm>
           <a:prstGeom prst="rect">
             <a:avLst/>
@@ -1196,8 +1193,8 @@
             <a:normAutofit/>
           </a:bodyPr>
           <a:p>
-            <a:endParaRPr b="0" lang="de-AT" sz="2400" spc="-1" strike="noStrike">
-              <a:latin typeface="Noto Sans"/>
+            <a:endParaRPr b="0" lang="en-US" sz="3200" spc="-1" strike="noStrike">
+              <a:latin typeface="Arial"/>
             </a:endParaRPr>
           </a:p>
         </p:txBody>
@@ -1209,7 +1206,7 @@
             <a:spLocks noGrp="1"/>
           </p:cNvSpPr>
           <p:nvPr>
-            <p:ph type="ftr" idx="5"/>
+            <p:ph type="ftr" idx="4"/>
           </p:nvPr>
         </p:nvSpPr>
         <p:spPr/>
@@ -1229,14 +1226,14 @@
             <a:spLocks noGrp="1"/>
           </p:cNvSpPr>
           <p:nvPr>
-            <p:ph type="sldNum" idx="6"/>
-          </p:nvPr>
-        </p:nvSpPr>
-        <p:spPr/>
-        <p:txBody>
-          <a:bodyPr/>
-          <a:p>
-            <a:fld id="{821DD0B0-EBED-4614-B3F2-91375036C31C}" type="slidenum">
+            <p:ph type="sldNum" idx="5"/>
+          </p:nvPr>
+        </p:nvSpPr>
+        <p:spPr/>
+        <p:txBody>
+          <a:bodyPr/>
+          <a:p>
+            <a:fld id="{A51755C6-A3AD-412E-BFD0-F51DA4D0E1F9}" type="slidenum">
               <a:t>&lt;#&gt;</a:t>
             </a:fld>
           </a:p>
@@ -1249,7 +1246,7 @@
             <a:spLocks noGrp="1"/>
           </p:cNvSpPr>
           <p:nvPr>
-            <p:ph type="dt" idx="4"/>
+            <p:ph type="dt" idx="6"/>
           </p:nvPr>
         </p:nvSpPr>
         <p:spPr/>
@@ -1298,7 +1295,7 @@
         <p:spPr>
           <a:xfrm>
             <a:off x="540000" y="270000"/>
-            <a:ext cx="9000000" cy="990000"/>
+            <a:ext cx="8999640" cy="989640"/>
           </a:xfrm>
           <a:prstGeom prst="rect">
             <a:avLst/>
@@ -1310,14 +1307,14 @@
         </p:spPr>
         <p:txBody>
           <a:bodyPr lIns="0" rIns="0" tIns="0" bIns="0" anchor="ctr">
-            <a:normAutofit/>
-          </a:bodyPr>
-          <a:p>
-            <a:endParaRPr b="0" lang="de-AT" sz="4500" spc="-1" strike="noStrike">
-              <a:solidFill>
-                <a:srgbClr val="04617b"/>
-              </a:solidFill>
-              <a:latin typeface="Noto Sans"/>
+            <a:noAutofit/>
+          </a:bodyPr>
+          <a:p>
+            <a:pPr algn="ctr">
+              <a:buNone/>
+            </a:pPr>
+            <a:endParaRPr b="0" lang="en-US" sz="4400" spc="-1" strike="noStrike">
+              <a:latin typeface="Arial"/>
             </a:endParaRPr>
           </a:p>
         </p:txBody>
@@ -1334,8 +1331,8 @@
         </p:nvSpPr>
         <p:spPr>
           <a:xfrm>
-            <a:off x="540000" y="1440000"/>
-            <a:ext cx="4391640" cy="4050000"/>
+            <a:off x="504000" y="1326600"/>
+            <a:ext cx="4426920" cy="3288600"/>
           </a:xfrm>
           <a:prstGeom prst="rect">
             <a:avLst/>
@@ -1350,8 +1347,8 @@
             <a:normAutofit/>
           </a:bodyPr>
           <a:p>
-            <a:endParaRPr b="0" lang="de-AT" sz="2400" spc="-1" strike="noStrike">
-              <a:latin typeface="Noto Sans"/>
+            <a:endParaRPr b="0" lang="en-US" sz="3200" spc="-1" strike="noStrike">
+              <a:latin typeface="Arial"/>
             </a:endParaRPr>
           </a:p>
         </p:txBody>
@@ -1368,8 +1365,8 @@
         </p:nvSpPr>
         <p:spPr>
           <a:xfrm>
-            <a:off x="5151600" y="1440000"/>
-            <a:ext cx="4391640" cy="4050000"/>
+            <a:off x="5152680" y="1326600"/>
+            <a:ext cx="4426920" cy="3288600"/>
           </a:xfrm>
           <a:prstGeom prst="rect">
             <a:avLst/>
@@ -1384,8 +1381,8 @@
             <a:normAutofit/>
           </a:bodyPr>
           <a:p>
-            <a:endParaRPr b="0" lang="de-AT" sz="2400" spc="-1" strike="noStrike">
-              <a:latin typeface="Noto Sans"/>
+            <a:endParaRPr b="0" lang="en-US" sz="3200" spc="-1" strike="noStrike">
+              <a:latin typeface="Arial"/>
             </a:endParaRPr>
           </a:p>
         </p:txBody>
@@ -1397,7 +1394,7 @@
             <a:spLocks noGrp="1"/>
           </p:cNvSpPr>
           <p:nvPr>
-            <p:ph type="ftr" idx="5"/>
+            <p:ph type="ftr" idx="4"/>
           </p:nvPr>
         </p:nvSpPr>
         <p:spPr/>
@@ -1417,14 +1414,14 @@
             <a:spLocks noGrp="1"/>
           </p:cNvSpPr>
           <p:nvPr>
-            <p:ph type="sldNum" idx="6"/>
-          </p:nvPr>
-        </p:nvSpPr>
-        <p:spPr/>
-        <p:txBody>
-          <a:bodyPr/>
-          <a:p>
-            <a:fld id="{47399D66-050F-431D-AECC-F925F3F39347}" type="slidenum">
+            <p:ph type="sldNum" idx="5"/>
+          </p:nvPr>
+        </p:nvSpPr>
+        <p:spPr/>
+        <p:txBody>
+          <a:bodyPr/>
+          <a:p>
+            <a:fld id="{D7BF371E-09DE-43E4-81BD-8485C26041D8}" type="slidenum">
               <a:t>&lt;#&gt;</a:t>
             </a:fld>
           </a:p>
@@ -1437,7 +1434,7 @@
             <a:spLocks noGrp="1"/>
           </p:cNvSpPr>
           <p:nvPr>
-            <p:ph type="dt" idx="4"/>
+            <p:ph type="dt" idx="6"/>
           </p:nvPr>
         </p:nvSpPr>
         <p:spPr/>
@@ -1486,7 +1483,7 @@
         <p:spPr>
           <a:xfrm>
             <a:off x="540000" y="270000"/>
-            <a:ext cx="9000000" cy="990000"/>
+            <a:ext cx="8999640" cy="989640"/>
           </a:xfrm>
           <a:prstGeom prst="rect">
             <a:avLst/>
@@ -1498,14 +1495,14 @@
         </p:spPr>
         <p:txBody>
           <a:bodyPr lIns="0" rIns="0" tIns="0" bIns="0" anchor="ctr">
-            <a:normAutofit/>
-          </a:bodyPr>
-          <a:p>
-            <a:endParaRPr b="0" lang="de-AT" sz="4500" spc="-1" strike="noStrike">
-              <a:solidFill>
-                <a:srgbClr val="04617b"/>
-              </a:solidFill>
-              <a:latin typeface="Noto Sans"/>
+            <a:noAutofit/>
+          </a:bodyPr>
+          <a:p>
+            <a:pPr algn="ctr">
+              <a:buNone/>
+            </a:pPr>
+            <a:endParaRPr b="0" lang="en-US" sz="4400" spc="-1" strike="noStrike">
+              <a:latin typeface="Arial"/>
             </a:endParaRPr>
           </a:p>
         </p:txBody>
@@ -1517,7 +1514,7 @@
             <a:spLocks noGrp="1"/>
           </p:cNvSpPr>
           <p:nvPr>
-            <p:ph type="ftr" idx="5"/>
+            <p:ph type="ftr" idx="4"/>
           </p:nvPr>
         </p:nvSpPr>
         <p:spPr/>
@@ -1537,14 +1534,14 @@
             <a:spLocks noGrp="1"/>
           </p:cNvSpPr>
           <p:nvPr>
-            <p:ph type="sldNum" idx="6"/>
-          </p:nvPr>
-        </p:nvSpPr>
-        <p:spPr/>
-        <p:txBody>
-          <a:bodyPr/>
-          <a:p>
-            <a:fld id="{A46AC0C0-9FB6-4BEE-9561-83A6ED18550E}" type="slidenum">
+            <p:ph type="sldNum" idx="5"/>
+          </p:nvPr>
+        </p:nvSpPr>
+        <p:spPr/>
+        <p:txBody>
+          <a:bodyPr/>
+          <a:p>
+            <a:fld id="{0DEF52FB-63FC-4847-AC9B-53E987EB02C1}" type="slidenum">
               <a:t>&lt;#&gt;</a:t>
             </a:fld>
           </a:p>
@@ -1557,7 +1554,7 @@
             <a:spLocks noGrp="1"/>
           </p:cNvSpPr>
           <p:nvPr>
-            <p:ph type="dt" idx="4"/>
+            <p:ph type="dt" idx="6"/>
           </p:nvPr>
         </p:nvSpPr>
         <p:spPr/>
@@ -1606,7 +1603,7 @@
         <p:spPr>
           <a:xfrm>
             <a:off x="540000" y="270000"/>
-            <a:ext cx="9000000" cy="4590360"/>
+            <a:ext cx="8999640" cy="4588560"/>
           </a:xfrm>
           <a:prstGeom prst="rect">
             <a:avLst/>
@@ -1624,11 +1621,8 @@
             <a:pPr algn="ctr">
               <a:buNone/>
             </a:pPr>
-            <a:endParaRPr b="1" lang="de-AT" sz="4000" spc="-1" strike="noStrike">
-              <a:solidFill>
-                <a:srgbClr val="009eda"/>
-              </a:solidFill>
-              <a:latin typeface="Noto Sans"/>
+            <a:endParaRPr b="0" lang="en-US" sz="3200" spc="-1" strike="noStrike">
+              <a:latin typeface="Arial"/>
             </a:endParaRPr>
           </a:p>
         </p:txBody>
@@ -1640,7 +1634,7 @@
             <a:spLocks noGrp="1"/>
           </p:cNvSpPr>
           <p:nvPr>
-            <p:ph type="ftr" idx="5"/>
+            <p:ph type="ftr" idx="4"/>
           </p:nvPr>
         </p:nvSpPr>
         <p:spPr/>
@@ -1660,14 +1654,14 @@
             <a:spLocks noGrp="1"/>
           </p:cNvSpPr>
           <p:nvPr>
-            <p:ph type="sldNum" idx="6"/>
-          </p:nvPr>
-        </p:nvSpPr>
-        <p:spPr/>
-        <p:txBody>
-          <a:bodyPr/>
-          <a:p>
-            <a:fld id="{8A616EB2-51D8-458A-9723-6A816446C7A1}" type="slidenum">
+            <p:ph type="sldNum" idx="5"/>
+          </p:nvPr>
+        </p:nvSpPr>
+        <p:spPr/>
+        <p:txBody>
+          <a:bodyPr/>
+          <a:p>
+            <a:fld id="{BC53D587-06E1-426F-A597-00B0321AD7BC}" type="slidenum">
               <a:t>&lt;#&gt;</a:t>
             </a:fld>
           </a:p>
@@ -1680,7 +1674,7 @@
             <a:spLocks noGrp="1"/>
           </p:cNvSpPr>
           <p:nvPr>
-            <p:ph type="dt" idx="4"/>
+            <p:ph type="dt" idx="6"/>
           </p:nvPr>
         </p:nvSpPr>
         <p:spPr/>
@@ -1729,7 +1723,7 @@
         <p:spPr>
           <a:xfrm>
             <a:off x="540000" y="270000"/>
-            <a:ext cx="9000000" cy="990000"/>
+            <a:ext cx="8999640" cy="989640"/>
           </a:xfrm>
           <a:prstGeom prst="rect">
             <a:avLst/>
@@ -1741,14 +1735,14 @@
         </p:spPr>
         <p:txBody>
           <a:bodyPr lIns="0" rIns="0" tIns="0" bIns="0" anchor="ctr">
-            <a:normAutofit/>
-          </a:bodyPr>
-          <a:p>
-            <a:endParaRPr b="0" lang="de-AT" sz="4500" spc="-1" strike="noStrike">
-              <a:solidFill>
-                <a:srgbClr val="04617b"/>
-              </a:solidFill>
-              <a:latin typeface="Noto Sans"/>
+            <a:noAutofit/>
+          </a:bodyPr>
+          <a:p>
+            <a:pPr algn="ctr">
+              <a:buNone/>
+            </a:pPr>
+            <a:endParaRPr b="0" lang="en-US" sz="4400" spc="-1" strike="noStrike">
+              <a:latin typeface="Arial"/>
             </a:endParaRPr>
           </a:p>
         </p:txBody>
@@ -1765,8 +1759,8 @@
         </p:nvSpPr>
         <p:spPr>
           <a:xfrm>
-            <a:off x="540000" y="1440000"/>
-            <a:ext cx="4391640" cy="1931760"/>
+            <a:off x="504000" y="1326600"/>
+            <a:ext cx="4426920" cy="1568520"/>
           </a:xfrm>
           <a:prstGeom prst="rect">
             <a:avLst/>
@@ -1781,8 +1775,8 @@
             <a:normAutofit/>
           </a:bodyPr>
           <a:p>
-            <a:endParaRPr b="0" lang="de-AT" sz="2400" spc="-1" strike="noStrike">
-              <a:latin typeface="Noto Sans"/>
+            <a:endParaRPr b="0" lang="en-US" sz="3200" spc="-1" strike="noStrike">
+              <a:latin typeface="Arial"/>
             </a:endParaRPr>
           </a:p>
         </p:txBody>
@@ -1799,8 +1793,8 @@
         </p:nvSpPr>
         <p:spPr>
           <a:xfrm>
-            <a:off x="5151600" y="1440000"/>
-            <a:ext cx="4391640" cy="4050000"/>
+            <a:off x="5152680" y="1326600"/>
+            <a:ext cx="4426920" cy="3288600"/>
           </a:xfrm>
           <a:prstGeom prst="rect">
             <a:avLst/>
@@ -1815,8 +1809,8 @@
             <a:normAutofit/>
           </a:bodyPr>
           <a:p>
-            <a:endParaRPr b="0" lang="de-AT" sz="2400" spc="-1" strike="noStrike">
-              <a:latin typeface="Noto Sans"/>
+            <a:endParaRPr b="0" lang="en-US" sz="3200" spc="-1" strike="noStrike">
+              <a:latin typeface="Arial"/>
             </a:endParaRPr>
           </a:p>
         </p:txBody>
@@ -1833,8 +1827,8 @@
         </p:nvSpPr>
         <p:spPr>
           <a:xfrm>
-            <a:off x="540000" y="3555720"/>
-            <a:ext cx="4391640" cy="1931760"/>
+            <a:off x="504000" y="3044520"/>
+            <a:ext cx="4426920" cy="1568520"/>
           </a:xfrm>
           <a:prstGeom prst="rect">
             <a:avLst/>
@@ -1849,8 +1843,8 @@
             <a:normAutofit/>
           </a:bodyPr>
           <a:p>
-            <a:endParaRPr b="0" lang="de-AT" sz="2400" spc="-1" strike="noStrike">
-              <a:latin typeface="Noto Sans"/>
+            <a:endParaRPr b="0" lang="en-US" sz="3200" spc="-1" strike="noStrike">
+              <a:latin typeface="Arial"/>
             </a:endParaRPr>
           </a:p>
         </p:txBody>
@@ -1862,7 +1856,7 @@
             <a:spLocks noGrp="1"/>
           </p:cNvSpPr>
           <p:nvPr>
-            <p:ph type="ftr" idx="5"/>
+            <p:ph type="ftr" idx="4"/>
           </p:nvPr>
         </p:nvSpPr>
         <p:spPr/>
@@ -1882,14 +1876,14 @@
             <a:spLocks noGrp="1"/>
           </p:cNvSpPr>
           <p:nvPr>
-            <p:ph type="sldNum" idx="6"/>
-          </p:nvPr>
-        </p:nvSpPr>
-        <p:spPr/>
-        <p:txBody>
-          <a:bodyPr/>
-          <a:p>
-            <a:fld id="{DE40293E-9355-4C78-A839-0F8D0AE5C374}" type="slidenum">
+            <p:ph type="sldNum" idx="5"/>
+          </p:nvPr>
+        </p:nvSpPr>
+        <p:spPr/>
+        <p:txBody>
+          <a:bodyPr/>
+          <a:p>
+            <a:fld id="{C9A85BE6-0CC6-4506-8EB2-20E301E5C46A}" type="slidenum">
               <a:t>&lt;#&gt;</a:t>
             </a:fld>
           </a:p>
@@ -1902,7 +1896,7 @@
             <a:spLocks noGrp="1"/>
           </p:cNvSpPr>
           <p:nvPr>
-            <p:ph type="dt" idx="4"/>
+            <p:ph type="dt" idx="6"/>
           </p:nvPr>
         </p:nvSpPr>
         <p:spPr/>
@@ -1951,44 +1945,7 @@
         <p:spPr>
           <a:xfrm>
             <a:off x="540000" y="270000"/>
-            <a:ext cx="9000000" cy="990000"/>
-          </a:xfrm>
-          <a:prstGeom prst="rect">
-            <a:avLst/>
-          </a:prstGeom>
-          <a:noFill/>
-          <a:ln w="0">
-            <a:noFill/>
-          </a:ln>
-        </p:spPr>
-        <p:txBody>
-          <a:bodyPr lIns="0" rIns="0" tIns="0" bIns="0" anchor="ctr">
-            <a:normAutofit/>
-          </a:bodyPr>
-          <a:p>
-            <a:endParaRPr b="0" lang="de-AT" sz="4500" spc="-1" strike="noStrike">
-              <a:solidFill>
-                <a:srgbClr val="04617b"/>
-              </a:solidFill>
-              <a:latin typeface="Noto Sans"/>
-            </a:endParaRPr>
-          </a:p>
-        </p:txBody>
-      </p:sp>
-      <p:sp>
-        <p:nvSpPr>
-          <p:cNvPr id="7" name="PlaceHolder 2"/>
-          <p:cNvSpPr>
-            <a:spLocks noGrp="1"/>
-          </p:cNvSpPr>
-          <p:nvPr>
-            <p:ph type="subTitle"/>
-          </p:nvPr>
-        </p:nvSpPr>
-        <p:spPr>
-          <a:xfrm>
-            <a:off x="540000" y="1440000"/>
-            <a:ext cx="9000000" cy="4050000"/>
+            <a:ext cx="8999640" cy="989640"/>
           </a:xfrm>
           <a:prstGeom prst="rect">
             <a:avLst/>
@@ -2006,11 +1963,45 @@
             <a:pPr algn="ctr">
               <a:buNone/>
             </a:pPr>
-            <a:endParaRPr b="1" lang="de-AT" sz="4000" spc="-1" strike="noStrike">
-              <a:solidFill>
-                <a:srgbClr val="009eda"/>
-              </a:solidFill>
-              <a:latin typeface="Noto Sans"/>
+            <a:endParaRPr b="0" lang="en-US" sz="4400" spc="-1" strike="noStrike">
+              <a:latin typeface="Arial"/>
+            </a:endParaRPr>
+          </a:p>
+        </p:txBody>
+      </p:sp>
+      <p:sp>
+        <p:nvSpPr>
+          <p:cNvPr id="7" name="PlaceHolder 2"/>
+          <p:cNvSpPr>
+            <a:spLocks noGrp="1"/>
+          </p:cNvSpPr>
+          <p:nvPr>
+            <p:ph type="subTitle"/>
+          </p:nvPr>
+        </p:nvSpPr>
+        <p:spPr>
+          <a:xfrm>
+            <a:off x="504000" y="1326600"/>
+            <a:ext cx="9072000" cy="3288600"/>
+          </a:xfrm>
+          <a:prstGeom prst="rect">
+            <a:avLst/>
+          </a:prstGeom>
+          <a:noFill/>
+          <a:ln w="0">
+            <a:noFill/>
+          </a:ln>
+        </p:spPr>
+        <p:txBody>
+          <a:bodyPr lIns="0" rIns="0" tIns="0" bIns="0" anchor="ctr">
+            <a:noAutofit/>
+          </a:bodyPr>
+          <a:p>
+            <a:pPr algn="ctr">
+              <a:buNone/>
+            </a:pPr>
+            <a:endParaRPr b="0" lang="en-US" sz="3200" spc="-1" strike="noStrike">
+              <a:latin typeface="Arial"/>
             </a:endParaRPr>
           </a:p>
         </p:txBody>
@@ -2022,7 +2013,7 @@
             <a:spLocks noGrp="1"/>
           </p:cNvSpPr>
           <p:nvPr>
-            <p:ph type="ftr" idx="2"/>
+            <p:ph type="ftr" idx="1"/>
           </p:nvPr>
         </p:nvSpPr>
         <p:spPr/>
@@ -2042,14 +2033,14 @@
             <a:spLocks noGrp="1"/>
           </p:cNvSpPr>
           <p:nvPr>
-            <p:ph type="sldNum" idx="3"/>
-          </p:nvPr>
-        </p:nvSpPr>
-        <p:spPr/>
-        <p:txBody>
-          <a:bodyPr/>
-          <a:p>
-            <a:fld id="{180CF1A6-8AB0-467B-9F87-84D5C0D8871E}" type="slidenum">
+            <p:ph type="sldNum" idx="2"/>
+          </p:nvPr>
+        </p:nvSpPr>
+        <p:spPr/>
+        <p:txBody>
+          <a:bodyPr/>
+          <a:p>
+            <a:fld id="{2D39576C-B572-43AD-8B20-22581AC9F809}" type="slidenum">
               <a:t>&lt;#&gt;</a:t>
             </a:fld>
           </a:p>
@@ -2062,7 +2053,7 @@
             <a:spLocks noGrp="1"/>
           </p:cNvSpPr>
           <p:nvPr>
-            <p:ph type="dt" idx="1"/>
+            <p:ph type="dt" idx="3"/>
           </p:nvPr>
         </p:nvSpPr>
         <p:spPr/>
@@ -2111,7 +2102,7 @@
         <p:spPr>
           <a:xfrm>
             <a:off x="540000" y="270000"/>
-            <a:ext cx="9000000" cy="990000"/>
+            <a:ext cx="8999640" cy="989640"/>
           </a:xfrm>
           <a:prstGeom prst="rect">
             <a:avLst/>
@@ -2123,14 +2114,14 @@
         </p:spPr>
         <p:txBody>
           <a:bodyPr lIns="0" rIns="0" tIns="0" bIns="0" anchor="ctr">
-            <a:normAutofit/>
-          </a:bodyPr>
-          <a:p>
-            <a:endParaRPr b="0" lang="de-AT" sz="4500" spc="-1" strike="noStrike">
-              <a:solidFill>
-                <a:srgbClr val="04617b"/>
-              </a:solidFill>
-              <a:latin typeface="Noto Sans"/>
+            <a:noAutofit/>
+          </a:bodyPr>
+          <a:p>
+            <a:pPr algn="ctr">
+              <a:buNone/>
+            </a:pPr>
+            <a:endParaRPr b="0" lang="en-US" sz="4400" spc="-1" strike="noStrike">
+              <a:latin typeface="Arial"/>
             </a:endParaRPr>
           </a:p>
         </p:txBody>
@@ -2147,8 +2138,8 @@
         </p:nvSpPr>
         <p:spPr>
           <a:xfrm>
-            <a:off x="540000" y="1440000"/>
-            <a:ext cx="4391640" cy="4050000"/>
+            <a:off x="504000" y="1326600"/>
+            <a:ext cx="4426920" cy="3288600"/>
           </a:xfrm>
           <a:prstGeom prst="rect">
             <a:avLst/>
@@ -2163,8 +2154,8 @@
             <a:normAutofit/>
           </a:bodyPr>
           <a:p>
-            <a:endParaRPr b="0" lang="de-AT" sz="2400" spc="-1" strike="noStrike">
-              <a:latin typeface="Noto Sans"/>
+            <a:endParaRPr b="0" lang="en-US" sz="3200" spc="-1" strike="noStrike">
+              <a:latin typeface="Arial"/>
             </a:endParaRPr>
           </a:p>
         </p:txBody>
@@ -2181,8 +2172,8 @@
         </p:nvSpPr>
         <p:spPr>
           <a:xfrm>
-            <a:off x="5151600" y="1440000"/>
-            <a:ext cx="4391640" cy="1931760"/>
+            <a:off x="5152680" y="1326600"/>
+            <a:ext cx="4426920" cy="1568520"/>
           </a:xfrm>
           <a:prstGeom prst="rect">
             <a:avLst/>
@@ -2197,8 +2188,8 @@
             <a:normAutofit/>
           </a:bodyPr>
           <a:p>
-            <a:endParaRPr b="0" lang="de-AT" sz="2400" spc="-1" strike="noStrike">
-              <a:latin typeface="Noto Sans"/>
+            <a:endParaRPr b="0" lang="en-US" sz="3200" spc="-1" strike="noStrike">
+              <a:latin typeface="Arial"/>
             </a:endParaRPr>
           </a:p>
         </p:txBody>
@@ -2215,8 +2206,8 @@
         </p:nvSpPr>
         <p:spPr>
           <a:xfrm>
-            <a:off x="5151600" y="3555720"/>
-            <a:ext cx="4391640" cy="1931760"/>
+            <a:off x="5152680" y="3044520"/>
+            <a:ext cx="4426920" cy="1568520"/>
           </a:xfrm>
           <a:prstGeom prst="rect">
             <a:avLst/>
@@ -2231,8 +2222,8 @@
             <a:normAutofit/>
           </a:bodyPr>
           <a:p>
-            <a:endParaRPr b="0" lang="de-AT" sz="2400" spc="-1" strike="noStrike">
-              <a:latin typeface="Noto Sans"/>
+            <a:endParaRPr b="0" lang="en-US" sz="3200" spc="-1" strike="noStrike">
+              <a:latin typeface="Arial"/>
             </a:endParaRPr>
           </a:p>
         </p:txBody>
@@ -2244,7 +2235,7 @@
             <a:spLocks noGrp="1"/>
           </p:cNvSpPr>
           <p:nvPr>
-            <p:ph type="ftr" idx="5"/>
+            <p:ph type="ftr" idx="4"/>
           </p:nvPr>
         </p:nvSpPr>
         <p:spPr/>
@@ -2264,14 +2255,14 @@
             <a:spLocks noGrp="1"/>
           </p:cNvSpPr>
           <p:nvPr>
-            <p:ph type="sldNum" idx="6"/>
-          </p:nvPr>
-        </p:nvSpPr>
-        <p:spPr/>
-        <p:txBody>
-          <a:bodyPr/>
-          <a:p>
-            <a:fld id="{6DCE4F17-104F-4A86-9BA2-5B32BF806614}" type="slidenum">
+            <p:ph type="sldNum" idx="5"/>
+          </p:nvPr>
+        </p:nvSpPr>
+        <p:spPr/>
+        <p:txBody>
+          <a:bodyPr/>
+          <a:p>
+            <a:fld id="{3EF80034-2BD9-4847-98D6-B013B519D218}" type="slidenum">
               <a:t>&lt;#&gt;</a:t>
             </a:fld>
           </a:p>
@@ -2284,7 +2275,7 @@
             <a:spLocks noGrp="1"/>
           </p:cNvSpPr>
           <p:nvPr>
-            <p:ph type="dt" idx="4"/>
+            <p:ph type="dt" idx="6"/>
           </p:nvPr>
         </p:nvSpPr>
         <p:spPr/>
@@ -2333,7 +2324,7 @@
         <p:spPr>
           <a:xfrm>
             <a:off x="540000" y="270000"/>
-            <a:ext cx="9000000" cy="990000"/>
+            <a:ext cx="8999640" cy="989640"/>
           </a:xfrm>
           <a:prstGeom prst="rect">
             <a:avLst/>
@@ -2345,14 +2336,14 @@
         </p:spPr>
         <p:txBody>
           <a:bodyPr lIns="0" rIns="0" tIns="0" bIns="0" anchor="ctr">
-            <a:normAutofit/>
-          </a:bodyPr>
-          <a:p>
-            <a:endParaRPr b="0" lang="de-AT" sz="4500" spc="-1" strike="noStrike">
-              <a:solidFill>
-                <a:srgbClr val="04617b"/>
-              </a:solidFill>
-              <a:latin typeface="Noto Sans"/>
+            <a:noAutofit/>
+          </a:bodyPr>
+          <a:p>
+            <a:pPr algn="ctr">
+              <a:buNone/>
+            </a:pPr>
+            <a:endParaRPr b="0" lang="en-US" sz="4400" spc="-1" strike="noStrike">
+              <a:latin typeface="Arial"/>
             </a:endParaRPr>
           </a:p>
         </p:txBody>
@@ -2369,8 +2360,8 @@
         </p:nvSpPr>
         <p:spPr>
           <a:xfrm>
-            <a:off x="540000" y="1440000"/>
-            <a:ext cx="4391640" cy="1931760"/>
+            <a:off x="504000" y="1326600"/>
+            <a:ext cx="4426920" cy="1568520"/>
           </a:xfrm>
           <a:prstGeom prst="rect">
             <a:avLst/>
@@ -2385,8 +2376,8 @@
             <a:normAutofit/>
           </a:bodyPr>
           <a:p>
-            <a:endParaRPr b="0" lang="de-AT" sz="2400" spc="-1" strike="noStrike">
-              <a:latin typeface="Noto Sans"/>
+            <a:endParaRPr b="0" lang="en-US" sz="3200" spc="-1" strike="noStrike">
+              <a:latin typeface="Arial"/>
             </a:endParaRPr>
           </a:p>
         </p:txBody>
@@ -2403,8 +2394,8 @@
         </p:nvSpPr>
         <p:spPr>
           <a:xfrm>
-            <a:off x="5151600" y="1440000"/>
-            <a:ext cx="4391640" cy="1931760"/>
+            <a:off x="5152680" y="1326600"/>
+            <a:ext cx="4426920" cy="1568520"/>
           </a:xfrm>
           <a:prstGeom prst="rect">
             <a:avLst/>
@@ -2419,8 +2410,8 @@
             <a:normAutofit/>
           </a:bodyPr>
           <a:p>
-            <a:endParaRPr b="0" lang="de-AT" sz="2400" spc="-1" strike="noStrike">
-              <a:latin typeface="Noto Sans"/>
+            <a:endParaRPr b="0" lang="en-US" sz="3200" spc="-1" strike="noStrike">
+              <a:latin typeface="Arial"/>
             </a:endParaRPr>
           </a:p>
         </p:txBody>
@@ -2437,8 +2428,8 @@
         </p:nvSpPr>
         <p:spPr>
           <a:xfrm>
-            <a:off x="540000" y="3555720"/>
-            <a:ext cx="9000000" cy="1931760"/>
+            <a:off x="504000" y="3044520"/>
+            <a:ext cx="9072000" cy="1568520"/>
           </a:xfrm>
           <a:prstGeom prst="rect">
             <a:avLst/>
@@ -2453,8 +2444,8 @@
             <a:normAutofit/>
           </a:bodyPr>
           <a:p>
-            <a:endParaRPr b="0" lang="de-AT" sz="2400" spc="-1" strike="noStrike">
-              <a:latin typeface="Noto Sans"/>
+            <a:endParaRPr b="0" lang="en-US" sz="3200" spc="-1" strike="noStrike">
+              <a:latin typeface="Arial"/>
             </a:endParaRPr>
           </a:p>
         </p:txBody>
@@ -2466,7 +2457,7 @@
             <a:spLocks noGrp="1"/>
           </p:cNvSpPr>
           <p:nvPr>
-            <p:ph type="ftr" idx="5"/>
+            <p:ph type="ftr" idx="4"/>
           </p:nvPr>
         </p:nvSpPr>
         <p:spPr/>
@@ -2486,14 +2477,14 @@
             <a:spLocks noGrp="1"/>
           </p:cNvSpPr>
           <p:nvPr>
-            <p:ph type="sldNum" idx="6"/>
-          </p:nvPr>
-        </p:nvSpPr>
-        <p:spPr/>
-        <p:txBody>
-          <a:bodyPr/>
-          <a:p>
-            <a:fld id="{EDB6B2DB-BA27-42D8-AACE-5628155FB974}" type="slidenum">
+            <p:ph type="sldNum" idx="5"/>
+          </p:nvPr>
+        </p:nvSpPr>
+        <p:spPr/>
+        <p:txBody>
+          <a:bodyPr/>
+          <a:p>
+            <a:fld id="{E65B971B-0274-4384-BC69-F781E3808E2A}" type="slidenum">
               <a:t>&lt;#&gt;</a:t>
             </a:fld>
           </a:p>
@@ -2506,7 +2497,7 @@
             <a:spLocks noGrp="1"/>
           </p:cNvSpPr>
           <p:nvPr>
-            <p:ph type="dt" idx="4"/>
+            <p:ph type="dt" idx="6"/>
           </p:nvPr>
         </p:nvSpPr>
         <p:spPr/>
@@ -2555,7 +2546,7 @@
         <p:spPr>
           <a:xfrm>
             <a:off x="540000" y="270000"/>
-            <a:ext cx="9000000" cy="990000"/>
+            <a:ext cx="8999640" cy="989640"/>
           </a:xfrm>
           <a:prstGeom prst="rect">
             <a:avLst/>
@@ -2567,14 +2558,14 @@
         </p:spPr>
         <p:txBody>
           <a:bodyPr lIns="0" rIns="0" tIns="0" bIns="0" anchor="ctr">
-            <a:normAutofit/>
-          </a:bodyPr>
-          <a:p>
-            <a:endParaRPr b="0" lang="de-AT" sz="4500" spc="-1" strike="noStrike">
-              <a:solidFill>
-                <a:srgbClr val="04617b"/>
-              </a:solidFill>
-              <a:latin typeface="Noto Sans"/>
+            <a:noAutofit/>
+          </a:bodyPr>
+          <a:p>
+            <a:pPr algn="ctr">
+              <a:buNone/>
+            </a:pPr>
+            <a:endParaRPr b="0" lang="en-US" sz="4400" spc="-1" strike="noStrike">
+              <a:latin typeface="Arial"/>
             </a:endParaRPr>
           </a:p>
         </p:txBody>
@@ -2591,8 +2582,8 @@
         </p:nvSpPr>
         <p:spPr>
           <a:xfrm>
-            <a:off x="540000" y="1440000"/>
-            <a:ext cx="9000000" cy="1931760"/>
+            <a:off x="504000" y="1326600"/>
+            <a:ext cx="9072000" cy="1568520"/>
           </a:xfrm>
           <a:prstGeom prst="rect">
             <a:avLst/>
@@ -2607,8 +2598,8 @@
             <a:normAutofit/>
           </a:bodyPr>
           <a:p>
-            <a:endParaRPr b="0" lang="de-AT" sz="2400" spc="-1" strike="noStrike">
-              <a:latin typeface="Noto Sans"/>
+            <a:endParaRPr b="0" lang="en-US" sz="3200" spc="-1" strike="noStrike">
+              <a:latin typeface="Arial"/>
             </a:endParaRPr>
           </a:p>
         </p:txBody>
@@ -2625,8 +2616,8 @@
         </p:nvSpPr>
         <p:spPr>
           <a:xfrm>
-            <a:off x="540000" y="3555720"/>
-            <a:ext cx="9000000" cy="1931760"/>
+            <a:off x="504000" y="3044520"/>
+            <a:ext cx="9072000" cy="1568520"/>
           </a:xfrm>
           <a:prstGeom prst="rect">
             <a:avLst/>
@@ -2641,8 +2632,8 @@
             <a:normAutofit/>
           </a:bodyPr>
           <a:p>
-            <a:endParaRPr b="0" lang="de-AT" sz="2400" spc="-1" strike="noStrike">
-              <a:latin typeface="Noto Sans"/>
+            <a:endParaRPr b="0" lang="en-US" sz="3200" spc="-1" strike="noStrike">
+              <a:latin typeface="Arial"/>
             </a:endParaRPr>
           </a:p>
         </p:txBody>
@@ -2654,7 +2645,7 @@
             <a:spLocks noGrp="1"/>
           </p:cNvSpPr>
           <p:nvPr>
-            <p:ph type="ftr" idx="5"/>
+            <p:ph type="ftr" idx="4"/>
           </p:nvPr>
         </p:nvSpPr>
         <p:spPr/>
@@ -2674,14 +2665,14 @@
             <a:spLocks noGrp="1"/>
           </p:cNvSpPr>
           <p:nvPr>
-            <p:ph type="sldNum" idx="6"/>
-          </p:nvPr>
-        </p:nvSpPr>
-        <p:spPr/>
-        <p:txBody>
-          <a:bodyPr/>
-          <a:p>
-            <a:fld id="{51910620-BE66-472C-BD88-D50DC4D911E3}" type="slidenum">
+            <p:ph type="sldNum" idx="5"/>
+          </p:nvPr>
+        </p:nvSpPr>
+        <p:spPr/>
+        <p:txBody>
+          <a:bodyPr/>
+          <a:p>
+            <a:fld id="{5CFAB6A5-AED9-4D07-A7CB-D854896F9E64}" type="slidenum">
               <a:t>&lt;#&gt;</a:t>
             </a:fld>
           </a:p>
@@ -2694,7 +2685,7 @@
             <a:spLocks noGrp="1"/>
           </p:cNvSpPr>
           <p:nvPr>
-            <p:ph type="dt" idx="4"/>
+            <p:ph type="dt" idx="6"/>
           </p:nvPr>
         </p:nvSpPr>
         <p:spPr/>
@@ -2743,7 +2734,7 @@
         <p:spPr>
           <a:xfrm>
             <a:off x="540000" y="270000"/>
-            <a:ext cx="9000000" cy="990000"/>
+            <a:ext cx="8999640" cy="989640"/>
           </a:xfrm>
           <a:prstGeom prst="rect">
             <a:avLst/>
@@ -2755,14 +2746,14 @@
         </p:spPr>
         <p:txBody>
           <a:bodyPr lIns="0" rIns="0" tIns="0" bIns="0" anchor="ctr">
-            <a:normAutofit/>
-          </a:bodyPr>
-          <a:p>
-            <a:endParaRPr b="0" lang="de-AT" sz="4500" spc="-1" strike="noStrike">
-              <a:solidFill>
-                <a:srgbClr val="04617b"/>
-              </a:solidFill>
-              <a:latin typeface="Noto Sans"/>
+            <a:noAutofit/>
+          </a:bodyPr>
+          <a:p>
+            <a:pPr algn="ctr">
+              <a:buNone/>
+            </a:pPr>
+            <a:endParaRPr b="0" lang="en-US" sz="4400" spc="-1" strike="noStrike">
+              <a:latin typeface="Arial"/>
             </a:endParaRPr>
           </a:p>
         </p:txBody>
@@ -2779,8 +2770,8 @@
         </p:nvSpPr>
         <p:spPr>
           <a:xfrm>
-            <a:off x="540000" y="1440000"/>
-            <a:ext cx="4391640" cy="1931760"/>
+            <a:off x="504000" y="1326600"/>
+            <a:ext cx="4426920" cy="1568520"/>
           </a:xfrm>
           <a:prstGeom prst="rect">
             <a:avLst/>
@@ -2795,8 +2786,8 @@
             <a:normAutofit/>
           </a:bodyPr>
           <a:p>
-            <a:endParaRPr b="0" lang="de-AT" sz="2400" spc="-1" strike="noStrike">
-              <a:latin typeface="Noto Sans"/>
+            <a:endParaRPr b="0" lang="en-US" sz="3200" spc="-1" strike="noStrike">
+              <a:latin typeface="Arial"/>
             </a:endParaRPr>
           </a:p>
         </p:txBody>
@@ -2813,8 +2804,8 @@
         </p:nvSpPr>
         <p:spPr>
           <a:xfrm>
-            <a:off x="5151600" y="1440000"/>
-            <a:ext cx="4391640" cy="1931760"/>
+            <a:off x="5152680" y="1326600"/>
+            <a:ext cx="4426920" cy="1568520"/>
           </a:xfrm>
           <a:prstGeom prst="rect">
             <a:avLst/>
@@ -2829,8 +2820,8 @@
             <a:normAutofit/>
           </a:bodyPr>
           <a:p>
-            <a:endParaRPr b="0" lang="de-AT" sz="2400" spc="-1" strike="noStrike">
-              <a:latin typeface="Noto Sans"/>
+            <a:endParaRPr b="0" lang="en-US" sz="3200" spc="-1" strike="noStrike">
+              <a:latin typeface="Arial"/>
             </a:endParaRPr>
           </a:p>
         </p:txBody>
@@ -2847,8 +2838,8 @@
         </p:nvSpPr>
         <p:spPr>
           <a:xfrm>
-            <a:off x="540000" y="3555720"/>
-            <a:ext cx="4391640" cy="1931760"/>
+            <a:off x="504000" y="3044520"/>
+            <a:ext cx="4426920" cy="1568520"/>
           </a:xfrm>
           <a:prstGeom prst="rect">
             <a:avLst/>
@@ -2863,8 +2854,8 @@
             <a:normAutofit/>
           </a:bodyPr>
           <a:p>
-            <a:endParaRPr b="0" lang="de-AT" sz="2400" spc="-1" strike="noStrike">
-              <a:latin typeface="Noto Sans"/>
+            <a:endParaRPr b="0" lang="en-US" sz="3200" spc="-1" strike="noStrike">
+              <a:latin typeface="Arial"/>
             </a:endParaRPr>
           </a:p>
         </p:txBody>
@@ -2881,8 +2872,8 @@
         </p:nvSpPr>
         <p:spPr>
           <a:xfrm>
-            <a:off x="5151600" y="3555720"/>
-            <a:ext cx="4391640" cy="1931760"/>
+            <a:off x="5152680" y="3044520"/>
+            <a:ext cx="4426920" cy="1568520"/>
           </a:xfrm>
           <a:prstGeom prst="rect">
             <a:avLst/>
@@ -2897,8 +2888,8 @@
             <a:normAutofit/>
           </a:bodyPr>
           <a:p>
-            <a:endParaRPr b="0" lang="de-AT" sz="2400" spc="-1" strike="noStrike">
-              <a:latin typeface="Noto Sans"/>
+            <a:endParaRPr b="0" lang="en-US" sz="3200" spc="-1" strike="noStrike">
+              <a:latin typeface="Arial"/>
             </a:endParaRPr>
           </a:p>
         </p:txBody>
@@ -2910,7 +2901,7 @@
             <a:spLocks noGrp="1"/>
           </p:cNvSpPr>
           <p:nvPr>
-            <p:ph type="ftr" idx="5"/>
+            <p:ph type="ftr" idx="4"/>
           </p:nvPr>
         </p:nvSpPr>
         <p:spPr/>
@@ -2930,14 +2921,14 @@
             <a:spLocks noGrp="1"/>
           </p:cNvSpPr>
           <p:nvPr>
-            <p:ph type="sldNum" idx="6"/>
-          </p:nvPr>
-        </p:nvSpPr>
-        <p:spPr/>
-        <p:txBody>
-          <a:bodyPr/>
-          <a:p>
-            <a:fld id="{4B1AD53E-703C-40F9-9333-219E25C93033}" type="slidenum">
+            <p:ph type="sldNum" idx="5"/>
+          </p:nvPr>
+        </p:nvSpPr>
+        <p:spPr/>
+        <p:txBody>
+          <a:bodyPr/>
+          <a:p>
+            <a:fld id="{BDB93CB7-76D7-4648-BFC7-025D87487512}" type="slidenum">
               <a:t>&lt;#&gt;</a:t>
             </a:fld>
           </a:p>
@@ -2950,7 +2941,7 @@
             <a:spLocks noGrp="1"/>
           </p:cNvSpPr>
           <p:nvPr>
-            <p:ph type="dt" idx="4"/>
+            <p:ph type="dt" idx="6"/>
           </p:nvPr>
         </p:nvSpPr>
         <p:spPr/>
@@ -2999,7 +2990,7 @@
         <p:spPr>
           <a:xfrm>
             <a:off x="540000" y="270000"/>
-            <a:ext cx="9000000" cy="990000"/>
+            <a:ext cx="8999640" cy="989640"/>
           </a:xfrm>
           <a:prstGeom prst="rect">
             <a:avLst/>
@@ -3011,14 +3002,14 @@
         </p:spPr>
         <p:txBody>
           <a:bodyPr lIns="0" rIns="0" tIns="0" bIns="0" anchor="ctr">
-            <a:normAutofit/>
-          </a:bodyPr>
-          <a:p>
-            <a:endParaRPr b="0" lang="de-AT" sz="4500" spc="-1" strike="noStrike">
-              <a:solidFill>
-                <a:srgbClr val="04617b"/>
-              </a:solidFill>
-              <a:latin typeface="Noto Sans"/>
+            <a:noAutofit/>
+          </a:bodyPr>
+          <a:p>
+            <a:pPr algn="ctr">
+              <a:buNone/>
+            </a:pPr>
+            <a:endParaRPr b="0" lang="en-US" sz="4400" spc="-1" strike="noStrike">
+              <a:latin typeface="Arial"/>
             </a:endParaRPr>
           </a:p>
         </p:txBody>
@@ -3035,8 +3026,8 @@
         </p:nvSpPr>
         <p:spPr>
           <a:xfrm>
-            <a:off x="540000" y="1440000"/>
-            <a:ext cx="2897640" cy="1931760"/>
+            <a:off x="504000" y="1326600"/>
+            <a:ext cx="2921040" cy="1568520"/>
           </a:xfrm>
           <a:prstGeom prst="rect">
             <a:avLst/>
@@ -3051,8 +3042,8 @@
             <a:normAutofit/>
           </a:bodyPr>
           <a:p>
-            <a:endParaRPr b="0" lang="de-AT" sz="2400" spc="-1" strike="noStrike">
-              <a:latin typeface="Noto Sans"/>
+            <a:endParaRPr b="0" lang="en-US" sz="3200" spc="-1" strike="noStrike">
+              <a:latin typeface="Arial"/>
             </a:endParaRPr>
           </a:p>
         </p:txBody>
@@ -3069,8 +3060,8 @@
         </p:nvSpPr>
         <p:spPr>
           <a:xfrm>
-            <a:off x="3583080" y="1440000"/>
-            <a:ext cx="2897640" cy="1931760"/>
+            <a:off x="3571560" y="1326600"/>
+            <a:ext cx="2921040" cy="1568520"/>
           </a:xfrm>
           <a:prstGeom prst="rect">
             <a:avLst/>
@@ -3085,8 +3076,8 @@
             <a:normAutofit/>
           </a:bodyPr>
           <a:p>
-            <a:endParaRPr b="0" lang="de-AT" sz="2400" spc="-1" strike="noStrike">
-              <a:latin typeface="Noto Sans"/>
+            <a:endParaRPr b="0" lang="en-US" sz="3200" spc="-1" strike="noStrike">
+              <a:latin typeface="Arial"/>
             </a:endParaRPr>
           </a:p>
         </p:txBody>
@@ -3103,8 +3094,8 @@
         </p:nvSpPr>
         <p:spPr>
           <a:xfrm>
-            <a:off x="6625800" y="1440000"/>
-            <a:ext cx="2897640" cy="1931760"/>
+            <a:off x="6639120" y="1326600"/>
+            <a:ext cx="2921040" cy="1568520"/>
           </a:xfrm>
           <a:prstGeom prst="rect">
             <a:avLst/>
@@ -3119,8 +3110,8 @@
             <a:normAutofit/>
           </a:bodyPr>
           <a:p>
-            <a:endParaRPr b="0" lang="de-AT" sz="2400" spc="-1" strike="noStrike">
-              <a:latin typeface="Noto Sans"/>
+            <a:endParaRPr b="0" lang="en-US" sz="3200" spc="-1" strike="noStrike">
+              <a:latin typeface="Arial"/>
             </a:endParaRPr>
           </a:p>
         </p:txBody>
@@ -3137,8 +3128,8 @@
         </p:nvSpPr>
         <p:spPr>
           <a:xfrm>
-            <a:off x="540000" y="3555720"/>
-            <a:ext cx="2897640" cy="1931760"/>
+            <a:off x="504000" y="3044520"/>
+            <a:ext cx="2921040" cy="1568520"/>
           </a:xfrm>
           <a:prstGeom prst="rect">
             <a:avLst/>
@@ -3153,8 +3144,8 @@
             <a:normAutofit/>
           </a:bodyPr>
           <a:p>
-            <a:endParaRPr b="0" lang="de-AT" sz="2400" spc="-1" strike="noStrike">
-              <a:latin typeface="Noto Sans"/>
+            <a:endParaRPr b="0" lang="en-US" sz="3200" spc="-1" strike="noStrike">
+              <a:latin typeface="Arial"/>
             </a:endParaRPr>
           </a:p>
         </p:txBody>
@@ -3171,8 +3162,8 @@
         </p:nvSpPr>
         <p:spPr>
           <a:xfrm>
-            <a:off x="3583080" y="3555720"/>
-            <a:ext cx="2897640" cy="1931760"/>
+            <a:off x="3571560" y="3044520"/>
+            <a:ext cx="2921040" cy="1568520"/>
           </a:xfrm>
           <a:prstGeom prst="rect">
             <a:avLst/>
@@ -3187,8 +3178,8 @@
             <a:normAutofit/>
           </a:bodyPr>
           <a:p>
-            <a:endParaRPr b="0" lang="de-AT" sz="2400" spc="-1" strike="noStrike">
-              <a:latin typeface="Noto Sans"/>
+            <a:endParaRPr b="0" lang="en-US" sz="3200" spc="-1" strike="noStrike">
+              <a:latin typeface="Arial"/>
             </a:endParaRPr>
           </a:p>
         </p:txBody>
@@ -3205,8 +3196,8 @@
         </p:nvSpPr>
         <p:spPr>
           <a:xfrm>
-            <a:off x="6625800" y="3555720"/>
-            <a:ext cx="2897640" cy="1931760"/>
+            <a:off x="6639120" y="3044520"/>
+            <a:ext cx="2921040" cy="1568520"/>
           </a:xfrm>
           <a:prstGeom prst="rect">
             <a:avLst/>
@@ -3221,8 +3212,8 @@
             <a:normAutofit/>
           </a:bodyPr>
           <a:p>
-            <a:endParaRPr b="0" lang="de-AT" sz="2400" spc="-1" strike="noStrike">
-              <a:latin typeface="Noto Sans"/>
+            <a:endParaRPr b="0" lang="en-US" sz="3200" spc="-1" strike="noStrike">
+              <a:latin typeface="Arial"/>
             </a:endParaRPr>
           </a:p>
         </p:txBody>
@@ -3234,7 +3225,7 @@
             <a:spLocks noGrp="1"/>
           </p:cNvSpPr>
           <p:nvPr>
-            <p:ph type="ftr" idx="5"/>
+            <p:ph type="ftr" idx="4"/>
           </p:nvPr>
         </p:nvSpPr>
         <p:spPr/>
@@ -3254,14 +3245,14 @@
             <a:spLocks noGrp="1"/>
           </p:cNvSpPr>
           <p:nvPr>
-            <p:ph type="sldNum" idx="6"/>
-          </p:nvPr>
-        </p:nvSpPr>
-        <p:spPr/>
-        <p:txBody>
-          <a:bodyPr/>
-          <a:p>
-            <a:fld id="{1C42B96A-4AB7-4DBE-AF6D-9AAC9EC37B9F}" type="slidenum">
+            <p:ph type="sldNum" idx="5"/>
+          </p:nvPr>
+        </p:nvSpPr>
+        <p:spPr/>
+        <p:txBody>
+          <a:bodyPr/>
+          <a:p>
+            <a:fld id="{B0669C6A-96E6-4D8F-9855-9D18A9019819}" type="slidenum">
               <a:t>&lt;#&gt;</a:t>
             </a:fld>
           </a:p>
@@ -3274,7 +3265,7 @@
             <a:spLocks noGrp="1"/>
           </p:cNvSpPr>
           <p:nvPr>
-            <p:ph type="dt" idx="4"/>
+            <p:ph type="dt" idx="6"/>
           </p:nvPr>
         </p:nvSpPr>
         <p:spPr/>
@@ -3317,7 +3308,7 @@
             <a:spLocks noGrp="1"/>
           </p:cNvSpPr>
           <p:nvPr>
-            <p:ph type="ftr" idx="8"/>
+            <p:ph type="ftr" idx="7"/>
           </p:nvPr>
         </p:nvSpPr>
         <p:spPr/>
@@ -3337,14 +3328,14 @@
             <a:spLocks noGrp="1"/>
           </p:cNvSpPr>
           <p:nvPr>
-            <p:ph type="sldNum" idx="9"/>
-          </p:nvPr>
-        </p:nvSpPr>
-        <p:spPr/>
-        <p:txBody>
-          <a:bodyPr/>
-          <a:p>
-            <a:fld id="{5EB1AB7E-6D98-468D-9B30-4AB088A5F9D7}" type="slidenum">
+            <p:ph type="sldNum" idx="8"/>
+          </p:nvPr>
+        </p:nvSpPr>
+        <p:spPr/>
+        <p:txBody>
+          <a:bodyPr/>
+          <a:p>
+            <a:fld id="{FED4B297-F65C-434B-AD8D-662CF4E98C09}" type="slidenum">
               <a:t>&lt;#&gt;</a:t>
             </a:fld>
           </a:p>
@@ -3357,7 +3348,7 @@
             <a:spLocks noGrp="1"/>
           </p:cNvSpPr>
           <p:nvPr>
-            <p:ph type="dt" idx="7"/>
+            <p:ph type="dt" idx="9"/>
           </p:nvPr>
         </p:nvSpPr>
         <p:spPr/>
@@ -3406,44 +3397,7 @@
         <p:spPr>
           <a:xfrm>
             <a:off x="540000" y="270000"/>
-            <a:ext cx="9000000" cy="990000"/>
-          </a:xfrm>
-          <a:prstGeom prst="rect">
-            <a:avLst/>
-          </a:prstGeom>
-          <a:noFill/>
-          <a:ln w="0">
-            <a:noFill/>
-          </a:ln>
-        </p:spPr>
-        <p:txBody>
-          <a:bodyPr lIns="0" rIns="0" tIns="0" bIns="0" anchor="ctr">
-            <a:normAutofit/>
-          </a:bodyPr>
-          <a:p>
-            <a:endParaRPr b="0" lang="de-AT" sz="4500" spc="-1" strike="noStrike">
-              <a:solidFill>
-                <a:srgbClr val="04617b"/>
-              </a:solidFill>
-              <a:latin typeface="Noto Sans"/>
-            </a:endParaRPr>
-          </a:p>
-        </p:txBody>
-      </p:sp>
-      <p:sp>
-        <p:nvSpPr>
-          <p:cNvPr id="92" name="PlaceHolder 2"/>
-          <p:cNvSpPr>
-            <a:spLocks noGrp="1"/>
-          </p:cNvSpPr>
-          <p:nvPr>
-            <p:ph type="subTitle"/>
-          </p:nvPr>
-        </p:nvSpPr>
-        <p:spPr>
-          <a:xfrm>
-            <a:off x="540000" y="1440000"/>
-            <a:ext cx="9000000" cy="4050000"/>
+            <a:ext cx="8999640" cy="989640"/>
           </a:xfrm>
           <a:prstGeom prst="rect">
             <a:avLst/>
@@ -3461,11 +3415,45 @@
             <a:pPr algn="ctr">
               <a:buNone/>
             </a:pPr>
-            <a:endParaRPr b="1" lang="de-AT" sz="4000" spc="-1" strike="noStrike">
-              <a:solidFill>
-                <a:srgbClr val="009eda"/>
-              </a:solidFill>
-              <a:latin typeface="Noto Sans"/>
+            <a:endParaRPr b="0" lang="en-US" sz="4400" spc="-1" strike="noStrike">
+              <a:latin typeface="Arial"/>
+            </a:endParaRPr>
+          </a:p>
+        </p:txBody>
+      </p:sp>
+      <p:sp>
+        <p:nvSpPr>
+          <p:cNvPr id="92" name="PlaceHolder 2"/>
+          <p:cNvSpPr>
+            <a:spLocks noGrp="1"/>
+          </p:cNvSpPr>
+          <p:nvPr>
+            <p:ph type="subTitle"/>
+          </p:nvPr>
+        </p:nvSpPr>
+        <p:spPr>
+          <a:xfrm>
+            <a:off x="504000" y="1326600"/>
+            <a:ext cx="9072000" cy="3288600"/>
+          </a:xfrm>
+          <a:prstGeom prst="rect">
+            <a:avLst/>
+          </a:prstGeom>
+          <a:noFill/>
+          <a:ln w="0">
+            <a:noFill/>
+          </a:ln>
+        </p:spPr>
+        <p:txBody>
+          <a:bodyPr lIns="0" rIns="0" tIns="0" bIns="0" anchor="ctr">
+            <a:noAutofit/>
+          </a:bodyPr>
+          <a:p>
+            <a:pPr algn="ctr">
+              <a:buNone/>
+            </a:pPr>
+            <a:endParaRPr b="0" lang="en-US" sz="3200" spc="-1" strike="noStrike">
+              <a:latin typeface="Arial"/>
             </a:endParaRPr>
           </a:p>
         </p:txBody>
@@ -3477,7 +3465,7 @@
             <a:spLocks noGrp="1"/>
           </p:cNvSpPr>
           <p:nvPr>
-            <p:ph type="ftr" idx="8"/>
+            <p:ph type="ftr" idx="7"/>
           </p:nvPr>
         </p:nvSpPr>
         <p:spPr/>
@@ -3497,14 +3485,14 @@
             <a:spLocks noGrp="1"/>
           </p:cNvSpPr>
           <p:nvPr>
-            <p:ph type="sldNum" idx="9"/>
-          </p:nvPr>
-        </p:nvSpPr>
-        <p:spPr/>
-        <p:txBody>
-          <a:bodyPr/>
-          <a:p>
-            <a:fld id="{2086E072-121C-4DDF-9716-EC74EA39B8F9}" type="slidenum">
+            <p:ph type="sldNum" idx="8"/>
+          </p:nvPr>
+        </p:nvSpPr>
+        <p:spPr/>
+        <p:txBody>
+          <a:bodyPr/>
+          <a:p>
+            <a:fld id="{BA20C65F-495F-4E42-A43E-F21FCED63942}" type="slidenum">
               <a:t>&lt;#&gt;</a:t>
             </a:fld>
           </a:p>
@@ -3517,7 +3505,7 @@
             <a:spLocks noGrp="1"/>
           </p:cNvSpPr>
           <p:nvPr>
-            <p:ph type="dt" idx="7"/>
+            <p:ph type="dt" idx="9"/>
           </p:nvPr>
         </p:nvSpPr>
         <p:spPr/>
@@ -3566,7 +3554,7 @@
         <p:spPr>
           <a:xfrm>
             <a:off x="540000" y="270000"/>
-            <a:ext cx="9000000" cy="990000"/>
+            <a:ext cx="8999640" cy="989640"/>
           </a:xfrm>
           <a:prstGeom prst="rect">
             <a:avLst/>
@@ -3578,14 +3566,14 @@
         </p:spPr>
         <p:txBody>
           <a:bodyPr lIns="0" rIns="0" tIns="0" bIns="0" anchor="ctr">
-            <a:normAutofit/>
-          </a:bodyPr>
-          <a:p>
-            <a:endParaRPr b="0" lang="de-AT" sz="4500" spc="-1" strike="noStrike">
-              <a:solidFill>
-                <a:srgbClr val="04617b"/>
-              </a:solidFill>
-              <a:latin typeface="Noto Sans"/>
+            <a:noAutofit/>
+          </a:bodyPr>
+          <a:p>
+            <a:pPr algn="ctr">
+              <a:buNone/>
+            </a:pPr>
+            <a:endParaRPr b="0" lang="en-US" sz="4400" spc="-1" strike="noStrike">
+              <a:latin typeface="Arial"/>
             </a:endParaRPr>
           </a:p>
         </p:txBody>
@@ -3602,8 +3590,8 @@
         </p:nvSpPr>
         <p:spPr>
           <a:xfrm>
-            <a:off x="540000" y="1440000"/>
-            <a:ext cx="9000000" cy="4050000"/>
+            <a:off x="504000" y="1326600"/>
+            <a:ext cx="9072000" cy="3288600"/>
           </a:xfrm>
           <a:prstGeom prst="rect">
             <a:avLst/>
@@ -3618,8 +3606,8 @@
             <a:normAutofit/>
           </a:bodyPr>
           <a:p>
-            <a:endParaRPr b="0" lang="de-AT" sz="2400" spc="-1" strike="noStrike">
-              <a:latin typeface="Noto Sans"/>
+            <a:endParaRPr b="0" lang="en-US" sz="3200" spc="-1" strike="noStrike">
+              <a:latin typeface="Arial"/>
             </a:endParaRPr>
           </a:p>
         </p:txBody>
@@ -3631,7 +3619,7 @@
             <a:spLocks noGrp="1"/>
           </p:cNvSpPr>
           <p:nvPr>
-            <p:ph type="ftr" idx="8"/>
+            <p:ph type="ftr" idx="7"/>
           </p:nvPr>
         </p:nvSpPr>
         <p:spPr/>
@@ -3651,14 +3639,14 @@
             <a:spLocks noGrp="1"/>
           </p:cNvSpPr>
           <p:nvPr>
-            <p:ph type="sldNum" idx="9"/>
-          </p:nvPr>
-        </p:nvSpPr>
-        <p:spPr/>
-        <p:txBody>
-          <a:bodyPr/>
-          <a:p>
-            <a:fld id="{260EA9D9-879E-4591-A654-601B17A909B8}" type="slidenum">
+            <p:ph type="sldNum" idx="8"/>
+          </p:nvPr>
+        </p:nvSpPr>
+        <p:spPr/>
+        <p:txBody>
+          <a:bodyPr/>
+          <a:p>
+            <a:fld id="{F6D6DD20-18E3-4732-84F2-D3FF0E142C4C}" type="slidenum">
               <a:t>&lt;#&gt;</a:t>
             </a:fld>
           </a:p>
@@ -3671,7 +3659,7 @@
             <a:spLocks noGrp="1"/>
           </p:cNvSpPr>
           <p:nvPr>
-            <p:ph type="dt" idx="7"/>
+            <p:ph type="dt" idx="9"/>
           </p:nvPr>
         </p:nvSpPr>
         <p:spPr/>
@@ -3720,7 +3708,7 @@
         <p:spPr>
           <a:xfrm>
             <a:off x="540000" y="270000"/>
-            <a:ext cx="9000000" cy="990000"/>
+            <a:ext cx="8999640" cy="989640"/>
           </a:xfrm>
           <a:prstGeom prst="rect">
             <a:avLst/>
@@ -3732,14 +3720,14 @@
         </p:spPr>
         <p:txBody>
           <a:bodyPr lIns="0" rIns="0" tIns="0" bIns="0" anchor="ctr">
-            <a:normAutofit/>
-          </a:bodyPr>
-          <a:p>
-            <a:endParaRPr b="0" lang="de-AT" sz="4500" spc="-1" strike="noStrike">
-              <a:solidFill>
-                <a:srgbClr val="04617b"/>
-              </a:solidFill>
-              <a:latin typeface="Noto Sans"/>
+            <a:noAutofit/>
+          </a:bodyPr>
+          <a:p>
+            <a:pPr algn="ctr">
+              <a:buNone/>
+            </a:pPr>
+            <a:endParaRPr b="0" lang="en-US" sz="4400" spc="-1" strike="noStrike">
+              <a:latin typeface="Arial"/>
             </a:endParaRPr>
           </a:p>
         </p:txBody>
@@ -3756,8 +3744,8 @@
         </p:nvSpPr>
         <p:spPr>
           <a:xfrm>
-            <a:off x="540000" y="1440000"/>
-            <a:ext cx="4391640" cy="4050000"/>
+            <a:off x="504000" y="1326600"/>
+            <a:ext cx="4426920" cy="3288600"/>
           </a:xfrm>
           <a:prstGeom prst="rect">
             <a:avLst/>
@@ -3772,8 +3760,8 @@
             <a:normAutofit/>
           </a:bodyPr>
           <a:p>
-            <a:endParaRPr b="0" lang="de-AT" sz="2400" spc="-1" strike="noStrike">
-              <a:latin typeface="Noto Sans"/>
+            <a:endParaRPr b="0" lang="en-US" sz="3200" spc="-1" strike="noStrike">
+              <a:latin typeface="Arial"/>
             </a:endParaRPr>
           </a:p>
         </p:txBody>
@@ -3790,8 +3778,8 @@
         </p:nvSpPr>
         <p:spPr>
           <a:xfrm>
-            <a:off x="5151600" y="1440000"/>
-            <a:ext cx="4391640" cy="4050000"/>
+            <a:off x="5152680" y="1326600"/>
+            <a:ext cx="4426920" cy="3288600"/>
           </a:xfrm>
           <a:prstGeom prst="rect">
             <a:avLst/>
@@ -3806,8 +3794,8 @@
             <a:normAutofit/>
           </a:bodyPr>
           <a:p>
-            <a:endParaRPr b="0" lang="de-AT" sz="2400" spc="-1" strike="noStrike">
-              <a:latin typeface="Noto Sans"/>
+            <a:endParaRPr b="0" lang="en-US" sz="3200" spc="-1" strike="noStrike">
+              <a:latin typeface="Arial"/>
             </a:endParaRPr>
           </a:p>
         </p:txBody>
@@ -3819,7 +3807,7 @@
             <a:spLocks noGrp="1"/>
           </p:cNvSpPr>
           <p:nvPr>
-            <p:ph type="ftr" idx="8"/>
+            <p:ph type="ftr" idx="7"/>
           </p:nvPr>
         </p:nvSpPr>
         <p:spPr/>
@@ -3839,14 +3827,14 @@
             <a:spLocks noGrp="1"/>
           </p:cNvSpPr>
           <p:nvPr>
-            <p:ph type="sldNum" idx="9"/>
-          </p:nvPr>
-        </p:nvSpPr>
-        <p:spPr/>
-        <p:txBody>
-          <a:bodyPr/>
-          <a:p>
-            <a:fld id="{A4549AFA-3413-4F09-9F8E-2E9D97530FC1}" type="slidenum">
+            <p:ph type="sldNum" idx="8"/>
+          </p:nvPr>
+        </p:nvSpPr>
+        <p:spPr/>
+        <p:txBody>
+          <a:bodyPr/>
+          <a:p>
+            <a:fld id="{7600852F-2F78-4CC1-B9D3-F0F7545FA363}" type="slidenum">
               <a:t>&lt;#&gt;</a:t>
             </a:fld>
           </a:p>
@@ -3859,7 +3847,7 @@
             <a:spLocks noGrp="1"/>
           </p:cNvSpPr>
           <p:nvPr>
-            <p:ph type="dt" idx="7"/>
+            <p:ph type="dt" idx="9"/>
           </p:nvPr>
         </p:nvSpPr>
         <p:spPr/>
@@ -3908,7 +3896,7 @@
         <p:spPr>
           <a:xfrm>
             <a:off x="540000" y="270000"/>
-            <a:ext cx="9000000" cy="990000"/>
+            <a:ext cx="8999640" cy="989640"/>
           </a:xfrm>
           <a:prstGeom prst="rect">
             <a:avLst/>
@@ -3920,14 +3908,14 @@
         </p:spPr>
         <p:txBody>
           <a:bodyPr lIns="0" rIns="0" tIns="0" bIns="0" anchor="ctr">
-            <a:normAutofit/>
-          </a:bodyPr>
-          <a:p>
-            <a:endParaRPr b="0" lang="de-AT" sz="4500" spc="-1" strike="noStrike">
-              <a:solidFill>
-                <a:srgbClr val="04617b"/>
-              </a:solidFill>
-              <a:latin typeface="Noto Sans"/>
+            <a:noAutofit/>
+          </a:bodyPr>
+          <a:p>
+            <a:pPr algn="ctr">
+              <a:buNone/>
+            </a:pPr>
+            <a:endParaRPr b="0" lang="en-US" sz="4400" spc="-1" strike="noStrike">
+              <a:latin typeface="Arial"/>
             </a:endParaRPr>
           </a:p>
         </p:txBody>
@@ -3939,7 +3927,7 @@
             <a:spLocks noGrp="1"/>
           </p:cNvSpPr>
           <p:nvPr>
-            <p:ph type="ftr" idx="8"/>
+            <p:ph type="ftr" idx="7"/>
           </p:nvPr>
         </p:nvSpPr>
         <p:spPr/>
@@ -3959,14 +3947,14 @@
             <a:spLocks noGrp="1"/>
           </p:cNvSpPr>
           <p:nvPr>
-            <p:ph type="sldNum" idx="9"/>
-          </p:nvPr>
-        </p:nvSpPr>
-        <p:spPr/>
-        <p:txBody>
-          <a:bodyPr/>
-          <a:p>
-            <a:fld id="{E9EBD003-5FA4-4040-93EF-B5F4DD92D6EE}" type="slidenum">
+            <p:ph type="sldNum" idx="8"/>
+          </p:nvPr>
+        </p:nvSpPr>
+        <p:spPr/>
+        <p:txBody>
+          <a:bodyPr/>
+          <a:p>
+            <a:fld id="{E74B7160-FA8A-4EE2-9840-F9823FC41D4D}" type="slidenum">
               <a:t>&lt;#&gt;</a:t>
             </a:fld>
           </a:p>
@@ -3979,7 +3967,7 @@
             <a:spLocks noGrp="1"/>
           </p:cNvSpPr>
           <p:nvPr>
-            <p:ph type="dt" idx="7"/>
+            <p:ph type="dt" idx="9"/>
           </p:nvPr>
         </p:nvSpPr>
         <p:spPr/>
@@ -4028,7 +4016,7 @@
         <p:spPr>
           <a:xfrm>
             <a:off x="540000" y="270000"/>
-            <a:ext cx="9000000" cy="990000"/>
+            <a:ext cx="8999640" cy="989640"/>
           </a:xfrm>
           <a:prstGeom prst="rect">
             <a:avLst/>
@@ -4040,14 +4028,14 @@
         </p:spPr>
         <p:txBody>
           <a:bodyPr lIns="0" rIns="0" tIns="0" bIns="0" anchor="ctr">
-            <a:normAutofit/>
-          </a:bodyPr>
-          <a:p>
-            <a:endParaRPr b="0" lang="de-AT" sz="4500" spc="-1" strike="noStrike">
-              <a:solidFill>
-                <a:srgbClr val="04617b"/>
-              </a:solidFill>
-              <a:latin typeface="Noto Sans"/>
+            <a:noAutofit/>
+          </a:bodyPr>
+          <a:p>
+            <a:pPr algn="ctr">
+              <a:buNone/>
+            </a:pPr>
+            <a:endParaRPr b="0" lang="en-US" sz="4400" spc="-1" strike="noStrike">
+              <a:latin typeface="Arial"/>
             </a:endParaRPr>
           </a:p>
         </p:txBody>
@@ -4064,8 +4052,8 @@
         </p:nvSpPr>
         <p:spPr>
           <a:xfrm>
-            <a:off x="540000" y="1440000"/>
-            <a:ext cx="9000000" cy="4050000"/>
+            <a:off x="504000" y="1326600"/>
+            <a:ext cx="9072000" cy="3288600"/>
           </a:xfrm>
           <a:prstGeom prst="rect">
             <a:avLst/>
@@ -4080,8 +4068,8 @@
             <a:normAutofit/>
           </a:bodyPr>
           <a:p>
-            <a:endParaRPr b="0" lang="de-AT" sz="2400" spc="-1" strike="noStrike">
-              <a:latin typeface="Noto Sans"/>
+            <a:endParaRPr b="0" lang="en-US" sz="3200" spc="-1" strike="noStrike">
+              <a:latin typeface="Arial"/>
             </a:endParaRPr>
           </a:p>
         </p:txBody>
@@ -4093,7 +4081,7 @@
             <a:spLocks noGrp="1"/>
           </p:cNvSpPr>
           <p:nvPr>
-            <p:ph type="ftr" idx="2"/>
+            <p:ph type="ftr" idx="1"/>
           </p:nvPr>
         </p:nvSpPr>
         <p:spPr/>
@@ -4113,14 +4101,14 @@
             <a:spLocks noGrp="1"/>
           </p:cNvSpPr>
           <p:nvPr>
-            <p:ph type="sldNum" idx="3"/>
-          </p:nvPr>
-        </p:nvSpPr>
-        <p:spPr/>
-        <p:txBody>
-          <a:bodyPr/>
-          <a:p>
-            <a:fld id="{A5F508D7-A94D-4188-8FB3-37A287F8369F}" type="slidenum">
+            <p:ph type="sldNum" idx="2"/>
+          </p:nvPr>
+        </p:nvSpPr>
+        <p:spPr/>
+        <p:txBody>
+          <a:bodyPr/>
+          <a:p>
+            <a:fld id="{1C6FF58E-413D-4E43-940F-5D366F0F55BC}" type="slidenum">
               <a:t>&lt;#&gt;</a:t>
             </a:fld>
           </a:p>
@@ -4133,7 +4121,7 @@
             <a:spLocks noGrp="1"/>
           </p:cNvSpPr>
           <p:nvPr>
-            <p:ph type="dt" idx="1"/>
+            <p:ph type="dt" idx="3"/>
           </p:nvPr>
         </p:nvSpPr>
         <p:spPr/>
@@ -4182,7 +4170,7 @@
         <p:spPr>
           <a:xfrm>
             <a:off x="540000" y="270000"/>
-            <a:ext cx="9000000" cy="4590360"/>
+            <a:ext cx="8999640" cy="4588560"/>
           </a:xfrm>
           <a:prstGeom prst="rect">
             <a:avLst/>
@@ -4200,11 +4188,8 @@
             <a:pPr algn="ctr">
               <a:buNone/>
             </a:pPr>
-            <a:endParaRPr b="1" lang="de-AT" sz="4000" spc="-1" strike="noStrike">
-              <a:solidFill>
-                <a:srgbClr val="009eda"/>
-              </a:solidFill>
-              <a:latin typeface="Noto Sans"/>
+            <a:endParaRPr b="0" lang="en-US" sz="3200" spc="-1" strike="noStrike">
+              <a:latin typeface="Arial"/>
             </a:endParaRPr>
           </a:p>
         </p:txBody>
@@ -4216,7 +4201,7 @@
             <a:spLocks noGrp="1"/>
           </p:cNvSpPr>
           <p:nvPr>
-            <p:ph type="ftr" idx="8"/>
+            <p:ph type="ftr" idx="7"/>
           </p:nvPr>
         </p:nvSpPr>
         <p:spPr/>
@@ -4236,14 +4221,14 @@
             <a:spLocks noGrp="1"/>
           </p:cNvSpPr>
           <p:nvPr>
-            <p:ph type="sldNum" idx="9"/>
-          </p:nvPr>
-        </p:nvSpPr>
-        <p:spPr/>
-        <p:txBody>
-          <a:bodyPr/>
-          <a:p>
-            <a:fld id="{14DF0229-AD87-4B78-99FA-369BFC5514E8}" type="slidenum">
+            <p:ph type="sldNum" idx="8"/>
+          </p:nvPr>
+        </p:nvSpPr>
+        <p:spPr/>
+        <p:txBody>
+          <a:bodyPr/>
+          <a:p>
+            <a:fld id="{30DE3813-6527-447C-BB13-443A1A91271A}" type="slidenum">
               <a:t>&lt;#&gt;</a:t>
             </a:fld>
           </a:p>
@@ -4256,7 +4241,7 @@
             <a:spLocks noGrp="1"/>
           </p:cNvSpPr>
           <p:nvPr>
-            <p:ph type="dt" idx="7"/>
+            <p:ph type="dt" idx="9"/>
           </p:nvPr>
         </p:nvSpPr>
         <p:spPr/>
@@ -4305,7 +4290,7 @@
         <p:spPr>
           <a:xfrm>
             <a:off x="540000" y="270000"/>
-            <a:ext cx="9000000" cy="990000"/>
+            <a:ext cx="8999640" cy="989640"/>
           </a:xfrm>
           <a:prstGeom prst="rect">
             <a:avLst/>
@@ -4317,14 +4302,14 @@
         </p:spPr>
         <p:txBody>
           <a:bodyPr lIns="0" rIns="0" tIns="0" bIns="0" anchor="ctr">
-            <a:normAutofit/>
-          </a:bodyPr>
-          <a:p>
-            <a:endParaRPr b="0" lang="de-AT" sz="4500" spc="-1" strike="noStrike">
-              <a:solidFill>
-                <a:srgbClr val="04617b"/>
-              </a:solidFill>
-              <a:latin typeface="Noto Sans"/>
+            <a:noAutofit/>
+          </a:bodyPr>
+          <a:p>
+            <a:pPr algn="ctr">
+              <a:buNone/>
+            </a:pPr>
+            <a:endParaRPr b="0" lang="en-US" sz="4400" spc="-1" strike="noStrike">
+              <a:latin typeface="Arial"/>
             </a:endParaRPr>
           </a:p>
         </p:txBody>
@@ -4341,8 +4326,8 @@
         </p:nvSpPr>
         <p:spPr>
           <a:xfrm>
-            <a:off x="540000" y="1440000"/>
-            <a:ext cx="4391640" cy="1931760"/>
+            <a:off x="504000" y="1326600"/>
+            <a:ext cx="4426920" cy="1568520"/>
           </a:xfrm>
           <a:prstGeom prst="rect">
             <a:avLst/>
@@ -4357,8 +4342,8 @@
             <a:normAutofit/>
           </a:bodyPr>
           <a:p>
-            <a:endParaRPr b="0" lang="de-AT" sz="2400" spc="-1" strike="noStrike">
-              <a:latin typeface="Noto Sans"/>
+            <a:endParaRPr b="0" lang="en-US" sz="3200" spc="-1" strike="noStrike">
+              <a:latin typeface="Arial"/>
             </a:endParaRPr>
           </a:p>
         </p:txBody>
@@ -4375,8 +4360,8 @@
         </p:nvSpPr>
         <p:spPr>
           <a:xfrm>
-            <a:off x="5151600" y="1440000"/>
-            <a:ext cx="4391640" cy="4050000"/>
+            <a:off x="5152680" y="1326600"/>
+            <a:ext cx="4426920" cy="3288600"/>
           </a:xfrm>
           <a:prstGeom prst="rect">
             <a:avLst/>
@@ -4391,8 +4376,8 @@
             <a:normAutofit/>
           </a:bodyPr>
           <a:p>
-            <a:endParaRPr b="0" lang="de-AT" sz="2400" spc="-1" strike="noStrike">
-              <a:latin typeface="Noto Sans"/>
+            <a:endParaRPr b="0" lang="en-US" sz="3200" spc="-1" strike="noStrike">
+              <a:latin typeface="Arial"/>
             </a:endParaRPr>
           </a:p>
         </p:txBody>
@@ -4409,8 +4394,8 @@
         </p:nvSpPr>
         <p:spPr>
           <a:xfrm>
-            <a:off x="540000" y="3555720"/>
-            <a:ext cx="4391640" cy="1931760"/>
+            <a:off x="504000" y="3044520"/>
+            <a:ext cx="4426920" cy="1568520"/>
           </a:xfrm>
           <a:prstGeom prst="rect">
             <a:avLst/>
@@ -4425,8 +4410,8 @@
             <a:normAutofit/>
           </a:bodyPr>
           <a:p>
-            <a:endParaRPr b="0" lang="de-AT" sz="2400" spc="-1" strike="noStrike">
-              <a:latin typeface="Noto Sans"/>
+            <a:endParaRPr b="0" lang="en-US" sz="3200" spc="-1" strike="noStrike">
+              <a:latin typeface="Arial"/>
             </a:endParaRPr>
           </a:p>
         </p:txBody>
@@ -4438,7 +4423,7 @@
             <a:spLocks noGrp="1"/>
           </p:cNvSpPr>
           <p:nvPr>
-            <p:ph type="ftr" idx="8"/>
+            <p:ph type="ftr" idx="7"/>
           </p:nvPr>
         </p:nvSpPr>
         <p:spPr/>
@@ -4458,14 +4443,14 @@
             <a:spLocks noGrp="1"/>
           </p:cNvSpPr>
           <p:nvPr>
-            <p:ph type="sldNum" idx="9"/>
-          </p:nvPr>
-        </p:nvSpPr>
-        <p:spPr/>
-        <p:txBody>
-          <a:bodyPr/>
-          <a:p>
-            <a:fld id="{97FD3C19-B22B-449F-ABB2-A3A9A4741782}" type="slidenum">
+            <p:ph type="sldNum" idx="8"/>
+          </p:nvPr>
+        </p:nvSpPr>
+        <p:spPr/>
+        <p:txBody>
+          <a:bodyPr/>
+          <a:p>
+            <a:fld id="{A433253C-446D-4335-8D5E-34C6972444FB}" type="slidenum">
               <a:t>&lt;#&gt;</a:t>
             </a:fld>
           </a:p>
@@ -4478,7 +4463,7 @@
             <a:spLocks noGrp="1"/>
           </p:cNvSpPr>
           <p:nvPr>
-            <p:ph type="dt" idx="7"/>
+            <p:ph type="dt" idx="9"/>
           </p:nvPr>
         </p:nvSpPr>
         <p:spPr/>
@@ -4527,7 +4512,7 @@
         <p:spPr>
           <a:xfrm>
             <a:off x="540000" y="270000"/>
-            <a:ext cx="9000000" cy="990000"/>
+            <a:ext cx="8999640" cy="989640"/>
           </a:xfrm>
           <a:prstGeom prst="rect">
             <a:avLst/>
@@ -4539,14 +4524,14 @@
         </p:spPr>
         <p:txBody>
           <a:bodyPr lIns="0" rIns="0" tIns="0" bIns="0" anchor="ctr">
-            <a:normAutofit/>
-          </a:bodyPr>
-          <a:p>
-            <a:endParaRPr b="0" lang="de-AT" sz="4500" spc="-1" strike="noStrike">
-              <a:solidFill>
-                <a:srgbClr val="04617b"/>
-              </a:solidFill>
-              <a:latin typeface="Noto Sans"/>
+            <a:noAutofit/>
+          </a:bodyPr>
+          <a:p>
+            <a:pPr algn="ctr">
+              <a:buNone/>
+            </a:pPr>
+            <a:endParaRPr b="0" lang="en-US" sz="4400" spc="-1" strike="noStrike">
+              <a:latin typeface="Arial"/>
             </a:endParaRPr>
           </a:p>
         </p:txBody>
@@ -4563,8 +4548,8 @@
         </p:nvSpPr>
         <p:spPr>
           <a:xfrm>
-            <a:off x="540000" y="1440000"/>
-            <a:ext cx="4391640" cy="4050000"/>
+            <a:off x="504000" y="1326600"/>
+            <a:ext cx="4426920" cy="3288600"/>
           </a:xfrm>
           <a:prstGeom prst="rect">
             <a:avLst/>
@@ -4579,8 +4564,8 @@
             <a:normAutofit/>
           </a:bodyPr>
           <a:p>
-            <a:endParaRPr b="0" lang="de-AT" sz="2400" spc="-1" strike="noStrike">
-              <a:latin typeface="Noto Sans"/>
+            <a:endParaRPr b="0" lang="en-US" sz="3200" spc="-1" strike="noStrike">
+              <a:latin typeface="Arial"/>
             </a:endParaRPr>
           </a:p>
         </p:txBody>
@@ -4597,8 +4582,8 @@
         </p:nvSpPr>
         <p:spPr>
           <a:xfrm>
-            <a:off x="5151600" y="1440000"/>
-            <a:ext cx="4391640" cy="1931760"/>
+            <a:off x="5152680" y="1326600"/>
+            <a:ext cx="4426920" cy="1568520"/>
           </a:xfrm>
           <a:prstGeom prst="rect">
             <a:avLst/>
@@ -4613,8 +4598,8 @@
             <a:normAutofit/>
           </a:bodyPr>
           <a:p>
-            <a:endParaRPr b="0" lang="de-AT" sz="2400" spc="-1" strike="noStrike">
-              <a:latin typeface="Noto Sans"/>
+            <a:endParaRPr b="0" lang="en-US" sz="3200" spc="-1" strike="noStrike">
+              <a:latin typeface="Arial"/>
             </a:endParaRPr>
           </a:p>
         </p:txBody>
@@ -4631,8 +4616,8 @@
         </p:nvSpPr>
         <p:spPr>
           <a:xfrm>
-            <a:off x="5151600" y="3555720"/>
-            <a:ext cx="4391640" cy="1931760"/>
+            <a:off x="5152680" y="3044520"/>
+            <a:ext cx="4426920" cy="1568520"/>
           </a:xfrm>
           <a:prstGeom prst="rect">
             <a:avLst/>
@@ -4647,8 +4632,8 @@
             <a:normAutofit/>
           </a:bodyPr>
           <a:p>
-            <a:endParaRPr b="0" lang="de-AT" sz="2400" spc="-1" strike="noStrike">
-              <a:latin typeface="Noto Sans"/>
+            <a:endParaRPr b="0" lang="en-US" sz="3200" spc="-1" strike="noStrike">
+              <a:latin typeface="Arial"/>
             </a:endParaRPr>
           </a:p>
         </p:txBody>
@@ -4660,7 +4645,7 @@
             <a:spLocks noGrp="1"/>
           </p:cNvSpPr>
           <p:nvPr>
-            <p:ph type="ftr" idx="8"/>
+            <p:ph type="ftr" idx="7"/>
           </p:nvPr>
         </p:nvSpPr>
         <p:spPr/>
@@ -4680,14 +4665,14 @@
             <a:spLocks noGrp="1"/>
           </p:cNvSpPr>
           <p:nvPr>
-            <p:ph type="sldNum" idx="9"/>
-          </p:nvPr>
-        </p:nvSpPr>
-        <p:spPr/>
-        <p:txBody>
-          <a:bodyPr/>
-          <a:p>
-            <a:fld id="{4449FD22-A4D7-4592-88E5-3CA9D1A36EAA}" type="slidenum">
+            <p:ph type="sldNum" idx="8"/>
+          </p:nvPr>
+        </p:nvSpPr>
+        <p:spPr/>
+        <p:txBody>
+          <a:bodyPr/>
+          <a:p>
+            <a:fld id="{85F5B2BB-E2ED-41BB-9ED5-739D0BB48778}" type="slidenum">
               <a:t>&lt;#&gt;</a:t>
             </a:fld>
           </a:p>
@@ -4700,7 +4685,7 @@
             <a:spLocks noGrp="1"/>
           </p:cNvSpPr>
           <p:nvPr>
-            <p:ph type="dt" idx="7"/>
+            <p:ph type="dt" idx="9"/>
           </p:nvPr>
         </p:nvSpPr>
         <p:spPr/>
@@ -4749,7 +4734,7 @@
         <p:spPr>
           <a:xfrm>
             <a:off x="540000" y="270000"/>
-            <a:ext cx="9000000" cy="990000"/>
+            <a:ext cx="8999640" cy="989640"/>
           </a:xfrm>
           <a:prstGeom prst="rect">
             <a:avLst/>
@@ -4761,14 +4746,14 @@
         </p:spPr>
         <p:txBody>
           <a:bodyPr lIns="0" rIns="0" tIns="0" bIns="0" anchor="ctr">
-            <a:normAutofit/>
-          </a:bodyPr>
-          <a:p>
-            <a:endParaRPr b="0" lang="de-AT" sz="4500" spc="-1" strike="noStrike">
-              <a:solidFill>
-                <a:srgbClr val="04617b"/>
-              </a:solidFill>
-              <a:latin typeface="Noto Sans"/>
+            <a:noAutofit/>
+          </a:bodyPr>
+          <a:p>
+            <a:pPr algn="ctr">
+              <a:buNone/>
+            </a:pPr>
+            <a:endParaRPr b="0" lang="en-US" sz="4400" spc="-1" strike="noStrike">
+              <a:latin typeface="Arial"/>
             </a:endParaRPr>
           </a:p>
         </p:txBody>
@@ -4785,8 +4770,8 @@
         </p:nvSpPr>
         <p:spPr>
           <a:xfrm>
-            <a:off x="540000" y="1440000"/>
-            <a:ext cx="4391640" cy="1931760"/>
+            <a:off x="504000" y="1326600"/>
+            <a:ext cx="4426920" cy="1568520"/>
           </a:xfrm>
           <a:prstGeom prst="rect">
             <a:avLst/>
@@ -4801,8 +4786,8 @@
             <a:normAutofit/>
           </a:bodyPr>
           <a:p>
-            <a:endParaRPr b="0" lang="de-AT" sz="2400" spc="-1" strike="noStrike">
-              <a:latin typeface="Noto Sans"/>
+            <a:endParaRPr b="0" lang="en-US" sz="3200" spc="-1" strike="noStrike">
+              <a:latin typeface="Arial"/>
             </a:endParaRPr>
           </a:p>
         </p:txBody>
@@ -4819,8 +4804,8 @@
         </p:nvSpPr>
         <p:spPr>
           <a:xfrm>
-            <a:off x="5151600" y="1440000"/>
-            <a:ext cx="4391640" cy="1931760"/>
+            <a:off x="5152680" y="1326600"/>
+            <a:ext cx="4426920" cy="1568520"/>
           </a:xfrm>
           <a:prstGeom prst="rect">
             <a:avLst/>
@@ -4835,8 +4820,8 @@
             <a:normAutofit/>
           </a:bodyPr>
           <a:p>
-            <a:endParaRPr b="0" lang="de-AT" sz="2400" spc="-1" strike="noStrike">
-              <a:latin typeface="Noto Sans"/>
+            <a:endParaRPr b="0" lang="en-US" sz="3200" spc="-1" strike="noStrike">
+              <a:latin typeface="Arial"/>
             </a:endParaRPr>
           </a:p>
         </p:txBody>
@@ -4853,8 +4838,8 @@
         </p:nvSpPr>
         <p:spPr>
           <a:xfrm>
-            <a:off x="540000" y="3555720"/>
-            <a:ext cx="9000000" cy="1931760"/>
+            <a:off x="504000" y="3044520"/>
+            <a:ext cx="9072000" cy="1568520"/>
           </a:xfrm>
           <a:prstGeom prst="rect">
             <a:avLst/>
@@ -4869,8 +4854,8 @@
             <a:normAutofit/>
           </a:bodyPr>
           <a:p>
-            <a:endParaRPr b="0" lang="de-AT" sz="2400" spc="-1" strike="noStrike">
-              <a:latin typeface="Noto Sans"/>
+            <a:endParaRPr b="0" lang="en-US" sz="3200" spc="-1" strike="noStrike">
+              <a:latin typeface="Arial"/>
             </a:endParaRPr>
           </a:p>
         </p:txBody>
@@ -4882,7 +4867,7 @@
             <a:spLocks noGrp="1"/>
           </p:cNvSpPr>
           <p:nvPr>
-            <p:ph type="ftr" idx="8"/>
+            <p:ph type="ftr" idx="7"/>
           </p:nvPr>
         </p:nvSpPr>
         <p:spPr/>
@@ -4902,14 +4887,14 @@
             <a:spLocks noGrp="1"/>
           </p:cNvSpPr>
           <p:nvPr>
-            <p:ph type="sldNum" idx="9"/>
-          </p:nvPr>
-        </p:nvSpPr>
-        <p:spPr/>
-        <p:txBody>
-          <a:bodyPr/>
-          <a:p>
-            <a:fld id="{BA618C78-3000-4A24-8F2E-63BCC4D4F653}" type="slidenum">
+            <p:ph type="sldNum" idx="8"/>
+          </p:nvPr>
+        </p:nvSpPr>
+        <p:spPr/>
+        <p:txBody>
+          <a:bodyPr/>
+          <a:p>
+            <a:fld id="{22B00159-6C61-4ADE-8DA1-E07EDBD88DA1}" type="slidenum">
               <a:t>&lt;#&gt;</a:t>
             </a:fld>
           </a:p>
@@ -4922,7 +4907,7 @@
             <a:spLocks noGrp="1"/>
           </p:cNvSpPr>
           <p:nvPr>
-            <p:ph type="dt" idx="7"/>
+            <p:ph type="dt" idx="9"/>
           </p:nvPr>
         </p:nvSpPr>
         <p:spPr/>
@@ -4971,7 +4956,7 @@
         <p:spPr>
           <a:xfrm>
             <a:off x="540000" y="270000"/>
-            <a:ext cx="9000000" cy="990000"/>
+            <a:ext cx="8999640" cy="989640"/>
           </a:xfrm>
           <a:prstGeom prst="rect">
             <a:avLst/>
@@ -4983,14 +4968,14 @@
         </p:spPr>
         <p:txBody>
           <a:bodyPr lIns="0" rIns="0" tIns="0" bIns="0" anchor="ctr">
-            <a:normAutofit/>
-          </a:bodyPr>
-          <a:p>
-            <a:endParaRPr b="0" lang="de-AT" sz="4500" spc="-1" strike="noStrike">
-              <a:solidFill>
-                <a:srgbClr val="04617b"/>
-              </a:solidFill>
-              <a:latin typeface="Noto Sans"/>
+            <a:noAutofit/>
+          </a:bodyPr>
+          <a:p>
+            <a:pPr algn="ctr">
+              <a:buNone/>
+            </a:pPr>
+            <a:endParaRPr b="0" lang="en-US" sz="4400" spc="-1" strike="noStrike">
+              <a:latin typeface="Arial"/>
             </a:endParaRPr>
           </a:p>
         </p:txBody>
@@ -5007,8 +4992,8 @@
         </p:nvSpPr>
         <p:spPr>
           <a:xfrm>
-            <a:off x="540000" y="1440000"/>
-            <a:ext cx="9000000" cy="1931760"/>
+            <a:off x="504000" y="1326600"/>
+            <a:ext cx="9072000" cy="1568520"/>
           </a:xfrm>
           <a:prstGeom prst="rect">
             <a:avLst/>
@@ -5023,8 +5008,8 @@
             <a:normAutofit/>
           </a:bodyPr>
           <a:p>
-            <a:endParaRPr b="0" lang="de-AT" sz="2400" spc="-1" strike="noStrike">
-              <a:latin typeface="Noto Sans"/>
+            <a:endParaRPr b="0" lang="en-US" sz="3200" spc="-1" strike="noStrike">
+              <a:latin typeface="Arial"/>
             </a:endParaRPr>
           </a:p>
         </p:txBody>
@@ -5041,8 +5026,8 @@
         </p:nvSpPr>
         <p:spPr>
           <a:xfrm>
-            <a:off x="540000" y="3555720"/>
-            <a:ext cx="9000000" cy="1931760"/>
+            <a:off x="504000" y="3044520"/>
+            <a:ext cx="9072000" cy="1568520"/>
           </a:xfrm>
           <a:prstGeom prst="rect">
             <a:avLst/>
@@ -5057,8 +5042,8 @@
             <a:normAutofit/>
           </a:bodyPr>
           <a:p>
-            <a:endParaRPr b="0" lang="de-AT" sz="2400" spc="-1" strike="noStrike">
-              <a:latin typeface="Noto Sans"/>
+            <a:endParaRPr b="0" lang="en-US" sz="3200" spc="-1" strike="noStrike">
+              <a:latin typeface="Arial"/>
             </a:endParaRPr>
           </a:p>
         </p:txBody>
@@ -5070,7 +5055,7 @@
             <a:spLocks noGrp="1"/>
           </p:cNvSpPr>
           <p:nvPr>
-            <p:ph type="ftr" idx="8"/>
+            <p:ph type="ftr" idx="7"/>
           </p:nvPr>
         </p:nvSpPr>
         <p:spPr/>
@@ -5090,14 +5075,14 @@
             <a:spLocks noGrp="1"/>
           </p:cNvSpPr>
           <p:nvPr>
-            <p:ph type="sldNum" idx="9"/>
-          </p:nvPr>
-        </p:nvSpPr>
-        <p:spPr/>
-        <p:txBody>
-          <a:bodyPr/>
-          <a:p>
-            <a:fld id="{6C0D796C-1FC2-4142-BC58-7D12C7E68907}" type="slidenum">
+            <p:ph type="sldNum" idx="8"/>
+          </p:nvPr>
+        </p:nvSpPr>
+        <p:spPr/>
+        <p:txBody>
+          <a:bodyPr/>
+          <a:p>
+            <a:fld id="{7E6CD7EE-09CC-4878-B8AF-D1B2A7557272}" type="slidenum">
               <a:t>&lt;#&gt;</a:t>
             </a:fld>
           </a:p>
@@ -5110,7 +5095,7 @@
             <a:spLocks noGrp="1"/>
           </p:cNvSpPr>
           <p:nvPr>
-            <p:ph type="dt" idx="7"/>
+            <p:ph type="dt" idx="9"/>
           </p:nvPr>
         </p:nvSpPr>
         <p:spPr/>
@@ -5159,7 +5144,7 @@
         <p:spPr>
           <a:xfrm>
             <a:off x="540000" y="270000"/>
-            <a:ext cx="9000000" cy="990000"/>
+            <a:ext cx="8999640" cy="989640"/>
           </a:xfrm>
           <a:prstGeom prst="rect">
             <a:avLst/>
@@ -5171,14 +5156,14 @@
         </p:spPr>
         <p:txBody>
           <a:bodyPr lIns="0" rIns="0" tIns="0" bIns="0" anchor="ctr">
-            <a:normAutofit/>
-          </a:bodyPr>
-          <a:p>
-            <a:endParaRPr b="0" lang="de-AT" sz="4500" spc="-1" strike="noStrike">
-              <a:solidFill>
-                <a:srgbClr val="04617b"/>
-              </a:solidFill>
-              <a:latin typeface="Noto Sans"/>
+            <a:noAutofit/>
+          </a:bodyPr>
+          <a:p>
+            <a:pPr algn="ctr">
+              <a:buNone/>
+            </a:pPr>
+            <a:endParaRPr b="0" lang="en-US" sz="4400" spc="-1" strike="noStrike">
+              <a:latin typeface="Arial"/>
             </a:endParaRPr>
           </a:p>
         </p:txBody>
@@ -5195,8 +5180,8 @@
         </p:nvSpPr>
         <p:spPr>
           <a:xfrm>
-            <a:off x="540000" y="1440000"/>
-            <a:ext cx="4391640" cy="1931760"/>
+            <a:off x="504000" y="1326600"/>
+            <a:ext cx="4426920" cy="1568520"/>
           </a:xfrm>
           <a:prstGeom prst="rect">
             <a:avLst/>
@@ -5211,8 +5196,8 @@
             <a:normAutofit/>
           </a:bodyPr>
           <a:p>
-            <a:endParaRPr b="0" lang="de-AT" sz="2400" spc="-1" strike="noStrike">
-              <a:latin typeface="Noto Sans"/>
+            <a:endParaRPr b="0" lang="en-US" sz="3200" spc="-1" strike="noStrike">
+              <a:latin typeface="Arial"/>
             </a:endParaRPr>
           </a:p>
         </p:txBody>
@@ -5229,8 +5214,8 @@
         </p:nvSpPr>
         <p:spPr>
           <a:xfrm>
-            <a:off x="5151600" y="1440000"/>
-            <a:ext cx="4391640" cy="1931760"/>
+            <a:off x="5152680" y="1326600"/>
+            <a:ext cx="4426920" cy="1568520"/>
           </a:xfrm>
           <a:prstGeom prst="rect">
             <a:avLst/>
@@ -5245,8 +5230,8 @@
             <a:normAutofit/>
           </a:bodyPr>
           <a:p>
-            <a:endParaRPr b="0" lang="de-AT" sz="2400" spc="-1" strike="noStrike">
-              <a:latin typeface="Noto Sans"/>
+            <a:endParaRPr b="0" lang="en-US" sz="3200" spc="-1" strike="noStrike">
+              <a:latin typeface="Arial"/>
             </a:endParaRPr>
           </a:p>
         </p:txBody>
@@ -5263,8 +5248,8 @@
         </p:nvSpPr>
         <p:spPr>
           <a:xfrm>
-            <a:off x="540000" y="3555720"/>
-            <a:ext cx="4391640" cy="1931760"/>
+            <a:off x="504000" y="3044520"/>
+            <a:ext cx="4426920" cy="1568520"/>
           </a:xfrm>
           <a:prstGeom prst="rect">
             <a:avLst/>
@@ -5279,8 +5264,8 @@
             <a:normAutofit/>
           </a:bodyPr>
           <a:p>
-            <a:endParaRPr b="0" lang="de-AT" sz="2400" spc="-1" strike="noStrike">
-              <a:latin typeface="Noto Sans"/>
+            <a:endParaRPr b="0" lang="en-US" sz="3200" spc="-1" strike="noStrike">
+              <a:latin typeface="Arial"/>
             </a:endParaRPr>
           </a:p>
         </p:txBody>
@@ -5297,8 +5282,8 @@
         </p:nvSpPr>
         <p:spPr>
           <a:xfrm>
-            <a:off x="5151600" y="3555720"/>
-            <a:ext cx="4391640" cy="1931760"/>
+            <a:off x="5152680" y="3044520"/>
+            <a:ext cx="4426920" cy="1568520"/>
           </a:xfrm>
           <a:prstGeom prst="rect">
             <a:avLst/>
@@ -5313,8 +5298,8 @@
             <a:normAutofit/>
           </a:bodyPr>
           <a:p>
-            <a:endParaRPr b="0" lang="de-AT" sz="2400" spc="-1" strike="noStrike">
-              <a:latin typeface="Noto Sans"/>
+            <a:endParaRPr b="0" lang="en-US" sz="3200" spc="-1" strike="noStrike">
+              <a:latin typeface="Arial"/>
             </a:endParaRPr>
           </a:p>
         </p:txBody>
@@ -5326,7 +5311,7 @@
             <a:spLocks noGrp="1"/>
           </p:cNvSpPr>
           <p:nvPr>
-            <p:ph type="ftr" idx="8"/>
+            <p:ph type="ftr" idx="7"/>
           </p:nvPr>
         </p:nvSpPr>
         <p:spPr/>
@@ -5346,14 +5331,14 @@
             <a:spLocks noGrp="1"/>
           </p:cNvSpPr>
           <p:nvPr>
-            <p:ph type="sldNum" idx="9"/>
-          </p:nvPr>
-        </p:nvSpPr>
-        <p:spPr/>
-        <p:txBody>
-          <a:bodyPr/>
-          <a:p>
-            <a:fld id="{95FDC43D-CE90-4497-A9E0-B9F97A7AD15C}" type="slidenum">
+            <p:ph type="sldNum" idx="8"/>
+          </p:nvPr>
+        </p:nvSpPr>
+        <p:spPr/>
+        <p:txBody>
+          <a:bodyPr/>
+          <a:p>
+            <a:fld id="{346DFF78-49A8-4C5F-9084-D13DCB5A9C53}" type="slidenum">
               <a:t>&lt;#&gt;</a:t>
             </a:fld>
           </a:p>
@@ -5366,7 +5351,7 @@
             <a:spLocks noGrp="1"/>
           </p:cNvSpPr>
           <p:nvPr>
-            <p:ph type="dt" idx="7"/>
+            <p:ph type="dt" idx="9"/>
           </p:nvPr>
         </p:nvSpPr>
         <p:spPr/>
@@ -5415,7 +5400,7 @@
         <p:spPr>
           <a:xfrm>
             <a:off x="540000" y="270000"/>
-            <a:ext cx="9000000" cy="990000"/>
+            <a:ext cx="8999640" cy="989640"/>
           </a:xfrm>
           <a:prstGeom prst="rect">
             <a:avLst/>
@@ -5427,14 +5412,14 @@
         </p:spPr>
         <p:txBody>
           <a:bodyPr lIns="0" rIns="0" tIns="0" bIns="0" anchor="ctr">
-            <a:normAutofit/>
-          </a:bodyPr>
-          <a:p>
-            <a:endParaRPr b="0" lang="de-AT" sz="4500" spc="-1" strike="noStrike">
-              <a:solidFill>
-                <a:srgbClr val="04617b"/>
-              </a:solidFill>
-              <a:latin typeface="Noto Sans"/>
+            <a:noAutofit/>
+          </a:bodyPr>
+          <a:p>
+            <a:pPr algn="ctr">
+              <a:buNone/>
+            </a:pPr>
+            <a:endParaRPr b="0" lang="en-US" sz="4400" spc="-1" strike="noStrike">
+              <a:latin typeface="Arial"/>
             </a:endParaRPr>
           </a:p>
         </p:txBody>
@@ -5451,8 +5436,8 @@
         </p:nvSpPr>
         <p:spPr>
           <a:xfrm>
-            <a:off x="540000" y="1440000"/>
-            <a:ext cx="2897640" cy="1931760"/>
+            <a:off x="504000" y="1326600"/>
+            <a:ext cx="2921040" cy="1568520"/>
           </a:xfrm>
           <a:prstGeom prst="rect">
             <a:avLst/>
@@ -5467,8 +5452,8 @@
             <a:normAutofit/>
           </a:bodyPr>
           <a:p>
-            <a:endParaRPr b="0" lang="de-AT" sz="2400" spc="-1" strike="noStrike">
-              <a:latin typeface="Noto Sans"/>
+            <a:endParaRPr b="0" lang="en-US" sz="3200" spc="-1" strike="noStrike">
+              <a:latin typeface="Arial"/>
             </a:endParaRPr>
           </a:p>
         </p:txBody>
@@ -5485,8 +5470,8 @@
         </p:nvSpPr>
         <p:spPr>
           <a:xfrm>
-            <a:off x="3583080" y="1440000"/>
-            <a:ext cx="2897640" cy="1931760"/>
+            <a:off x="3571560" y="1326600"/>
+            <a:ext cx="2921040" cy="1568520"/>
           </a:xfrm>
           <a:prstGeom prst="rect">
             <a:avLst/>
@@ -5501,8 +5486,8 @@
             <a:normAutofit/>
           </a:bodyPr>
           <a:p>
-            <a:endParaRPr b="0" lang="de-AT" sz="2400" spc="-1" strike="noStrike">
-              <a:latin typeface="Noto Sans"/>
+            <a:endParaRPr b="0" lang="en-US" sz="3200" spc="-1" strike="noStrike">
+              <a:latin typeface="Arial"/>
             </a:endParaRPr>
           </a:p>
         </p:txBody>
@@ -5519,8 +5504,8 @@
         </p:nvSpPr>
         <p:spPr>
           <a:xfrm>
-            <a:off x="6625800" y="1440000"/>
-            <a:ext cx="2897640" cy="1931760"/>
+            <a:off x="6639120" y="1326600"/>
+            <a:ext cx="2921040" cy="1568520"/>
           </a:xfrm>
           <a:prstGeom prst="rect">
             <a:avLst/>
@@ -5535,8 +5520,8 @@
             <a:normAutofit/>
           </a:bodyPr>
           <a:p>
-            <a:endParaRPr b="0" lang="de-AT" sz="2400" spc="-1" strike="noStrike">
-              <a:latin typeface="Noto Sans"/>
+            <a:endParaRPr b="0" lang="en-US" sz="3200" spc="-1" strike="noStrike">
+              <a:latin typeface="Arial"/>
             </a:endParaRPr>
           </a:p>
         </p:txBody>
@@ -5553,8 +5538,8 @@
         </p:nvSpPr>
         <p:spPr>
           <a:xfrm>
-            <a:off x="540000" y="3555720"/>
-            <a:ext cx="2897640" cy="1931760"/>
+            <a:off x="504000" y="3044520"/>
+            <a:ext cx="2921040" cy="1568520"/>
           </a:xfrm>
           <a:prstGeom prst="rect">
             <a:avLst/>
@@ -5569,8 +5554,8 @@
             <a:normAutofit/>
           </a:bodyPr>
           <a:p>
-            <a:endParaRPr b="0" lang="de-AT" sz="2400" spc="-1" strike="noStrike">
-              <a:latin typeface="Noto Sans"/>
+            <a:endParaRPr b="0" lang="en-US" sz="3200" spc="-1" strike="noStrike">
+              <a:latin typeface="Arial"/>
             </a:endParaRPr>
           </a:p>
         </p:txBody>
@@ -5587,8 +5572,8 @@
         </p:nvSpPr>
         <p:spPr>
           <a:xfrm>
-            <a:off x="3583080" y="3555720"/>
-            <a:ext cx="2897640" cy="1931760"/>
+            <a:off x="3571560" y="3044520"/>
+            <a:ext cx="2921040" cy="1568520"/>
           </a:xfrm>
           <a:prstGeom prst="rect">
             <a:avLst/>
@@ -5603,8 +5588,8 @@
             <a:normAutofit/>
           </a:bodyPr>
           <a:p>
-            <a:endParaRPr b="0" lang="de-AT" sz="2400" spc="-1" strike="noStrike">
-              <a:latin typeface="Noto Sans"/>
+            <a:endParaRPr b="0" lang="en-US" sz="3200" spc="-1" strike="noStrike">
+              <a:latin typeface="Arial"/>
             </a:endParaRPr>
           </a:p>
         </p:txBody>
@@ -5621,8 +5606,8 @@
         </p:nvSpPr>
         <p:spPr>
           <a:xfrm>
-            <a:off x="6625800" y="3555720"/>
-            <a:ext cx="2897640" cy="1931760"/>
+            <a:off x="6639120" y="3044520"/>
+            <a:ext cx="2921040" cy="1568520"/>
           </a:xfrm>
           <a:prstGeom prst="rect">
             <a:avLst/>
@@ -5637,8 +5622,8 @@
             <a:normAutofit/>
           </a:bodyPr>
           <a:p>
-            <a:endParaRPr b="0" lang="de-AT" sz="2400" spc="-1" strike="noStrike">
-              <a:latin typeface="Noto Sans"/>
+            <a:endParaRPr b="0" lang="en-US" sz="3200" spc="-1" strike="noStrike">
+              <a:latin typeface="Arial"/>
             </a:endParaRPr>
           </a:p>
         </p:txBody>
@@ -5650,7 +5635,7 @@
             <a:spLocks noGrp="1"/>
           </p:cNvSpPr>
           <p:nvPr>
-            <p:ph type="ftr" idx="8"/>
+            <p:ph type="ftr" idx="7"/>
           </p:nvPr>
         </p:nvSpPr>
         <p:spPr/>
@@ -5670,14 +5655,14 @@
             <a:spLocks noGrp="1"/>
           </p:cNvSpPr>
           <p:nvPr>
-            <p:ph type="sldNum" idx="9"/>
-          </p:nvPr>
-        </p:nvSpPr>
-        <p:spPr/>
-        <p:txBody>
-          <a:bodyPr/>
-          <a:p>
-            <a:fld id="{4AAD1989-53D7-4023-88C9-2D73C61D763A}" type="slidenum">
+            <p:ph type="sldNum" idx="8"/>
+          </p:nvPr>
+        </p:nvSpPr>
+        <p:spPr/>
+        <p:txBody>
+          <a:bodyPr/>
+          <a:p>
+            <a:fld id="{BD240EDE-D2C7-4AAC-B74B-D5F4AC86E955}" type="slidenum">
               <a:t>&lt;#&gt;</a:t>
             </a:fld>
           </a:p>
@@ -5690,7 +5675,7 @@
             <a:spLocks noGrp="1"/>
           </p:cNvSpPr>
           <p:nvPr>
-            <p:ph type="dt" idx="7"/>
+            <p:ph type="dt" idx="9"/>
           </p:nvPr>
         </p:nvSpPr>
         <p:spPr/>
@@ -5739,7 +5724,7 @@
         <p:spPr>
           <a:xfrm>
             <a:off x="540000" y="270000"/>
-            <a:ext cx="9000000" cy="990000"/>
+            <a:ext cx="8999640" cy="989640"/>
           </a:xfrm>
           <a:prstGeom prst="rect">
             <a:avLst/>
@@ -5751,14 +5736,14 @@
         </p:spPr>
         <p:txBody>
           <a:bodyPr lIns="0" rIns="0" tIns="0" bIns="0" anchor="ctr">
-            <a:normAutofit/>
-          </a:bodyPr>
-          <a:p>
-            <a:endParaRPr b="0" lang="de-AT" sz="4500" spc="-1" strike="noStrike">
-              <a:solidFill>
-                <a:srgbClr val="04617b"/>
-              </a:solidFill>
-              <a:latin typeface="Noto Sans"/>
+            <a:noAutofit/>
+          </a:bodyPr>
+          <a:p>
+            <a:pPr algn="ctr">
+              <a:buNone/>
+            </a:pPr>
+            <a:endParaRPr b="0" lang="en-US" sz="4400" spc="-1" strike="noStrike">
+              <a:latin typeface="Arial"/>
             </a:endParaRPr>
           </a:p>
         </p:txBody>
@@ -5775,8 +5760,8 @@
         </p:nvSpPr>
         <p:spPr>
           <a:xfrm>
-            <a:off x="540000" y="1440000"/>
-            <a:ext cx="4391640" cy="4050000"/>
+            <a:off x="504000" y="1326600"/>
+            <a:ext cx="4426920" cy="3288600"/>
           </a:xfrm>
           <a:prstGeom prst="rect">
             <a:avLst/>
@@ -5791,8 +5776,8 @@
             <a:normAutofit/>
           </a:bodyPr>
           <a:p>
-            <a:endParaRPr b="0" lang="de-AT" sz="2400" spc="-1" strike="noStrike">
-              <a:latin typeface="Noto Sans"/>
+            <a:endParaRPr b="0" lang="en-US" sz="3200" spc="-1" strike="noStrike">
+              <a:latin typeface="Arial"/>
             </a:endParaRPr>
           </a:p>
         </p:txBody>
@@ -5809,8 +5794,8 @@
         </p:nvSpPr>
         <p:spPr>
           <a:xfrm>
-            <a:off x="5151600" y="1440000"/>
-            <a:ext cx="4391640" cy="4050000"/>
+            <a:off x="5152680" y="1326600"/>
+            <a:ext cx="4426920" cy="3288600"/>
           </a:xfrm>
           <a:prstGeom prst="rect">
             <a:avLst/>
@@ -5825,8 +5810,8 @@
             <a:normAutofit/>
           </a:bodyPr>
           <a:p>
-            <a:endParaRPr b="0" lang="de-AT" sz="2400" spc="-1" strike="noStrike">
-              <a:latin typeface="Noto Sans"/>
+            <a:endParaRPr b="0" lang="en-US" sz="3200" spc="-1" strike="noStrike">
+              <a:latin typeface="Arial"/>
             </a:endParaRPr>
           </a:p>
         </p:txBody>
@@ -5838,7 +5823,7 @@
             <a:spLocks noGrp="1"/>
           </p:cNvSpPr>
           <p:nvPr>
-            <p:ph type="ftr" idx="2"/>
+            <p:ph type="ftr" idx="1"/>
           </p:nvPr>
         </p:nvSpPr>
         <p:spPr/>
@@ -5858,14 +5843,14 @@
             <a:spLocks noGrp="1"/>
           </p:cNvSpPr>
           <p:nvPr>
-            <p:ph type="sldNum" idx="3"/>
-          </p:nvPr>
-        </p:nvSpPr>
-        <p:spPr/>
-        <p:txBody>
-          <a:bodyPr/>
-          <a:p>
-            <a:fld id="{63F61A0A-0266-406A-A48D-1F16DDE331DC}" type="slidenum">
+            <p:ph type="sldNum" idx="2"/>
+          </p:nvPr>
+        </p:nvSpPr>
+        <p:spPr/>
+        <p:txBody>
+          <a:bodyPr/>
+          <a:p>
+            <a:fld id="{2D6AC86C-90E4-4581-A8B5-71BE75F90983}" type="slidenum">
               <a:t>&lt;#&gt;</a:t>
             </a:fld>
           </a:p>
@@ -5878,7 +5863,7 @@
             <a:spLocks noGrp="1"/>
           </p:cNvSpPr>
           <p:nvPr>
-            <p:ph type="dt" idx="1"/>
+            <p:ph type="dt" idx="3"/>
           </p:nvPr>
         </p:nvSpPr>
         <p:spPr/>
@@ -5927,7 +5912,7 @@
         <p:spPr>
           <a:xfrm>
             <a:off x="540000" y="270000"/>
-            <a:ext cx="9000000" cy="990000"/>
+            <a:ext cx="8999640" cy="989640"/>
           </a:xfrm>
           <a:prstGeom prst="rect">
             <a:avLst/>
@@ -5939,14 +5924,14 @@
         </p:spPr>
         <p:txBody>
           <a:bodyPr lIns="0" rIns="0" tIns="0" bIns="0" anchor="ctr">
-            <a:normAutofit/>
-          </a:bodyPr>
-          <a:p>
-            <a:endParaRPr b="0" lang="de-AT" sz="4500" spc="-1" strike="noStrike">
-              <a:solidFill>
-                <a:srgbClr val="04617b"/>
-              </a:solidFill>
-              <a:latin typeface="Noto Sans"/>
+            <a:noAutofit/>
+          </a:bodyPr>
+          <a:p>
+            <a:pPr algn="ctr">
+              <a:buNone/>
+            </a:pPr>
+            <a:endParaRPr b="0" lang="en-US" sz="4400" spc="-1" strike="noStrike">
+              <a:latin typeface="Arial"/>
             </a:endParaRPr>
           </a:p>
         </p:txBody>
@@ -5958,7 +5943,7 @@
             <a:spLocks noGrp="1"/>
           </p:cNvSpPr>
           <p:nvPr>
-            <p:ph type="ftr" idx="2"/>
+            <p:ph type="ftr" idx="1"/>
           </p:nvPr>
         </p:nvSpPr>
         <p:spPr/>
@@ -5978,14 +5963,14 @@
             <a:spLocks noGrp="1"/>
           </p:cNvSpPr>
           <p:nvPr>
-            <p:ph type="sldNum" idx="3"/>
-          </p:nvPr>
-        </p:nvSpPr>
-        <p:spPr/>
-        <p:txBody>
-          <a:bodyPr/>
-          <a:p>
-            <a:fld id="{F89D8BB5-AC79-42D7-9A5A-1DF6CDEAA115}" type="slidenum">
+            <p:ph type="sldNum" idx="2"/>
+          </p:nvPr>
+        </p:nvSpPr>
+        <p:spPr/>
+        <p:txBody>
+          <a:bodyPr/>
+          <a:p>
+            <a:fld id="{0E9E6687-0CD5-43A5-BCD4-FFDD1177C84C}" type="slidenum">
               <a:t>&lt;#&gt;</a:t>
             </a:fld>
           </a:p>
@@ -5998,7 +5983,7 @@
             <a:spLocks noGrp="1"/>
           </p:cNvSpPr>
           <p:nvPr>
-            <p:ph type="dt" idx="1"/>
+            <p:ph type="dt" idx="3"/>
           </p:nvPr>
         </p:nvSpPr>
         <p:spPr/>
@@ -6047,7 +6032,7 @@
         <p:spPr>
           <a:xfrm>
             <a:off x="540000" y="270000"/>
-            <a:ext cx="9000000" cy="4590360"/>
+            <a:ext cx="8999640" cy="4588560"/>
           </a:xfrm>
           <a:prstGeom prst="rect">
             <a:avLst/>
@@ -6065,11 +6050,8 @@
             <a:pPr algn="ctr">
               <a:buNone/>
             </a:pPr>
-            <a:endParaRPr b="1" lang="de-AT" sz="4000" spc="-1" strike="noStrike">
-              <a:solidFill>
-                <a:srgbClr val="009eda"/>
-              </a:solidFill>
-              <a:latin typeface="Noto Sans"/>
+            <a:endParaRPr b="0" lang="en-US" sz="3200" spc="-1" strike="noStrike">
+              <a:latin typeface="Arial"/>
             </a:endParaRPr>
           </a:p>
         </p:txBody>
@@ -6081,7 +6063,7 @@
             <a:spLocks noGrp="1"/>
           </p:cNvSpPr>
           <p:nvPr>
-            <p:ph type="ftr" idx="2"/>
+            <p:ph type="ftr" idx="1"/>
           </p:nvPr>
         </p:nvSpPr>
         <p:spPr/>
@@ -6101,14 +6083,14 @@
             <a:spLocks noGrp="1"/>
           </p:cNvSpPr>
           <p:nvPr>
-            <p:ph type="sldNum" idx="3"/>
-          </p:nvPr>
-        </p:nvSpPr>
-        <p:spPr/>
-        <p:txBody>
-          <a:bodyPr/>
-          <a:p>
-            <a:fld id="{9B6DE4FC-11BF-44CD-9096-FC29B3886021}" type="slidenum">
+            <p:ph type="sldNum" idx="2"/>
+          </p:nvPr>
+        </p:nvSpPr>
+        <p:spPr/>
+        <p:txBody>
+          <a:bodyPr/>
+          <a:p>
+            <a:fld id="{83361AA4-7143-420E-95CB-93BC8722545B}" type="slidenum">
               <a:t>&lt;#&gt;</a:t>
             </a:fld>
           </a:p>
@@ -6121,7 +6103,7 @@
             <a:spLocks noGrp="1"/>
           </p:cNvSpPr>
           <p:nvPr>
-            <p:ph type="dt" idx="1"/>
+            <p:ph type="dt" idx="3"/>
           </p:nvPr>
         </p:nvSpPr>
         <p:spPr/>
@@ -6170,7 +6152,7 @@
         <p:spPr>
           <a:xfrm>
             <a:off x="540000" y="270000"/>
-            <a:ext cx="9000000" cy="990000"/>
+            <a:ext cx="8999640" cy="989640"/>
           </a:xfrm>
           <a:prstGeom prst="rect">
             <a:avLst/>
@@ -6182,14 +6164,14 @@
         </p:spPr>
         <p:txBody>
           <a:bodyPr lIns="0" rIns="0" tIns="0" bIns="0" anchor="ctr">
-            <a:normAutofit/>
-          </a:bodyPr>
-          <a:p>
-            <a:endParaRPr b="0" lang="de-AT" sz="4500" spc="-1" strike="noStrike">
-              <a:solidFill>
-                <a:srgbClr val="04617b"/>
-              </a:solidFill>
-              <a:latin typeface="Noto Sans"/>
+            <a:noAutofit/>
+          </a:bodyPr>
+          <a:p>
+            <a:pPr algn="ctr">
+              <a:buNone/>
+            </a:pPr>
+            <a:endParaRPr b="0" lang="en-US" sz="4400" spc="-1" strike="noStrike">
+              <a:latin typeface="Arial"/>
             </a:endParaRPr>
           </a:p>
         </p:txBody>
@@ -6206,8 +6188,8 @@
         </p:nvSpPr>
         <p:spPr>
           <a:xfrm>
-            <a:off x="540000" y="1440000"/>
-            <a:ext cx="4391640" cy="1931760"/>
+            <a:off x="504000" y="1326600"/>
+            <a:ext cx="4426920" cy="1568520"/>
           </a:xfrm>
           <a:prstGeom prst="rect">
             <a:avLst/>
@@ -6222,8 +6204,8 @@
             <a:normAutofit/>
           </a:bodyPr>
           <a:p>
-            <a:endParaRPr b="0" lang="de-AT" sz="2400" spc="-1" strike="noStrike">
-              <a:latin typeface="Noto Sans"/>
+            <a:endParaRPr b="0" lang="en-US" sz="3200" spc="-1" strike="noStrike">
+              <a:latin typeface="Arial"/>
             </a:endParaRPr>
           </a:p>
         </p:txBody>
@@ -6240,8 +6222,8 @@
         </p:nvSpPr>
         <p:spPr>
           <a:xfrm>
-            <a:off x="5151600" y="1440000"/>
-            <a:ext cx="4391640" cy="4050000"/>
+            <a:off x="5152680" y="1326600"/>
+            <a:ext cx="4426920" cy="3288600"/>
           </a:xfrm>
           <a:prstGeom prst="rect">
             <a:avLst/>
@@ -6256,8 +6238,8 @@
             <a:normAutofit/>
           </a:bodyPr>
           <a:p>
-            <a:endParaRPr b="0" lang="de-AT" sz="2400" spc="-1" strike="noStrike">
-              <a:latin typeface="Noto Sans"/>
+            <a:endParaRPr b="0" lang="en-US" sz="3200" spc="-1" strike="noStrike">
+              <a:latin typeface="Arial"/>
             </a:endParaRPr>
           </a:p>
         </p:txBody>
@@ -6274,8 +6256,8 @@
         </p:nvSpPr>
         <p:spPr>
           <a:xfrm>
-            <a:off x="540000" y="3555720"/>
-            <a:ext cx="4391640" cy="1931760"/>
+            <a:off x="504000" y="3044520"/>
+            <a:ext cx="4426920" cy="1568520"/>
           </a:xfrm>
           <a:prstGeom prst="rect">
             <a:avLst/>
@@ -6290,8 +6272,8 @@
             <a:normAutofit/>
           </a:bodyPr>
           <a:p>
-            <a:endParaRPr b="0" lang="de-AT" sz="2400" spc="-1" strike="noStrike">
-              <a:latin typeface="Noto Sans"/>
+            <a:endParaRPr b="0" lang="en-US" sz="3200" spc="-1" strike="noStrike">
+              <a:latin typeface="Arial"/>
             </a:endParaRPr>
           </a:p>
         </p:txBody>
@@ -6303,7 +6285,7 @@
             <a:spLocks noGrp="1"/>
           </p:cNvSpPr>
           <p:nvPr>
-            <p:ph type="ftr" idx="2"/>
+            <p:ph type="ftr" idx="1"/>
           </p:nvPr>
         </p:nvSpPr>
         <p:spPr/>
@@ -6323,14 +6305,14 @@
             <a:spLocks noGrp="1"/>
           </p:cNvSpPr>
           <p:nvPr>
-            <p:ph type="sldNum" idx="3"/>
-          </p:nvPr>
-        </p:nvSpPr>
-        <p:spPr/>
-        <p:txBody>
-          <a:bodyPr/>
-          <a:p>
-            <a:fld id="{7B476641-E7EE-462F-9D17-581882BCE346}" type="slidenum">
+            <p:ph type="sldNum" idx="2"/>
+          </p:nvPr>
+        </p:nvSpPr>
+        <p:spPr/>
+        <p:txBody>
+          <a:bodyPr/>
+          <a:p>
+            <a:fld id="{0D47032D-89D9-4086-B543-55A16D7B32E5}" type="slidenum">
               <a:t>&lt;#&gt;</a:t>
             </a:fld>
           </a:p>
@@ -6343,7 +6325,7 @@
             <a:spLocks noGrp="1"/>
           </p:cNvSpPr>
           <p:nvPr>
-            <p:ph type="dt" idx="1"/>
+            <p:ph type="dt" idx="3"/>
           </p:nvPr>
         </p:nvSpPr>
         <p:spPr/>
@@ -6392,7 +6374,7 @@
         <p:spPr>
           <a:xfrm>
             <a:off x="540000" y="270000"/>
-            <a:ext cx="9000000" cy="990000"/>
+            <a:ext cx="8999640" cy="989640"/>
           </a:xfrm>
           <a:prstGeom prst="rect">
             <a:avLst/>
@@ -6404,14 +6386,14 @@
         </p:spPr>
         <p:txBody>
           <a:bodyPr lIns="0" rIns="0" tIns="0" bIns="0" anchor="ctr">
-            <a:normAutofit/>
-          </a:bodyPr>
-          <a:p>
-            <a:endParaRPr b="0" lang="de-AT" sz="4500" spc="-1" strike="noStrike">
-              <a:solidFill>
-                <a:srgbClr val="04617b"/>
-              </a:solidFill>
-              <a:latin typeface="Noto Sans"/>
+            <a:noAutofit/>
+          </a:bodyPr>
+          <a:p>
+            <a:pPr algn="ctr">
+              <a:buNone/>
+            </a:pPr>
+            <a:endParaRPr b="0" lang="en-US" sz="4400" spc="-1" strike="noStrike">
+              <a:latin typeface="Arial"/>
             </a:endParaRPr>
           </a:p>
         </p:txBody>
@@ -6428,8 +6410,8 @@
         </p:nvSpPr>
         <p:spPr>
           <a:xfrm>
-            <a:off x="540000" y="1440000"/>
-            <a:ext cx="4391640" cy="4050000"/>
+            <a:off x="504000" y="1326600"/>
+            <a:ext cx="4426920" cy="3288600"/>
           </a:xfrm>
           <a:prstGeom prst="rect">
             <a:avLst/>
@@ -6444,8 +6426,8 @@
             <a:normAutofit/>
           </a:bodyPr>
           <a:p>
-            <a:endParaRPr b="0" lang="de-AT" sz="2400" spc="-1" strike="noStrike">
-              <a:latin typeface="Noto Sans"/>
+            <a:endParaRPr b="0" lang="en-US" sz="3200" spc="-1" strike="noStrike">
+              <a:latin typeface="Arial"/>
             </a:endParaRPr>
           </a:p>
         </p:txBody>
@@ -6462,8 +6444,8 @@
         </p:nvSpPr>
         <p:spPr>
           <a:xfrm>
-            <a:off x="5151600" y="1440000"/>
-            <a:ext cx="4391640" cy="1931760"/>
+            <a:off x="5152680" y="1326600"/>
+            <a:ext cx="4426920" cy="1568520"/>
           </a:xfrm>
           <a:prstGeom prst="rect">
             <a:avLst/>
@@ -6478,8 +6460,8 @@
             <a:normAutofit/>
           </a:bodyPr>
           <a:p>
-            <a:endParaRPr b="0" lang="de-AT" sz="2400" spc="-1" strike="noStrike">
-              <a:latin typeface="Noto Sans"/>
+            <a:endParaRPr b="0" lang="en-US" sz="3200" spc="-1" strike="noStrike">
+              <a:latin typeface="Arial"/>
             </a:endParaRPr>
           </a:p>
         </p:txBody>
@@ -6496,8 +6478,8 @@
         </p:nvSpPr>
         <p:spPr>
           <a:xfrm>
-            <a:off x="5151600" y="3555720"/>
-            <a:ext cx="4391640" cy="1931760"/>
+            <a:off x="5152680" y="3044520"/>
+            <a:ext cx="4426920" cy="1568520"/>
           </a:xfrm>
           <a:prstGeom prst="rect">
             <a:avLst/>
@@ -6512,8 +6494,8 @@
             <a:normAutofit/>
           </a:bodyPr>
           <a:p>
-            <a:endParaRPr b="0" lang="de-AT" sz="2400" spc="-1" strike="noStrike">
-              <a:latin typeface="Noto Sans"/>
+            <a:endParaRPr b="0" lang="en-US" sz="3200" spc="-1" strike="noStrike">
+              <a:latin typeface="Arial"/>
             </a:endParaRPr>
           </a:p>
         </p:txBody>
@@ -6525,7 +6507,7 @@
             <a:spLocks noGrp="1"/>
           </p:cNvSpPr>
           <p:nvPr>
-            <p:ph type="ftr" idx="2"/>
+            <p:ph type="ftr" idx="1"/>
           </p:nvPr>
         </p:nvSpPr>
         <p:spPr/>
@@ -6545,14 +6527,14 @@
             <a:spLocks noGrp="1"/>
           </p:cNvSpPr>
           <p:nvPr>
-            <p:ph type="sldNum" idx="3"/>
-          </p:nvPr>
-        </p:nvSpPr>
-        <p:spPr/>
-        <p:txBody>
-          <a:bodyPr/>
-          <a:p>
-            <a:fld id="{9ECABBBE-FEFE-4B00-84A8-23C86BA84D48}" type="slidenum">
+            <p:ph type="sldNum" idx="2"/>
+          </p:nvPr>
+        </p:nvSpPr>
+        <p:spPr/>
+        <p:txBody>
+          <a:bodyPr/>
+          <a:p>
+            <a:fld id="{199518E9-3D4B-4BAF-AA41-08B7285623E6}" type="slidenum">
               <a:t>&lt;#&gt;</a:t>
             </a:fld>
           </a:p>
@@ -6565,7 +6547,7 @@
             <a:spLocks noGrp="1"/>
           </p:cNvSpPr>
           <p:nvPr>
-            <p:ph type="dt" idx="1"/>
+            <p:ph type="dt" idx="3"/>
           </p:nvPr>
         </p:nvSpPr>
         <p:spPr/>
@@ -6614,7 +6596,7 @@
         <p:spPr>
           <a:xfrm>
             <a:off x="540000" y="270000"/>
-            <a:ext cx="9000000" cy="990000"/>
+            <a:ext cx="8999640" cy="989640"/>
           </a:xfrm>
           <a:prstGeom prst="rect">
             <a:avLst/>
@@ -6626,14 +6608,14 @@
         </p:spPr>
         <p:txBody>
           <a:bodyPr lIns="0" rIns="0" tIns="0" bIns="0" anchor="ctr">
-            <a:normAutofit/>
-          </a:bodyPr>
-          <a:p>
-            <a:endParaRPr b="0" lang="de-AT" sz="4500" spc="-1" strike="noStrike">
-              <a:solidFill>
-                <a:srgbClr val="04617b"/>
-              </a:solidFill>
-              <a:latin typeface="Noto Sans"/>
+            <a:noAutofit/>
+          </a:bodyPr>
+          <a:p>
+            <a:pPr algn="ctr">
+              <a:buNone/>
+            </a:pPr>
+            <a:endParaRPr b="0" lang="en-US" sz="4400" spc="-1" strike="noStrike">
+              <a:latin typeface="Arial"/>
             </a:endParaRPr>
           </a:p>
         </p:txBody>
@@ -6650,8 +6632,8 @@
         </p:nvSpPr>
         <p:spPr>
           <a:xfrm>
-            <a:off x="540000" y="1440000"/>
-            <a:ext cx="4391640" cy="1931760"/>
+            <a:off x="504000" y="1326600"/>
+            <a:ext cx="4426920" cy="1568520"/>
           </a:xfrm>
           <a:prstGeom prst="rect">
             <a:avLst/>
@@ -6666,8 +6648,8 @@
             <a:normAutofit/>
           </a:bodyPr>
           <a:p>
-            <a:endParaRPr b="0" lang="de-AT" sz="2400" spc="-1" strike="noStrike">
-              <a:latin typeface="Noto Sans"/>
+            <a:endParaRPr b="0" lang="en-US" sz="3200" spc="-1" strike="noStrike">
+              <a:latin typeface="Arial"/>
             </a:endParaRPr>
           </a:p>
         </p:txBody>
@@ -6684,8 +6666,8 @@
         </p:nvSpPr>
         <p:spPr>
           <a:xfrm>
-            <a:off x="5151600" y="1440000"/>
-            <a:ext cx="4391640" cy="1931760"/>
+            <a:off x="5152680" y="1326600"/>
+            <a:ext cx="4426920" cy="1568520"/>
           </a:xfrm>
           <a:prstGeom prst="rect">
             <a:avLst/>
@@ -6700,8 +6682,8 @@
             <a:normAutofit/>
           </a:bodyPr>
           <a:p>
-            <a:endParaRPr b="0" lang="de-AT" sz="2400" spc="-1" strike="noStrike">
-              <a:latin typeface="Noto Sans"/>
+            <a:endParaRPr b="0" lang="en-US" sz="3200" spc="-1" strike="noStrike">
+              <a:latin typeface="Arial"/>
             </a:endParaRPr>
           </a:p>
         </p:txBody>
@@ -6718,8 +6700,8 @@
         </p:nvSpPr>
         <p:spPr>
           <a:xfrm>
-            <a:off x="540000" y="3555720"/>
-            <a:ext cx="9000000" cy="1931760"/>
+            <a:off x="504000" y="3044520"/>
+            <a:ext cx="9072000" cy="1568520"/>
           </a:xfrm>
           <a:prstGeom prst="rect">
             <a:avLst/>
@@ -6734,8 +6716,8 @@
             <a:normAutofit/>
           </a:bodyPr>
           <a:p>
-            <a:endParaRPr b="0" lang="de-AT" sz="2400" spc="-1" strike="noStrike">
-              <a:latin typeface="Noto Sans"/>
+            <a:endParaRPr b="0" lang="en-US" sz="3200" spc="-1" strike="noStrike">
+              <a:latin typeface="Arial"/>
             </a:endParaRPr>
           </a:p>
         </p:txBody>
@@ -6747,7 +6729,7 @@
             <a:spLocks noGrp="1"/>
           </p:cNvSpPr>
           <p:nvPr>
-            <p:ph type="ftr" idx="2"/>
+            <p:ph type="ftr" idx="1"/>
           </p:nvPr>
         </p:nvSpPr>
         <p:spPr/>
@@ -6767,14 +6749,14 @@
             <a:spLocks noGrp="1"/>
           </p:cNvSpPr>
           <p:nvPr>
-            <p:ph type="sldNum" idx="3"/>
-          </p:nvPr>
-        </p:nvSpPr>
-        <p:spPr/>
-        <p:txBody>
-          <a:bodyPr/>
-          <a:p>
-            <a:fld id="{42EE6CBD-76CE-4754-A6F1-36D4DBB50EA8}" type="slidenum">
+            <p:ph type="sldNum" idx="2"/>
+          </p:nvPr>
+        </p:nvSpPr>
+        <p:spPr/>
+        <p:txBody>
+          <a:bodyPr/>
+          <a:p>
+            <a:fld id="{85E86CB6-1D3A-4E23-84A5-E4DDA9547D90}" type="slidenum">
               <a:t>&lt;#&gt;</a:t>
             </a:fld>
           </a:p>
@@ -6787,7 +6769,7 @@
             <a:spLocks noGrp="1"/>
           </p:cNvSpPr>
           <p:nvPr>
-            <p:ph type="dt" idx="1"/>
+            <p:ph type="dt" idx="3"/>
           </p:nvPr>
         </p:nvSpPr>
         <p:spPr/>
@@ -6832,7 +6814,7 @@
         <p:spPr>
           <a:xfrm>
             <a:off x="0" y="3780000"/>
-            <a:ext cx="10080000" cy="1890000"/>
+            <a:ext cx="10079640" cy="1889640"/>
           </a:xfrm>
           <a:prstGeom prst="rect">
             <a:avLst/>
@@ -6849,7 +6831,7 @@
             <a:noFill/>
           </a:ln>
           <a:effectLst>
-            <a:outerShdw dist="18000" dir="16200000" blurRad="0" rotWithShape="0">
+            <a:outerShdw blurRad="0" dir="16200000" dist="18000" rotWithShape="0">
               <a:srgbClr val="f49100"/>
             </a:outerShdw>
           </a:effectLst>
@@ -6868,13 +6850,53 @@
             <a:spLocks noGrp="1"/>
           </p:cNvSpPr>
           <p:nvPr>
-            <p:ph type="dt" idx="1"/>
-          </p:nvPr>
-        </p:nvSpPr>
-        <p:spPr>
-          <a:xfrm>
-            <a:off x="450000" y="5130000"/>
-            <a:ext cx="2340000" cy="450000"/>
+            <p:ph type="title"/>
+          </p:nvPr>
+        </p:nvSpPr>
+        <p:spPr>
+          <a:xfrm>
+            <a:off x="540000" y="270000"/>
+            <a:ext cx="8999640" cy="989640"/>
+          </a:xfrm>
+          <a:prstGeom prst="rect">
+            <a:avLst/>
+          </a:prstGeom>
+          <a:noFill/>
+          <a:ln w="0">
+            <a:noFill/>
+          </a:ln>
+        </p:spPr>
+        <p:txBody>
+          <a:bodyPr lIns="0" rIns="0" tIns="0" bIns="0" anchor="ctr">
+            <a:normAutofit/>
+          </a:bodyPr>
+          <a:p>
+            <a:r>
+              <a:rPr b="0" lang="en-US" sz="1800" spc="-1" strike="noStrike">
+                <a:latin typeface="Arial"/>
+              </a:rPr>
+              <a:t>Click to edit the title text format</a:t>
+            </a:r>
+            <a:endParaRPr b="0" lang="en-US" sz="1800" spc="-1" strike="noStrike">
+              <a:latin typeface="Arial"/>
+            </a:endParaRPr>
+          </a:p>
+        </p:txBody>
+      </p:sp>
+      <p:sp>
+        <p:nvSpPr>
+          <p:cNvPr id="2" name="PlaceHolder 2"/>
+          <p:cNvSpPr>
+            <a:spLocks noGrp="1"/>
+          </p:cNvSpPr>
+          <p:nvPr>
+            <p:ph type="ftr" idx="1"/>
+          </p:nvPr>
+        </p:nvSpPr>
+        <p:spPr>
+          <a:xfrm>
+            <a:off x="3420000" y="5130000"/>
+            <a:ext cx="3239640" cy="449640"/>
           </a:xfrm>
           <a:prstGeom prst="rect">
             <a:avLst/>
@@ -6891,74 +6913,10 @@
             <a:noAutofit/>
           </a:bodyPr>
           <a:lstStyle>
-            <a:lvl1pPr>
-              <a:defRPr b="0" lang="de-AT" sz="2400" spc="-1" strike="noStrike">
-                <a:solidFill>
-                  <a:srgbClr val="dbf5f9"/>
-                </a:solidFill>
-                <a:latin typeface="Noto Sans"/>
-              </a:defRPr>
-            </a:lvl1pPr>
-          </a:lstStyle>
-          <a:p>
-            <a:r>
-              <a:rPr b="0" lang="de-AT" sz="2400" spc="-1" strike="noStrike">
-                <a:solidFill>
-                  <a:srgbClr val="dbf5f9"/>
-                </a:solidFill>
-                <a:latin typeface="Noto Sans"/>
-              </a:rPr>
-              <a:t>&lt;date/time&gt;</a:t>
-            </a:r>
-            <a:r>
-              <a:rPr b="0" lang="de-AT" sz="2400" spc="-1" strike="noStrike">
-                <a:solidFill>
-                  <a:srgbClr val="dbf5f9"/>
-                </a:solidFill>
-                <a:latin typeface="Noto Sans"/>
-              </a:rPr>
-              <a:t> </a:t>
-            </a:r>
-            <a:endParaRPr b="0" lang="de-AT" sz="2400" spc="-1" strike="noStrike">
-              <a:solidFill>
-                <a:srgbClr val="dbf5f9"/>
-              </a:solidFill>
-              <a:latin typeface="Noto Sans"/>
-            </a:endParaRPr>
-          </a:p>
-        </p:txBody>
-      </p:sp>
-      <p:sp>
-        <p:nvSpPr>
-          <p:cNvPr id="2" name="PlaceHolder 2"/>
-          <p:cNvSpPr>
-            <a:spLocks noGrp="1"/>
-          </p:cNvSpPr>
-          <p:nvPr>
-            <p:ph type="ftr" idx="2"/>
-          </p:nvPr>
-        </p:nvSpPr>
-        <p:spPr>
-          <a:xfrm>
-            <a:off x="3420000" y="5130000"/>
-            <a:ext cx="3240000" cy="450000"/>
-          </a:xfrm>
-          <a:prstGeom prst="rect">
-            <a:avLst/>
-          </a:prstGeom>
-          <a:noFill/>
-          <a:ln w="0">
-            <a:solidFill>
-              <a:srgbClr val="808080"/>
-            </a:solidFill>
-          </a:ln>
-        </p:spPr>
-        <p:txBody>
-          <a:bodyPr lIns="0" rIns="0" tIns="0" bIns="0" anchor="t">
-            <a:noAutofit/>
-          </a:bodyPr>
-          <a:lstStyle>
             <a:lvl1pPr algn="ctr">
+              <a:lnSpc>
+                <a:spcPct val="100000"/>
+              </a:lnSpc>
               <a:buNone/>
               <a:defRPr b="0" lang="de-AT" sz="2400" spc="-1" strike="noStrike">
                 <a:solidFill>
@@ -6970,6 +6928,9 @@
           </a:lstStyle>
           <a:p>
             <a:pPr algn="ctr">
+              <a:lnSpc>
+                <a:spcPct val="100000"/>
+              </a:lnSpc>
               <a:buNone/>
             </a:pPr>
             <a:r>
@@ -6981,20 +6942,8 @@
               </a:rPr>
               <a:t>&lt;footer&gt;</a:t>
             </a:r>
-            <a:r>
-              <a:rPr b="0" lang="de-AT" sz="2400" spc="-1" strike="noStrike">
-                <a:solidFill>
-                  <a:srgbClr val="dbf5f9"/>
-                </a:solidFill>
-                <a:latin typeface="Noto Sans"/>
-              </a:rPr>
-              <a:t> </a:t>
-            </a:r>
-            <a:endParaRPr b="0" lang="de-AT" sz="2400" spc="-1" strike="noStrike">
-              <a:solidFill>
-                <a:srgbClr val="dbf5f9"/>
-              </a:solidFill>
-              <a:latin typeface="Noto Sans"/>
+            <a:endParaRPr b="0" lang="en-US" sz="2400" spc="-1" strike="noStrike">
+              <a:latin typeface="Times New Roman"/>
             </a:endParaRPr>
           </a:p>
         </p:txBody>
@@ -7006,13 +6955,13 @@
             <a:spLocks noGrp="1"/>
           </p:cNvSpPr>
           <p:nvPr>
-            <p:ph type="sldNum" idx="3"/>
+            <p:ph type="sldNum" idx="2"/>
           </p:nvPr>
         </p:nvSpPr>
         <p:spPr>
           <a:xfrm>
             <a:off x="7200000" y="5130000"/>
-            <a:ext cx="2340000" cy="450000"/>
+            <a:ext cx="2339640" cy="449640"/>
           </a:xfrm>
           <a:prstGeom prst="rect">
             <a:avLst/>
@@ -7030,6 +6979,9 @@
           </a:bodyPr>
           <a:lstStyle>
             <a:lvl1pPr algn="r">
+              <a:lnSpc>
+                <a:spcPct val="100000"/>
+              </a:lnSpc>
               <a:buNone/>
               <a:defRPr b="0" lang="de-AT" sz="2400" spc="-1" strike="noStrike">
                 <a:solidFill>
@@ -7041,9 +6993,12 @@
           </a:lstStyle>
           <a:p>
             <a:pPr algn="r">
+              <a:lnSpc>
+                <a:spcPct val="100000"/>
+              </a:lnSpc>
               <a:buNone/>
             </a:pPr>
-            <a:fld id="{E25E41F7-2370-42C1-918E-15B626C45235}" type="slidenum">
+            <a:fld id="{A9B65598-1ED1-4E72-8BF5-A37C2E9A3D35}" type="slidenum">
               <a:rPr b="0" lang="de-AT" sz="2400" spc="-1" strike="noStrike">
                 <a:solidFill>
                   <a:srgbClr val="dbf5f9"/>
@@ -7052,291 +7007,240 @@
               </a:rPr>
               <a:t>&lt;number&gt;</a:t>
             </a:fld>
-            <a:r>
-              <a:rPr b="0" lang="de-AT" sz="2400" spc="-1" strike="noStrike">
-                <a:solidFill>
-                  <a:srgbClr val="dbf5f9"/>
-                </a:solidFill>
-                <a:latin typeface="Noto Sans"/>
+            <a:endParaRPr b="0" lang="en-US" sz="2400" spc="-1" strike="noStrike">
+              <a:latin typeface="Times New Roman"/>
+            </a:endParaRPr>
+          </a:p>
+        </p:txBody>
+      </p:sp>
+      <p:sp>
+        <p:nvSpPr>
+          <p:cNvPr id="4" name="PlaceHolder 4"/>
+          <p:cNvSpPr>
+            <a:spLocks noGrp="1"/>
+          </p:cNvSpPr>
+          <p:nvPr>
+            <p:ph type="dt" idx="3"/>
+          </p:nvPr>
+        </p:nvSpPr>
+        <p:spPr>
+          <a:xfrm>
+            <a:off x="450000" y="5130000"/>
+            <a:ext cx="2339640" cy="449640"/>
+          </a:xfrm>
+          <a:prstGeom prst="rect">
+            <a:avLst/>
+          </a:prstGeom>
+          <a:noFill/>
+          <a:ln w="0">
+            <a:solidFill>
+              <a:srgbClr val="808080"/>
+            </a:solidFill>
+          </a:ln>
+        </p:spPr>
+        <p:txBody>
+          <a:bodyPr lIns="0" rIns="0" tIns="0" bIns="0" anchor="t">
+            <a:noAutofit/>
+          </a:bodyPr>
+          <a:lstStyle>
+            <a:lvl1pPr>
+              <a:defRPr b="0" lang="en-US" sz="1400" spc="-1" strike="noStrike">
+                <a:latin typeface="Times New Roman"/>
+              </a:defRPr>
+            </a:lvl1pPr>
+          </a:lstStyle>
+          <a:p>
+            <a:r>
+              <a:rPr b="0" lang="en-US" sz="1400" spc="-1" strike="noStrike">
+                <a:latin typeface="Times New Roman"/>
               </a:rPr>
-              <a:t> </a:t>
-            </a:r>
-            <a:endParaRPr b="0" lang="de-AT" sz="2400" spc="-1" strike="noStrike">
-              <a:solidFill>
-                <a:srgbClr val="dbf5f9"/>
-              </a:solidFill>
-              <a:latin typeface="Noto Sans"/>
-            </a:endParaRPr>
-          </a:p>
-        </p:txBody>
-      </p:sp>
-      <p:sp>
-        <p:nvSpPr>
-          <p:cNvPr id="4" name="PlaceHolder 4"/>
-          <p:cNvSpPr>
-            <a:spLocks noGrp="1"/>
-          </p:cNvSpPr>
-          <p:nvPr>
-            <p:ph type="title"/>
-          </p:nvPr>
-        </p:nvSpPr>
-        <p:spPr>
-          <a:xfrm>
-            <a:off x="450000" y="270000"/>
-            <a:ext cx="9000000" cy="3240000"/>
-          </a:xfrm>
-          <a:prstGeom prst="rect">
-            <a:avLst/>
-          </a:prstGeom>
-          <a:noFill/>
-          <a:ln w="0">
-            <a:noFill/>
-          </a:ln>
-        </p:spPr>
-        <p:txBody>
-          <a:bodyPr lIns="0" rIns="0" tIns="0" bIns="0" anchor="b">
+              <a:t>&lt;date/time&gt;</a:t>
+            </a:r>
+            <a:endParaRPr b="0" lang="en-US" sz="1400" spc="-1" strike="noStrike">
+              <a:latin typeface="Times New Roman"/>
+            </a:endParaRPr>
+          </a:p>
+        </p:txBody>
+      </p:sp>
+      <p:sp>
+        <p:nvSpPr>
+          <p:cNvPr id="5" name="PlaceHolder 5"/>
+          <p:cNvSpPr>
+            <a:spLocks noGrp="1"/>
+          </p:cNvSpPr>
+          <p:nvPr>
+            <p:ph type="body"/>
+          </p:nvPr>
+        </p:nvSpPr>
+        <p:spPr>
+          <a:xfrm>
+            <a:off x="504000" y="1326600"/>
+            <a:ext cx="9072000" cy="3288600"/>
+          </a:xfrm>
+          <a:prstGeom prst="rect">
+            <a:avLst/>
+          </a:prstGeom>
+          <a:noFill/>
+          <a:ln w="0">
+            <a:noFill/>
+          </a:ln>
+        </p:spPr>
+        <p:txBody>
+          <a:bodyPr lIns="0" rIns="0" tIns="0" bIns="0" anchor="t">
             <a:normAutofit/>
           </a:bodyPr>
           <a:p>
-            <a:r>
-              <a:rPr b="0" lang="de-AT" sz="6000" spc="-1" strike="noStrike">
-                <a:solidFill>
-                  <a:srgbClr val="04617b"/>
-                </a:solidFill>
-                <a:latin typeface="Noto Sans"/>
-              </a:rPr>
-              <a:t>Click to edit the title text format</a:t>
-            </a:r>
-            <a:endParaRPr b="0" lang="de-AT" sz="6000" spc="-1" strike="noStrike">
-              <a:solidFill>
-                <a:srgbClr val="04617b"/>
-              </a:solidFill>
-              <a:latin typeface="Noto Sans"/>
-            </a:endParaRPr>
-          </a:p>
-        </p:txBody>
-      </p:sp>
-      <p:sp>
-        <p:nvSpPr>
-          <p:cNvPr id="5" name="PlaceHolder 5"/>
-          <p:cNvSpPr>
-            <a:spLocks noGrp="1"/>
-          </p:cNvSpPr>
-          <p:nvPr>
-            <p:ph type="body"/>
-          </p:nvPr>
-        </p:nvSpPr>
-        <p:spPr>
-          <a:xfrm>
-            <a:off x="450000" y="3870000"/>
-            <a:ext cx="9000000" cy="1170000"/>
-          </a:xfrm>
-          <a:prstGeom prst="rect">
-            <a:avLst/>
-          </a:prstGeom>
-          <a:noFill/>
-          <a:ln w="0">
-            <a:noFill/>
-          </a:ln>
-        </p:spPr>
-        <p:txBody>
-          <a:bodyPr lIns="0" rIns="0" tIns="0" bIns="0" anchor="t">
-            <a:normAutofit fontScale="48000"/>
-          </a:bodyPr>
-          <a:p>
             <a:pPr marL="432000" indent="-324000">
-              <a:spcAft>
-                <a:spcPts val="924"/>
-              </a:spcAft>
+              <a:spcBef>
+                <a:spcPts val="1417"/>
+              </a:spcBef>
               <a:buClr>
-                <a:srgbClr val="f49100"/>
+                <a:srgbClr val="000000"/>
               </a:buClr>
               <a:buSzPct val="45000"/>
               <a:buFont typeface="Wingdings" charset="2"/>
               <a:buChar char=""/>
             </a:pPr>
             <a:r>
-              <a:rPr b="0" lang="de-AT" sz="2100" spc="-1" strike="noStrike">
-                <a:solidFill>
-                  <a:srgbClr val="dbf5f9"/>
-                </a:solidFill>
-                <a:latin typeface="Noto Sans"/>
+              <a:rPr b="0" lang="en-US" sz="3200" spc="-1" strike="noStrike">
+                <a:latin typeface="Arial"/>
               </a:rPr>
               <a:t>Click to edit the outline text format</a:t>
             </a:r>
-            <a:endParaRPr b="0" lang="de-AT" sz="2100" spc="-1" strike="noStrike">
-              <a:solidFill>
-                <a:srgbClr val="dbf5f9"/>
-              </a:solidFill>
-              <a:latin typeface="Noto Sans"/>
+            <a:endParaRPr b="0" lang="en-US" sz="3200" spc="-1" strike="noStrike">
+              <a:latin typeface="Arial"/>
             </a:endParaRPr>
           </a:p>
           <a:p>
             <a:pPr lvl="1" marL="864000" indent="-324000">
-              <a:spcAft>
-                <a:spcPts val="842"/>
-              </a:spcAft>
+              <a:spcBef>
+                <a:spcPts val="1134"/>
+              </a:spcBef>
               <a:buClr>
-                <a:srgbClr val="f49100"/>
+                <a:srgbClr val="000000"/>
               </a:buClr>
               <a:buSzPct val="75000"/>
               <a:buFont typeface="Symbol" charset="2"/>
               <a:buChar char=""/>
             </a:pPr>
             <a:r>
-              <a:rPr b="0" lang="de-AT" sz="1650" spc="-1" strike="noStrike">
-                <a:solidFill>
-                  <a:srgbClr val="dbf5f9"/>
-                </a:solidFill>
-                <a:latin typeface="Noto Sans"/>
+              <a:rPr b="0" lang="en-US" sz="2800" spc="-1" strike="noStrike">
+                <a:latin typeface="Arial"/>
               </a:rPr>
               <a:t>Second Outline Level</a:t>
             </a:r>
-            <a:endParaRPr b="0" lang="de-AT" sz="1650" spc="-1" strike="noStrike">
-              <a:solidFill>
-                <a:srgbClr val="dbf5f9"/>
-              </a:solidFill>
-              <a:latin typeface="Noto Sans"/>
+            <a:endParaRPr b="0" lang="en-US" sz="2800" spc="-1" strike="noStrike">
+              <a:latin typeface="Arial"/>
             </a:endParaRPr>
           </a:p>
           <a:p>
             <a:pPr lvl="2" marL="1296000" indent="-288000">
-              <a:spcAft>
-                <a:spcPts val="635"/>
-              </a:spcAft>
+              <a:spcBef>
+                <a:spcPts val="850"/>
+              </a:spcBef>
               <a:buClr>
-                <a:srgbClr val="f49100"/>
+                <a:srgbClr val="000000"/>
               </a:buClr>
               <a:buSzPct val="45000"/>
               <a:buFont typeface="Wingdings" charset="2"/>
               <a:buChar char=""/>
             </a:pPr>
             <a:r>
-              <a:rPr b="0" lang="de-AT" sz="1800" spc="-1" strike="noStrike">
-                <a:solidFill>
-                  <a:srgbClr val="dbf5f9"/>
-                </a:solidFill>
-                <a:latin typeface="Noto Sans"/>
+              <a:rPr b="0" lang="en-US" sz="2400" spc="-1" strike="noStrike">
+                <a:latin typeface="Arial"/>
               </a:rPr>
               <a:t>Third Outline Level</a:t>
             </a:r>
-            <a:endParaRPr b="0" lang="de-AT" sz="1800" spc="-1" strike="noStrike">
-              <a:solidFill>
-                <a:srgbClr val="dbf5f9"/>
-              </a:solidFill>
-              <a:latin typeface="Noto Sans"/>
+            <a:endParaRPr b="0" lang="en-US" sz="2400" spc="-1" strike="noStrike">
+              <a:latin typeface="Arial"/>
             </a:endParaRPr>
           </a:p>
           <a:p>
             <a:pPr lvl="3" marL="1728000" indent="-216000">
-              <a:spcAft>
-                <a:spcPts val="422"/>
-              </a:spcAft>
+              <a:spcBef>
+                <a:spcPts val="567"/>
+              </a:spcBef>
               <a:buClr>
-                <a:srgbClr val="f49100"/>
+                <a:srgbClr val="000000"/>
               </a:buClr>
               <a:buSzPct val="75000"/>
               <a:buFont typeface="Symbol" charset="2"/>
               <a:buChar char=""/>
             </a:pPr>
             <a:r>
-              <a:rPr b="0" lang="de-AT" sz="1500" spc="-1" strike="noStrike">
-                <a:solidFill>
-                  <a:srgbClr val="dbf5f9"/>
-                </a:solidFill>
-                <a:latin typeface="Noto Sans"/>
+              <a:rPr b="0" lang="en-US" sz="2000" spc="-1" strike="noStrike">
+                <a:latin typeface="Arial"/>
               </a:rPr>
               <a:t>Fourth Outline Level</a:t>
             </a:r>
-            <a:endParaRPr b="0" lang="de-AT" sz="1500" spc="-1" strike="noStrike">
-              <a:solidFill>
-                <a:srgbClr val="dbf5f9"/>
-              </a:solidFill>
-              <a:latin typeface="Noto Sans"/>
+            <a:endParaRPr b="0" lang="en-US" sz="2000" spc="-1" strike="noStrike">
+              <a:latin typeface="Arial"/>
             </a:endParaRPr>
           </a:p>
           <a:p>
             <a:pPr lvl="4" marL="2160000" indent="-216000">
-              <a:spcAft>
-                <a:spcPts val="210"/>
-              </a:spcAft>
+              <a:spcBef>
+                <a:spcPts val="283"/>
+              </a:spcBef>
               <a:buClr>
-                <a:srgbClr val="f49100"/>
+                <a:srgbClr val="000000"/>
               </a:buClr>
               <a:buSzPct val="45000"/>
               <a:buFont typeface="Wingdings" charset="2"/>
               <a:buChar char=""/>
             </a:pPr>
             <a:r>
-              <a:rPr b="0" lang="de-AT" sz="1500" spc="-1" strike="noStrike">
-                <a:solidFill>
-                  <a:srgbClr val="dbf5f9"/>
-                </a:solidFill>
-                <a:latin typeface="Noto Sans"/>
+              <a:rPr b="0" lang="en-US" sz="2000" spc="-1" strike="noStrike">
+                <a:latin typeface="Arial"/>
               </a:rPr>
               <a:t>Fifth Outline Level</a:t>
             </a:r>
-            <a:endParaRPr b="0" lang="de-AT" sz="1500" spc="-1" strike="noStrike">
-              <a:solidFill>
-                <a:srgbClr val="dbf5f9"/>
-              </a:solidFill>
-              <a:latin typeface="Noto Sans"/>
+            <a:endParaRPr b="0" lang="en-US" sz="2000" spc="-1" strike="noStrike">
+              <a:latin typeface="Arial"/>
             </a:endParaRPr>
           </a:p>
           <a:p>
             <a:pPr lvl="5" marL="2592000" indent="-216000">
-              <a:spcAft>
-                <a:spcPts val="210"/>
-              </a:spcAft>
+              <a:spcBef>
+                <a:spcPts val="283"/>
+              </a:spcBef>
               <a:buClr>
-                <a:srgbClr val="f49100"/>
+                <a:srgbClr val="000000"/>
               </a:buClr>
               <a:buSzPct val="45000"/>
               <a:buFont typeface="Wingdings" charset="2"/>
               <a:buChar char=""/>
             </a:pPr>
             <a:r>
-              <a:rPr b="0" lang="de-AT" sz="1500" spc="-1" strike="noStrike">
-                <a:solidFill>
-                  <a:srgbClr val="dbf5f9"/>
-                </a:solidFill>
-                <a:latin typeface="Noto Sans"/>
+              <a:rPr b="0" lang="en-US" sz="2000" spc="-1" strike="noStrike">
+                <a:latin typeface="Arial"/>
               </a:rPr>
               <a:t>Sixth Outline Level</a:t>
             </a:r>
-            <a:endParaRPr b="0" lang="de-AT" sz="1500" spc="-1" strike="noStrike">
-              <a:solidFill>
-                <a:srgbClr val="dbf5f9"/>
-              </a:solidFill>
-              <a:latin typeface="Noto Sans"/>
+            <a:endParaRPr b="0" lang="en-US" sz="2000" spc="-1" strike="noStrike">
+              <a:latin typeface="Arial"/>
             </a:endParaRPr>
           </a:p>
           <a:p>
             <a:pPr lvl="6" marL="3024000" indent="-216000">
-              <a:spcAft>
-                <a:spcPts val="210"/>
-              </a:spcAft>
+              <a:spcBef>
+                <a:spcPts val="283"/>
+              </a:spcBef>
               <a:buClr>
-                <a:srgbClr val="f49100"/>
+                <a:srgbClr val="000000"/>
               </a:buClr>
               <a:buSzPct val="45000"/>
               <a:buFont typeface="Wingdings" charset="2"/>
               <a:buChar char=""/>
             </a:pPr>
             <a:r>
-              <a:rPr b="0" lang="de-AT" sz="1500" spc="-1" strike="noStrike">
-                <a:solidFill>
-                  <a:srgbClr val="dbf5f9"/>
-                </a:solidFill>
-                <a:latin typeface="Noto Sans"/>
+              <a:rPr b="0" lang="en-US" sz="2000" spc="-1" strike="noStrike">
+                <a:latin typeface="Arial"/>
               </a:rPr>
               <a:t>Seventh Outline Level</a:t>
             </a:r>
-            <a:endParaRPr b="0" lang="de-AT" sz="1500" spc="-1" strike="noStrike">
-              <a:solidFill>
-                <a:srgbClr val="dbf5f9"/>
-              </a:solidFill>
-              <a:latin typeface="Noto Sans"/>
+            <a:endParaRPr b="0" lang="en-US" sz="2000" spc="-1" strike="noStrike">
+              <a:latin typeface="Arial"/>
             </a:endParaRPr>
           </a:p>
         </p:txBody>
@@ -7394,8 +7298,8 @@
         </p:nvSpPr>
         <p:spPr>
           <a:xfrm flipV="1">
-            <a:off x="0" y="0"/>
-            <a:ext cx="10080000" cy="1080000"/>
+            <a:off x="0" y="-720"/>
+            <a:ext cx="10079640" cy="1079640"/>
           </a:xfrm>
           <a:prstGeom prst="rect">
             <a:avLst/>
@@ -7412,7 +7316,7 @@
             <a:noFill/>
           </a:ln>
           <a:effectLst>
-            <a:outerShdw dist="10800" dir="5400000" blurRad="0" rotWithShape="0">
+            <a:outerShdw blurRad="0" dir="5400000" dist="10800" rotWithShape="0">
               <a:srgbClr val="f49100"/>
             </a:outerShdw>
           </a:effectLst>
@@ -7436,36 +7340,30 @@
         </p:nvSpPr>
         <p:spPr>
           <a:xfrm>
-            <a:off x="540000" y="90000"/>
-            <a:ext cx="9000000" cy="990000"/>
-          </a:xfrm>
-          <a:prstGeom prst="rect">
-            <a:avLst/>
-          </a:prstGeom>
-          <a:noFill/>
-          <a:ln w="0">
-            <a:noFill/>
-          </a:ln>
-        </p:spPr>
-        <p:txBody>
-          <a:bodyPr lIns="0" rIns="0" tIns="0" bIns="0" anchor="b">
+            <a:off x="540000" y="270000"/>
+            <a:ext cx="8999640" cy="989640"/>
+          </a:xfrm>
+          <a:prstGeom prst="rect">
+            <a:avLst/>
+          </a:prstGeom>
+          <a:noFill/>
+          <a:ln w="0">
+            <a:noFill/>
+          </a:ln>
+        </p:spPr>
+        <p:txBody>
+          <a:bodyPr lIns="0" rIns="0" tIns="0" bIns="0" anchor="ctr">
             <a:normAutofit/>
           </a:bodyPr>
           <a:p>
             <a:r>
-              <a:rPr b="0" lang="de-AT" sz="4500" spc="-1" strike="noStrike">
-                <a:solidFill>
-                  <a:srgbClr val="ffffff"/>
-                </a:solidFill>
-                <a:latin typeface="Noto Sans"/>
+              <a:rPr b="0" lang="en-US" sz="1800" spc="-1" strike="noStrike">
+                <a:latin typeface="Arial"/>
               </a:rPr>
               <a:t>Click to edit the title text format</a:t>
             </a:r>
-            <a:endParaRPr b="0" lang="de-AT" sz="4500" spc="-1" strike="noStrike">
-              <a:solidFill>
-                <a:srgbClr val="ffffff"/>
-              </a:solidFill>
-              <a:latin typeface="Noto Sans"/>
+            <a:endParaRPr b="0" lang="en-US" sz="1800" spc="-1" strike="noStrike">
+              <a:latin typeface="Arial"/>
             </a:endParaRPr>
           </a:p>
         </p:txBody>
@@ -7483,7 +7381,7 @@
         <p:spPr>
           <a:xfrm>
             <a:off x="540000" y="1440000"/>
-            <a:ext cx="9000000" cy="3510000"/>
+            <a:ext cx="8999640" cy="4049640"/>
           </a:xfrm>
           <a:prstGeom prst="rect">
             <a:avLst/>
@@ -7499,156 +7397,156 @@
           </a:bodyPr>
           <a:p>
             <a:pPr marL="432000" indent="-324000">
-              <a:spcAft>
-                <a:spcPts val="1054"/>
-              </a:spcAft>
+              <a:spcBef>
+                <a:spcPts val="1417"/>
+              </a:spcBef>
               <a:buClr>
-                <a:srgbClr val="009eda"/>
+                <a:srgbClr val="000000"/>
               </a:buClr>
               <a:buSzPct val="45000"/>
               <a:buFont typeface="Wingdings" charset="2"/>
               <a:buChar char=""/>
             </a:pPr>
             <a:r>
-              <a:rPr b="0" lang="de-AT" sz="2400" spc="-1" strike="noStrike">
-                <a:latin typeface="Noto Sans"/>
+              <a:rPr b="0" lang="en-US" sz="1800" spc="-1" strike="noStrike">
+                <a:latin typeface="Arial"/>
               </a:rPr>
               <a:t>Click to edit the outline text format</a:t>
             </a:r>
-            <a:endParaRPr b="0" lang="de-AT" sz="2400" spc="-1" strike="noStrike">
-              <a:latin typeface="Noto Sans"/>
+            <a:endParaRPr b="0" lang="en-US" sz="1800" spc="-1" strike="noStrike">
+              <a:latin typeface="Arial"/>
             </a:endParaRPr>
           </a:p>
           <a:p>
             <a:pPr lvl="1" marL="864000" indent="-324000">
-              <a:spcAft>
-                <a:spcPts val="842"/>
-              </a:spcAft>
+              <a:spcBef>
+                <a:spcPts val="1134"/>
+              </a:spcBef>
               <a:buClr>
-                <a:srgbClr val="009eda"/>
+                <a:srgbClr val="000000"/>
+              </a:buClr>
+              <a:buSzPct val="75000"/>
+              <a:buFont typeface="Symbol" charset="2"/>
+              <a:buChar char=""/>
+            </a:pPr>
+            <a:r>
+              <a:rPr b="0" lang="en-US" sz="1800" spc="-1" strike="noStrike">
+                <a:latin typeface="Arial"/>
+              </a:rPr>
+              <a:t>Second Outline Level</a:t>
+            </a:r>
+            <a:endParaRPr b="0" lang="en-US" sz="1800" spc="-1" strike="noStrike">
+              <a:latin typeface="Arial"/>
+            </a:endParaRPr>
+          </a:p>
+          <a:p>
+            <a:pPr lvl="2" marL="1296000" indent="-288000">
+              <a:spcBef>
+                <a:spcPts val="850"/>
+              </a:spcBef>
+              <a:buClr>
+                <a:srgbClr val="000000"/>
               </a:buClr>
               <a:buSzPct val="45000"/>
               <a:buFont typeface="Wingdings" charset="2"/>
               <a:buChar char=""/>
             </a:pPr>
             <a:r>
-              <a:rPr b="0" lang="de-AT" sz="2100" spc="-1" strike="noStrike">
-                <a:latin typeface="Noto Sans"/>
+              <a:rPr b="0" lang="en-US" sz="1800" spc="-1" strike="noStrike">
+                <a:latin typeface="Arial"/>
               </a:rPr>
-              <a:t>Second Outline Level</a:t>
-            </a:r>
-            <a:endParaRPr b="0" lang="de-AT" sz="2100" spc="-1" strike="noStrike">
-              <a:latin typeface="Noto Sans"/>
-            </a:endParaRPr>
-          </a:p>
-          <a:p>
-            <a:pPr lvl="2" marL="1296000" indent="-288000">
-              <a:spcAft>
-                <a:spcPts val="635"/>
-              </a:spcAft>
+              <a:t>Third Outline Level</a:t>
+            </a:r>
+            <a:endParaRPr b="0" lang="en-US" sz="1800" spc="-1" strike="noStrike">
+              <a:latin typeface="Arial"/>
+            </a:endParaRPr>
+          </a:p>
+          <a:p>
+            <a:pPr lvl="3" marL="1728000" indent="-216000">
+              <a:spcBef>
+                <a:spcPts val="567"/>
+              </a:spcBef>
               <a:buClr>
-                <a:srgbClr val="009eda"/>
+                <a:srgbClr val="000000"/>
+              </a:buClr>
+              <a:buSzPct val="75000"/>
+              <a:buFont typeface="Symbol" charset="2"/>
+              <a:buChar char=""/>
+            </a:pPr>
+            <a:r>
+              <a:rPr b="0" lang="en-US" sz="1800" spc="-1" strike="noStrike">
+                <a:latin typeface="Arial"/>
+              </a:rPr>
+              <a:t>Fourth Outline Level</a:t>
+            </a:r>
+            <a:endParaRPr b="0" lang="en-US" sz="1800" spc="-1" strike="noStrike">
+              <a:latin typeface="Arial"/>
+            </a:endParaRPr>
+          </a:p>
+          <a:p>
+            <a:pPr lvl="4" marL="2160000" indent="-216000">
+              <a:spcBef>
+                <a:spcPts val="283"/>
+              </a:spcBef>
+              <a:buClr>
+                <a:srgbClr val="000000"/>
               </a:buClr>
               <a:buSzPct val="45000"/>
               <a:buFont typeface="Wingdings" charset="2"/>
               <a:buChar char=""/>
             </a:pPr>
             <a:r>
-              <a:rPr b="0" lang="de-AT" sz="1800" spc="-1" strike="noStrike">
-                <a:latin typeface="Noto Sans"/>
+              <a:rPr b="0" lang="en-US" sz="1800" spc="-1" strike="noStrike">
+                <a:latin typeface="Arial"/>
               </a:rPr>
-              <a:t>Third Outline Level</a:t>
-            </a:r>
-            <a:endParaRPr b="0" lang="de-AT" sz="1800" spc="-1" strike="noStrike">
-              <a:latin typeface="Noto Sans"/>
-            </a:endParaRPr>
-          </a:p>
-          <a:p>
-            <a:pPr lvl="3" marL="1728000" indent="-216000">
-              <a:spcAft>
-                <a:spcPts val="422"/>
-              </a:spcAft>
+              <a:t>Fifth Outline Level</a:t>
+            </a:r>
+            <a:endParaRPr b="0" lang="en-US" sz="1800" spc="-1" strike="noStrike">
+              <a:latin typeface="Arial"/>
+            </a:endParaRPr>
+          </a:p>
+          <a:p>
+            <a:pPr lvl="5" marL="2592000" indent="-216000">
+              <a:spcBef>
+                <a:spcPts val="283"/>
+              </a:spcBef>
               <a:buClr>
-                <a:srgbClr val="009eda"/>
+                <a:srgbClr val="000000"/>
               </a:buClr>
               <a:buSzPct val="45000"/>
               <a:buFont typeface="Wingdings" charset="2"/>
               <a:buChar char=""/>
             </a:pPr>
             <a:r>
-              <a:rPr b="0" lang="de-AT" sz="1800" spc="-1" strike="noStrike">
-                <a:latin typeface="Noto Sans"/>
+              <a:rPr b="0" lang="en-US" sz="1800" spc="-1" strike="noStrike">
+                <a:latin typeface="Arial"/>
               </a:rPr>
-              <a:t>Fourth Outline Level</a:t>
-            </a:r>
-            <a:endParaRPr b="0" lang="de-AT" sz="1800" spc="-1" strike="noStrike">
-              <a:latin typeface="Noto Sans"/>
-            </a:endParaRPr>
-          </a:p>
-          <a:p>
-            <a:pPr lvl="4" marL="2160000" indent="-216000">
-              <a:spcAft>
-                <a:spcPts val="210"/>
-              </a:spcAft>
+              <a:t>Sixth Outline Level</a:t>
+            </a:r>
+            <a:endParaRPr b="0" lang="en-US" sz="1800" spc="-1" strike="noStrike">
+              <a:latin typeface="Arial"/>
+            </a:endParaRPr>
+          </a:p>
+          <a:p>
+            <a:pPr lvl="6" marL="3024000" indent="-216000">
+              <a:spcBef>
+                <a:spcPts val="283"/>
+              </a:spcBef>
               <a:buClr>
-                <a:srgbClr val="009eda"/>
+                <a:srgbClr val="000000"/>
               </a:buClr>
               <a:buSzPct val="45000"/>
               <a:buFont typeface="Wingdings" charset="2"/>
               <a:buChar char=""/>
             </a:pPr>
             <a:r>
-              <a:rPr b="0" lang="de-AT" sz="1800" spc="-1" strike="noStrike">
-                <a:latin typeface="Noto Sans"/>
-              </a:rPr>
-              <a:t>Fifth Outline Level</a:t>
-            </a:r>
-            <a:endParaRPr b="0" lang="de-AT" sz="1800" spc="-1" strike="noStrike">
-              <a:latin typeface="Noto Sans"/>
-            </a:endParaRPr>
-          </a:p>
-          <a:p>
-            <a:pPr lvl="5" marL="2592000" indent="-216000">
-              <a:spcAft>
-                <a:spcPts val="210"/>
-              </a:spcAft>
-              <a:buClr>
-                <a:srgbClr val="009eda"/>
-              </a:buClr>
-              <a:buSzPct val="45000"/>
-              <a:buFont typeface="Wingdings" charset="2"/>
-              <a:buChar char=""/>
-            </a:pPr>
-            <a:r>
-              <a:rPr b="0" lang="de-AT" sz="1800" spc="-1" strike="noStrike">
-                <a:latin typeface="Noto Sans"/>
-              </a:rPr>
-              <a:t>Sixth Outline Level</a:t>
-            </a:r>
-            <a:endParaRPr b="0" lang="de-AT" sz="1800" spc="-1" strike="noStrike">
-              <a:latin typeface="Noto Sans"/>
-            </a:endParaRPr>
-          </a:p>
-          <a:p>
-            <a:pPr lvl="6" marL="3024000" indent="-216000">
-              <a:spcAft>
-                <a:spcPts val="210"/>
-              </a:spcAft>
-              <a:buClr>
-                <a:srgbClr val="009eda"/>
-              </a:buClr>
-              <a:buSzPct val="45000"/>
-              <a:buFont typeface="Wingdings" charset="2"/>
-              <a:buChar char=""/>
-            </a:pPr>
-            <a:r>
-              <a:rPr b="0" lang="de-AT" sz="1800" spc="-1" strike="noStrike">
-                <a:latin typeface="Noto Sans"/>
+              <a:rPr b="0" lang="en-US" sz="1800" spc="-1" strike="noStrike">
+                <a:latin typeface="Arial"/>
               </a:rPr>
               <a:t>Seventh Outline Level</a:t>
             </a:r>
-            <a:endParaRPr b="0" lang="de-AT" sz="1800" spc="-1" strike="noStrike">
-              <a:latin typeface="Noto Sans"/>
+            <a:endParaRPr b="0" lang="en-US" sz="1800" spc="-1" strike="noStrike">
+              <a:latin typeface="Arial"/>
             </a:endParaRPr>
           </a:p>
         </p:txBody>
@@ -7660,13 +7558,13 @@
             <a:spLocks noGrp="1"/>
           </p:cNvSpPr>
           <p:nvPr>
-            <p:ph type="dt" idx="4"/>
-          </p:nvPr>
-        </p:nvSpPr>
-        <p:spPr>
-          <a:xfrm>
-            <a:off x="540000" y="5130000"/>
-            <a:ext cx="2340000" cy="450000"/>
+            <p:ph type="ftr" idx="4"/>
+          </p:nvPr>
+        </p:nvSpPr>
+        <p:spPr>
+          <a:xfrm>
+            <a:off x="3420000" y="5130000"/>
+            <a:ext cx="3239640" cy="449640"/>
           </a:xfrm>
           <a:prstGeom prst="rect">
             <a:avLst/>
@@ -7681,72 +7579,10 @@
             <a:noAutofit/>
           </a:bodyPr>
           <a:lstStyle>
-            <a:lvl1pPr>
-              <a:defRPr b="0" lang="de-AT" sz="2400" spc="-1" strike="noStrike">
-                <a:solidFill>
-                  <a:srgbClr val="484848"/>
-                </a:solidFill>
-                <a:latin typeface="Noto Sans"/>
-              </a:defRPr>
-            </a:lvl1pPr>
-          </a:lstStyle>
-          <a:p>
-            <a:r>
-              <a:rPr b="0" lang="de-AT" sz="2400" spc="-1" strike="noStrike">
-                <a:solidFill>
-                  <a:srgbClr val="484848"/>
-                </a:solidFill>
-                <a:latin typeface="Noto Sans"/>
-              </a:rPr>
-              <a:t>&lt;date/time&gt;</a:t>
-            </a:r>
-            <a:r>
-              <a:rPr b="0" lang="de-AT" sz="2400" spc="-1" strike="noStrike">
-                <a:solidFill>
-                  <a:srgbClr val="484848"/>
-                </a:solidFill>
-                <a:latin typeface="Noto Sans"/>
-              </a:rPr>
-              <a:t> </a:t>
-            </a:r>
-            <a:endParaRPr b="0" lang="de-AT" sz="2400" spc="-1" strike="noStrike">
-              <a:solidFill>
-                <a:srgbClr val="484848"/>
-              </a:solidFill>
-              <a:latin typeface="Noto Sans"/>
-            </a:endParaRPr>
-          </a:p>
-        </p:txBody>
-      </p:sp>
-      <p:sp>
-        <p:nvSpPr>
-          <p:cNvPr id="46" name="PlaceHolder 4"/>
-          <p:cNvSpPr>
-            <a:spLocks noGrp="1"/>
-          </p:cNvSpPr>
-          <p:nvPr>
-            <p:ph type="ftr" idx="5"/>
-          </p:nvPr>
-        </p:nvSpPr>
-        <p:spPr>
-          <a:xfrm>
-            <a:off x="3420000" y="5130000"/>
-            <a:ext cx="3240000" cy="450000"/>
-          </a:xfrm>
-          <a:prstGeom prst="rect">
-            <a:avLst/>
-          </a:prstGeom>
-          <a:noFill/>
-          <a:ln w="0">
-            <a:noFill/>
-          </a:ln>
-        </p:spPr>
-        <p:txBody>
-          <a:bodyPr lIns="0" rIns="0" tIns="0" bIns="0" anchor="t">
-            <a:noAutofit/>
-          </a:bodyPr>
-          <a:lstStyle>
             <a:lvl1pPr algn="ctr">
+              <a:lnSpc>
+                <a:spcPct val="100000"/>
+              </a:lnSpc>
               <a:buNone/>
               <a:defRPr b="0" lang="de-AT" sz="2400" spc="-1" strike="noStrike">
                 <a:solidFill>
@@ -7758,6 +7594,9 @@
           </a:lstStyle>
           <a:p>
             <a:pPr algn="ctr">
+              <a:lnSpc>
+                <a:spcPct val="100000"/>
+              </a:lnSpc>
               <a:buNone/>
             </a:pPr>
             <a:r>
@@ -7769,38 +7608,26 @@
               </a:rPr>
               <a:t>&lt;footer&gt;</a:t>
             </a:r>
-            <a:r>
-              <a:rPr b="0" lang="de-AT" sz="2400" spc="-1" strike="noStrike">
-                <a:solidFill>
-                  <a:srgbClr val="484848"/>
-                </a:solidFill>
-                <a:latin typeface="Noto Sans"/>
-              </a:rPr>
-              <a:t> </a:t>
-            </a:r>
-            <a:endParaRPr b="0" lang="de-AT" sz="2400" spc="-1" strike="noStrike">
-              <a:solidFill>
-                <a:srgbClr val="484848"/>
-              </a:solidFill>
-              <a:latin typeface="Noto Sans"/>
-            </a:endParaRPr>
-          </a:p>
-        </p:txBody>
-      </p:sp>
-      <p:sp>
-        <p:nvSpPr>
-          <p:cNvPr id="47" name="PlaceHolder 5"/>
-          <p:cNvSpPr>
-            <a:spLocks noGrp="1"/>
-          </p:cNvSpPr>
-          <p:nvPr>
-            <p:ph type="sldNum" idx="6"/>
+            <a:endParaRPr b="0" lang="en-US" sz="2400" spc="-1" strike="noStrike">
+              <a:latin typeface="Times New Roman"/>
+            </a:endParaRPr>
+          </a:p>
+        </p:txBody>
+      </p:sp>
+      <p:sp>
+        <p:nvSpPr>
+          <p:cNvPr id="46" name="PlaceHolder 4"/>
+          <p:cNvSpPr>
+            <a:spLocks noGrp="1"/>
+          </p:cNvSpPr>
+          <p:nvPr>
+            <p:ph type="sldNum" idx="5"/>
           </p:nvPr>
         </p:nvSpPr>
         <p:spPr>
           <a:xfrm>
             <a:off x="7200000" y="5130000"/>
-            <a:ext cx="2340000" cy="450000"/>
+            <a:ext cx="2339640" cy="449640"/>
           </a:xfrm>
           <a:prstGeom prst="rect">
             <a:avLst/>
@@ -7816,6 +7643,9 @@
           </a:bodyPr>
           <a:lstStyle>
             <a:lvl1pPr algn="r">
+              <a:lnSpc>
+                <a:spcPct val="100000"/>
+              </a:lnSpc>
               <a:buNone/>
               <a:defRPr b="0" lang="de-AT" sz="2400" spc="-1" strike="noStrike">
                 <a:solidFill>
@@ -7827,9 +7657,12 @@
           </a:lstStyle>
           <a:p>
             <a:pPr algn="r">
+              <a:lnSpc>
+                <a:spcPct val="100000"/>
+              </a:lnSpc>
               <a:buNone/>
             </a:pPr>
-            <a:fld id="{59FAD500-C73A-445B-855C-17E106B6C688}" type="slidenum">
+            <a:fld id="{958EC029-A8EF-4063-B5DA-1E5CAD60F1BC}" type="slidenum">
               <a:rPr b="0" lang="de-AT" sz="2400" spc="-1" strike="noStrike">
                 <a:solidFill>
                   <a:srgbClr val="484848"/>
@@ -7838,20 +7671,55 @@
               </a:rPr>
               <a:t>&lt;number&gt;</a:t>
             </a:fld>
-            <a:r>
-              <a:rPr b="0" lang="de-AT" sz="2400" spc="-1" strike="noStrike">
-                <a:solidFill>
-                  <a:srgbClr val="484848"/>
-                </a:solidFill>
-                <a:latin typeface="Noto Sans"/>
+            <a:endParaRPr b="0" lang="en-US" sz="2400" spc="-1" strike="noStrike">
+              <a:latin typeface="Times New Roman"/>
+            </a:endParaRPr>
+          </a:p>
+        </p:txBody>
+      </p:sp>
+      <p:sp>
+        <p:nvSpPr>
+          <p:cNvPr id="47" name="PlaceHolder 5"/>
+          <p:cNvSpPr>
+            <a:spLocks noGrp="1"/>
+          </p:cNvSpPr>
+          <p:nvPr>
+            <p:ph type="dt" idx="6"/>
+          </p:nvPr>
+        </p:nvSpPr>
+        <p:spPr>
+          <a:xfrm>
+            <a:off x="540000" y="5130000"/>
+            <a:ext cx="2339640" cy="449640"/>
+          </a:xfrm>
+          <a:prstGeom prst="rect">
+            <a:avLst/>
+          </a:prstGeom>
+          <a:noFill/>
+          <a:ln w="0">
+            <a:noFill/>
+          </a:ln>
+        </p:spPr>
+        <p:txBody>
+          <a:bodyPr lIns="0" rIns="0" tIns="0" bIns="0" anchor="t">
+            <a:noAutofit/>
+          </a:bodyPr>
+          <a:lstStyle>
+            <a:lvl1pPr>
+              <a:defRPr b="0" lang="en-US" sz="1400" spc="-1" strike="noStrike">
+                <a:latin typeface="Times New Roman"/>
+              </a:defRPr>
+            </a:lvl1pPr>
+          </a:lstStyle>
+          <a:p>
+            <a:r>
+              <a:rPr b="0" lang="en-US" sz="1400" spc="-1" strike="noStrike">
+                <a:latin typeface="Times New Roman"/>
               </a:rPr>
-              <a:t> </a:t>
-            </a:r>
-            <a:endParaRPr b="0" lang="de-AT" sz="2400" spc="-1" strike="noStrike">
-              <a:solidFill>
-                <a:srgbClr val="484848"/>
-              </a:solidFill>
-              <a:latin typeface="Noto Sans"/>
+              <a:t>&lt;date/time&gt;</a:t>
+            </a:r>
+            <a:endParaRPr b="0" lang="en-US" sz="1400" spc="-1" strike="noStrike">
+              <a:latin typeface="Times New Roman"/>
             </a:endParaRPr>
           </a:p>
         </p:txBody>
@@ -7901,8 +7769,8 @@
         </p:nvSpPr>
         <p:spPr>
           <a:xfrm flipV="1">
-            <a:off x="0" y="0"/>
-            <a:ext cx="10080000" cy="180000"/>
+            <a:off x="0" y="-720"/>
+            <a:ext cx="10079640" cy="179640"/>
           </a:xfrm>
           <a:prstGeom prst="rect">
             <a:avLst/>
@@ -7919,7 +7787,7 @@
             <a:noFill/>
           </a:ln>
           <a:effectLst>
-            <a:outerShdw dist="10800" dir="5400000" blurRad="0" rotWithShape="0">
+            <a:outerShdw blurRad="0" dir="5400000" dist="10800" rotWithShape="0">
               <a:srgbClr val="f49100"/>
             </a:outerShdw>
           </a:effectLst>
@@ -7933,7 +7801,45 @@
       </p:sp>
       <p:sp>
         <p:nvSpPr>
-          <p:cNvPr id="85" name="PlaceHolder 1"/>
+          <p:cNvPr id="85" name=""/>
+          <p:cNvSpPr/>
+          <p:nvPr/>
+        </p:nvSpPr>
+        <p:spPr>
+          <a:xfrm>
+            <a:off x="0" y="5580000"/>
+            <a:ext cx="10079640" cy="89640"/>
+          </a:xfrm>
+          <a:prstGeom prst="rect">
+            <a:avLst/>
+          </a:prstGeom>
+          <a:pattFill prst="lgGrid">
+            <a:fgClr>
+              <a:srgbClr val="3465a4"/>
+            </a:fgClr>
+            <a:bgClr>
+              <a:srgbClr val="009eda"/>
+            </a:bgClr>
+          </a:pattFill>
+          <a:ln w="18000">
+            <a:noFill/>
+          </a:ln>
+          <a:effectLst>
+            <a:outerShdw blurRad="0" dir="16200000" dist="10800" rotWithShape="0">
+              <a:srgbClr val="f49100"/>
+            </a:outerShdw>
+          </a:effectLst>
+        </p:spPr>
+        <p:style>
+          <a:lnRef idx="0"/>
+          <a:fillRef idx="0"/>
+          <a:effectRef idx="0"/>
+          <a:fontRef idx="minor"/>
+        </p:style>
+      </p:sp>
+      <p:sp>
+        <p:nvSpPr>
+          <p:cNvPr id="86" name="PlaceHolder 1"/>
           <p:cNvSpPr>
             <a:spLocks noGrp="1"/>
           </p:cNvSpPr>
@@ -7944,7 +7850,7 @@
         <p:spPr>
           <a:xfrm>
             <a:off x="540000" y="270000"/>
-            <a:ext cx="9000000" cy="990000"/>
+            <a:ext cx="8999640" cy="989640"/>
           </a:xfrm>
           <a:prstGeom prst="rect">
             <a:avLst/>
@@ -7960,220 +7866,31 @@
           </a:bodyPr>
           <a:p>
             <a:r>
-              <a:rPr b="0" lang="de-AT" sz="4500" spc="-1" strike="noStrike">
-                <a:solidFill>
-                  <a:srgbClr val="04617b"/>
-                </a:solidFill>
-                <a:latin typeface="Noto Sans"/>
+              <a:rPr b="0" lang="en-US" sz="1800" spc="-1" strike="noStrike">
+                <a:latin typeface="Arial"/>
               </a:rPr>
               <a:t>Click to edit the title text format</a:t>
             </a:r>
-            <a:endParaRPr b="0" lang="de-AT" sz="4500" spc="-1" strike="noStrike">
-              <a:solidFill>
-                <a:srgbClr val="04617b"/>
-              </a:solidFill>
-              <a:latin typeface="Noto Sans"/>
-            </a:endParaRPr>
-          </a:p>
-        </p:txBody>
-      </p:sp>
-      <p:sp>
-        <p:nvSpPr>
-          <p:cNvPr id="86" name="PlaceHolder 2"/>
-          <p:cNvSpPr>
-            <a:spLocks noGrp="1"/>
-          </p:cNvSpPr>
-          <p:nvPr>
-            <p:ph type="body"/>
-          </p:nvPr>
-        </p:nvSpPr>
-        <p:spPr>
-          <a:xfrm>
-            <a:off x="540000" y="1440000"/>
-            <a:ext cx="9000000" cy="4050000"/>
-          </a:xfrm>
-          <a:prstGeom prst="rect">
-            <a:avLst/>
-          </a:prstGeom>
-          <a:noFill/>
-          <a:ln w="0">
-            <a:noFill/>
-          </a:ln>
-        </p:spPr>
-        <p:txBody>
-          <a:bodyPr lIns="0" rIns="0" tIns="0" bIns="0" anchor="t">
-            <a:normAutofit/>
-          </a:bodyPr>
-          <a:p>
-            <a:pPr marL="432000" indent="-324000">
-              <a:spcAft>
-                <a:spcPts val="1057"/>
-              </a:spcAft>
-              <a:buClr>
-                <a:srgbClr val="04617b"/>
-              </a:buClr>
-              <a:buSzPct val="45000"/>
-              <a:buFont typeface="Wingdings" charset="2"/>
-              <a:buChar char=""/>
-            </a:pPr>
-            <a:r>
-              <a:rPr b="0" lang="de-AT" sz="2400" spc="-1" strike="noStrike">
-                <a:latin typeface="Noto Sans"/>
-              </a:rPr>
-              <a:t>Click to edit the outline text format</a:t>
-            </a:r>
-            <a:endParaRPr b="0" lang="de-AT" sz="2400" spc="-1" strike="noStrike">
-              <a:latin typeface="Noto Sans"/>
-            </a:endParaRPr>
-          </a:p>
-          <a:p>
-            <a:pPr lvl="1" marL="864000" indent="-324000">
-              <a:spcAft>
-                <a:spcPts val="842"/>
-              </a:spcAft>
-              <a:buClr>
-                <a:srgbClr val="04617b"/>
-              </a:buClr>
-              <a:buSzPct val="75000"/>
-              <a:buFont typeface="Symbol" charset="2"/>
-              <a:buChar char=""/>
-            </a:pPr>
-            <a:r>
-              <a:rPr b="0" lang="de-AT" sz="2100" spc="-1" strike="noStrike">
-                <a:latin typeface="Noto Sans"/>
-              </a:rPr>
-              <a:t>Second Outline Level</a:t>
-            </a:r>
-            <a:endParaRPr b="0" lang="de-AT" sz="2100" spc="-1" strike="noStrike">
-              <a:latin typeface="Noto Sans"/>
-            </a:endParaRPr>
-          </a:p>
-          <a:p>
-            <a:pPr lvl="2" marL="1296000" indent="-288000">
-              <a:spcAft>
-                <a:spcPts val="635"/>
-              </a:spcAft>
-              <a:buClr>
-                <a:srgbClr val="04617b"/>
-              </a:buClr>
-              <a:buSzPct val="45000"/>
-              <a:buFont typeface="Wingdings" charset="2"/>
-              <a:buChar char=""/>
-            </a:pPr>
-            <a:r>
-              <a:rPr b="0" lang="de-AT" sz="1800" spc="-1" strike="noStrike">
-                <a:latin typeface="Noto Sans"/>
-              </a:rPr>
-              <a:t>Third Outline Level</a:t>
-            </a:r>
-            <a:endParaRPr b="0" lang="de-AT" sz="1800" spc="-1" strike="noStrike">
-              <a:latin typeface="Noto Sans"/>
-            </a:endParaRPr>
-          </a:p>
-          <a:p>
-            <a:pPr lvl="3" marL="1728000" indent="-216000">
-              <a:spcAft>
-                <a:spcPts val="422"/>
-              </a:spcAft>
-              <a:buClr>
-                <a:srgbClr val="04617b"/>
-              </a:buClr>
-              <a:buSzPct val="75000"/>
-              <a:buFont typeface="Symbol" charset="2"/>
-              <a:buChar char=""/>
-            </a:pPr>
-            <a:r>
-              <a:rPr b="0" lang="de-AT" sz="1800" spc="-1" strike="noStrike">
-                <a:latin typeface="Noto Sans"/>
-              </a:rPr>
-              <a:t>Fourth Outline Level</a:t>
-            </a:r>
-            <a:endParaRPr b="0" lang="de-AT" sz="1800" spc="-1" strike="noStrike">
-              <a:latin typeface="Noto Sans"/>
-            </a:endParaRPr>
-          </a:p>
-          <a:p>
-            <a:pPr lvl="4" marL="2160000" indent="-216000">
-              <a:spcAft>
-                <a:spcPts val="210"/>
-              </a:spcAft>
-              <a:buClr>
-                <a:srgbClr val="04617b"/>
-              </a:buClr>
-              <a:buSzPct val="45000"/>
-              <a:buFont typeface="Wingdings" charset="2"/>
-              <a:buChar char=""/>
-            </a:pPr>
-            <a:r>
-              <a:rPr b="0" lang="de-AT" sz="1800" spc="-1" strike="noStrike">
-                <a:latin typeface="Noto Sans"/>
-              </a:rPr>
-              <a:t>Fifth Outline Level</a:t>
-            </a:r>
-            <a:endParaRPr b="0" lang="de-AT" sz="1800" spc="-1" strike="noStrike">
-              <a:latin typeface="Noto Sans"/>
-            </a:endParaRPr>
-          </a:p>
-          <a:p>
-            <a:pPr lvl="5" marL="2592000" indent="-216000">
-              <a:spcAft>
-                <a:spcPts val="210"/>
-              </a:spcAft>
-              <a:buClr>
-                <a:srgbClr val="04617b"/>
-              </a:buClr>
-              <a:buSzPct val="45000"/>
-              <a:buFont typeface="Wingdings" charset="2"/>
-              <a:buChar char=""/>
-            </a:pPr>
-            <a:r>
-              <a:rPr b="0" lang="de-AT" sz="1800" spc="-1" strike="noStrike">
-                <a:latin typeface="Noto Sans"/>
-              </a:rPr>
-              <a:t>Sixth Outline Level</a:t>
-            </a:r>
-            <a:endParaRPr b="0" lang="de-AT" sz="1800" spc="-1" strike="noStrike">
-              <a:latin typeface="Noto Sans"/>
-            </a:endParaRPr>
-          </a:p>
-          <a:p>
-            <a:pPr lvl="6" marL="3024000" indent="-216000">
-              <a:spcAft>
-                <a:spcPts val="210"/>
-              </a:spcAft>
-              <a:buClr>
-                <a:srgbClr val="04617b"/>
-              </a:buClr>
-              <a:buSzPct val="45000"/>
-              <a:buFont typeface="Wingdings" charset="2"/>
-              <a:buChar char=""/>
-            </a:pPr>
-            <a:r>
-              <a:rPr b="0" lang="de-AT" sz="1800" spc="-1" strike="noStrike">
-                <a:latin typeface="Noto Sans"/>
-              </a:rPr>
-              <a:t>Seventh Outline Level</a:t>
-            </a:r>
-            <a:endParaRPr b="0" lang="de-AT" sz="1800" spc="-1" strike="noStrike">
-              <a:latin typeface="Noto Sans"/>
-            </a:endParaRPr>
-          </a:p>
-        </p:txBody>
-      </p:sp>
-      <p:sp>
-        <p:nvSpPr>
-          <p:cNvPr id="87" name="PlaceHolder 3"/>
-          <p:cNvSpPr>
-            <a:spLocks noGrp="1"/>
-          </p:cNvSpPr>
-          <p:nvPr>
-            <p:ph type="dt" idx="7"/>
-          </p:nvPr>
-        </p:nvSpPr>
-        <p:spPr>
-          <a:xfrm>
-            <a:off x="540000" y="5130000"/>
-            <a:ext cx="2340000" cy="450000"/>
+            <a:endParaRPr b="0" lang="en-US" sz="1800" spc="-1" strike="noStrike">
+              <a:latin typeface="Arial"/>
+            </a:endParaRPr>
+          </a:p>
+        </p:txBody>
+      </p:sp>
+      <p:sp>
+        <p:nvSpPr>
+          <p:cNvPr id="87" name="PlaceHolder 2"/>
+          <p:cNvSpPr>
+            <a:spLocks noGrp="1"/>
+          </p:cNvSpPr>
+          <p:nvPr>
+            <p:ph type="ftr" idx="7"/>
+          </p:nvPr>
+        </p:nvSpPr>
+        <p:spPr>
+          <a:xfrm>
+            <a:off x="3420000" y="5119200"/>
+            <a:ext cx="3239640" cy="449640"/>
           </a:xfrm>
           <a:prstGeom prst="rect">
             <a:avLst/>
@@ -8188,72 +7905,10 @@
             <a:noAutofit/>
           </a:bodyPr>
           <a:lstStyle>
-            <a:lvl1pPr>
-              <a:defRPr b="0" lang="de-AT" sz="2400" spc="-1" strike="noStrike">
-                <a:solidFill>
-                  <a:srgbClr val="484848"/>
-                </a:solidFill>
-                <a:latin typeface="Noto Sans"/>
-              </a:defRPr>
-            </a:lvl1pPr>
-          </a:lstStyle>
-          <a:p>
-            <a:r>
-              <a:rPr b="0" lang="de-AT" sz="2400" spc="-1" strike="noStrike">
-                <a:solidFill>
-                  <a:srgbClr val="484848"/>
-                </a:solidFill>
-                <a:latin typeface="Noto Sans"/>
-              </a:rPr>
-              <a:t>&lt;date/time&gt;</a:t>
-            </a:r>
-            <a:r>
-              <a:rPr b="0" lang="de-AT" sz="2400" spc="-1" strike="noStrike">
-                <a:solidFill>
-                  <a:srgbClr val="484848"/>
-                </a:solidFill>
-                <a:latin typeface="Noto Sans"/>
-              </a:rPr>
-              <a:t> </a:t>
-            </a:r>
-            <a:endParaRPr b="0" lang="de-AT" sz="2400" spc="-1" strike="noStrike">
-              <a:solidFill>
-                <a:srgbClr val="484848"/>
-              </a:solidFill>
-              <a:latin typeface="Noto Sans"/>
-            </a:endParaRPr>
-          </a:p>
-        </p:txBody>
-      </p:sp>
-      <p:sp>
-        <p:nvSpPr>
-          <p:cNvPr id="88" name="PlaceHolder 4"/>
-          <p:cNvSpPr>
-            <a:spLocks noGrp="1"/>
-          </p:cNvSpPr>
-          <p:nvPr>
-            <p:ph type="ftr" idx="8"/>
-          </p:nvPr>
-        </p:nvSpPr>
-        <p:spPr>
-          <a:xfrm>
-            <a:off x="3420000" y="5119200"/>
-            <a:ext cx="3240000" cy="450000"/>
-          </a:xfrm>
-          <a:prstGeom prst="rect">
-            <a:avLst/>
-          </a:prstGeom>
-          <a:noFill/>
-          <a:ln w="0">
-            <a:noFill/>
-          </a:ln>
-        </p:spPr>
-        <p:txBody>
-          <a:bodyPr lIns="0" rIns="0" tIns="0" bIns="0" anchor="t">
-            <a:noAutofit/>
-          </a:bodyPr>
-          <a:lstStyle>
             <a:lvl1pPr algn="ctr">
+              <a:lnSpc>
+                <a:spcPct val="100000"/>
+              </a:lnSpc>
               <a:buNone/>
               <a:defRPr b="0" lang="de-AT" sz="2400" spc="-1" strike="noStrike">
                 <a:solidFill>
@@ -8265,6 +7920,9 @@
           </a:lstStyle>
           <a:p>
             <a:pPr algn="ctr">
+              <a:lnSpc>
+                <a:spcPct val="100000"/>
+              </a:lnSpc>
               <a:buNone/>
             </a:pPr>
             <a:r>
@@ -8276,38 +7934,26 @@
               </a:rPr>
               <a:t>&lt;footer&gt;</a:t>
             </a:r>
-            <a:r>
-              <a:rPr b="0" lang="de-AT" sz="2400" spc="-1" strike="noStrike">
-                <a:solidFill>
-                  <a:srgbClr val="484848"/>
-                </a:solidFill>
-                <a:latin typeface="Noto Sans"/>
-              </a:rPr>
-              <a:t> </a:t>
-            </a:r>
-            <a:endParaRPr b="0" lang="de-AT" sz="2400" spc="-1" strike="noStrike">
-              <a:solidFill>
-                <a:srgbClr val="484848"/>
-              </a:solidFill>
-              <a:latin typeface="Noto Sans"/>
-            </a:endParaRPr>
-          </a:p>
-        </p:txBody>
-      </p:sp>
-      <p:sp>
-        <p:nvSpPr>
-          <p:cNvPr id="89" name="PlaceHolder 5"/>
-          <p:cNvSpPr>
-            <a:spLocks noGrp="1"/>
-          </p:cNvSpPr>
-          <p:nvPr>
-            <p:ph type="sldNum" idx="9"/>
+            <a:endParaRPr b="0" lang="en-US" sz="2400" spc="-1" strike="noStrike">
+              <a:latin typeface="Times New Roman"/>
+            </a:endParaRPr>
+          </a:p>
+        </p:txBody>
+      </p:sp>
+      <p:sp>
+        <p:nvSpPr>
+          <p:cNvPr id="88" name="PlaceHolder 3"/>
+          <p:cNvSpPr>
+            <a:spLocks noGrp="1"/>
+          </p:cNvSpPr>
+          <p:nvPr>
+            <p:ph type="sldNum" idx="8"/>
           </p:nvPr>
         </p:nvSpPr>
         <p:spPr>
           <a:xfrm>
             <a:off x="7650000" y="5130000"/>
-            <a:ext cx="1890000" cy="450000"/>
+            <a:ext cx="1889640" cy="449640"/>
           </a:xfrm>
           <a:prstGeom prst="rect">
             <a:avLst/>
@@ -8323,6 +7969,9 @@
           </a:bodyPr>
           <a:lstStyle>
             <a:lvl1pPr algn="r">
+              <a:lnSpc>
+                <a:spcPct val="100000"/>
+              </a:lnSpc>
               <a:buNone/>
               <a:defRPr b="0" lang="de-AT" sz="2400" spc="-1" strike="noStrike">
                 <a:solidFill>
@@ -8334,9 +7983,12 @@
           </a:lstStyle>
           <a:p>
             <a:pPr algn="r">
+              <a:lnSpc>
+                <a:spcPct val="100000"/>
+              </a:lnSpc>
               <a:buNone/>
             </a:pPr>
-            <a:fld id="{A8A7BBC4-6A14-4A35-994C-35DE9E57BD6F}" type="slidenum">
+            <a:fld id="{0526FCAC-7F33-4F80-BEC4-45CCA5FF52C9}" type="slidenum">
               <a:rPr b="0" lang="de-AT" sz="2400" spc="-1" strike="noStrike">
                 <a:solidFill>
                   <a:srgbClr val="484848"/>
@@ -8345,61 +7997,241 @@
               </a:rPr>
               <a:t>&lt;number&gt;</a:t>
             </a:fld>
-            <a:r>
-              <a:rPr b="0" lang="de-AT" sz="2400" spc="-1" strike="noStrike">
-                <a:solidFill>
-                  <a:srgbClr val="484848"/>
-                </a:solidFill>
-                <a:latin typeface="Noto Sans"/>
+            <a:endParaRPr b="0" lang="en-US" sz="2400" spc="-1" strike="noStrike">
+              <a:latin typeface="Times New Roman"/>
+            </a:endParaRPr>
+          </a:p>
+        </p:txBody>
+      </p:sp>
+      <p:sp>
+        <p:nvSpPr>
+          <p:cNvPr id="89" name="PlaceHolder 4"/>
+          <p:cNvSpPr>
+            <a:spLocks noGrp="1"/>
+          </p:cNvSpPr>
+          <p:nvPr>
+            <p:ph type="dt" idx="9"/>
+          </p:nvPr>
+        </p:nvSpPr>
+        <p:spPr>
+          <a:xfrm>
+            <a:off x="540000" y="5130000"/>
+            <a:ext cx="2339640" cy="449640"/>
+          </a:xfrm>
+          <a:prstGeom prst="rect">
+            <a:avLst/>
+          </a:prstGeom>
+          <a:noFill/>
+          <a:ln w="0">
+            <a:noFill/>
+          </a:ln>
+        </p:spPr>
+        <p:txBody>
+          <a:bodyPr lIns="0" rIns="0" tIns="0" bIns="0" anchor="t">
+            <a:noAutofit/>
+          </a:bodyPr>
+          <a:lstStyle>
+            <a:lvl1pPr>
+              <a:defRPr b="0" lang="en-US" sz="1400" spc="-1" strike="noStrike">
+                <a:latin typeface="Times New Roman"/>
+              </a:defRPr>
+            </a:lvl1pPr>
+          </a:lstStyle>
+          <a:p>
+            <a:r>
+              <a:rPr b="0" lang="en-US" sz="1400" spc="-1" strike="noStrike">
+                <a:latin typeface="Times New Roman"/>
               </a:rPr>
-              <a:t> </a:t>
-            </a:r>
-            <a:endParaRPr b="0" lang="de-AT" sz="2400" spc="-1" strike="noStrike">
-              <a:solidFill>
-                <a:srgbClr val="484848"/>
-              </a:solidFill>
-              <a:latin typeface="Noto Sans"/>
-            </a:endParaRPr>
-          </a:p>
-        </p:txBody>
-      </p:sp>
-      <p:sp>
-        <p:nvSpPr>
-          <p:cNvPr id="90" name=""/>
-          <p:cNvSpPr/>
-          <p:nvPr/>
-        </p:nvSpPr>
-        <p:spPr>
-          <a:xfrm>
-            <a:off x="0" y="5580000"/>
-            <a:ext cx="10080000" cy="90000"/>
-          </a:xfrm>
-          <a:prstGeom prst="rect">
-            <a:avLst/>
-          </a:prstGeom>
-          <a:pattFill prst="lgGrid">
-            <a:fgClr>
-              <a:srgbClr val="3465a4"/>
-            </a:fgClr>
-            <a:bgClr>
-              <a:srgbClr val="009eda"/>
-            </a:bgClr>
-          </a:pattFill>
-          <a:ln w="18000">
-            <a:noFill/>
-          </a:ln>
-          <a:effectLst>
-            <a:outerShdw dist="10800" dir="16200000" blurRad="0" rotWithShape="0">
-              <a:srgbClr val="f49100"/>
-            </a:outerShdw>
-          </a:effectLst>
-        </p:spPr>
-        <p:style>
-          <a:lnRef idx="0"/>
-          <a:fillRef idx="0"/>
-          <a:effectRef idx="0"/>
-          <a:fontRef idx="minor"/>
-        </p:style>
+              <a:t>&lt;date/time&gt;</a:t>
+            </a:r>
+            <a:endParaRPr b="0" lang="en-US" sz="1400" spc="-1" strike="noStrike">
+              <a:latin typeface="Times New Roman"/>
+            </a:endParaRPr>
+          </a:p>
+        </p:txBody>
+      </p:sp>
+      <p:sp>
+        <p:nvSpPr>
+          <p:cNvPr id="90" name="PlaceHolder 5"/>
+          <p:cNvSpPr>
+            <a:spLocks noGrp="1"/>
+          </p:cNvSpPr>
+          <p:nvPr>
+            <p:ph type="body"/>
+          </p:nvPr>
+        </p:nvSpPr>
+        <p:spPr>
+          <a:xfrm>
+            <a:off x="504000" y="1326600"/>
+            <a:ext cx="9072000" cy="3288600"/>
+          </a:xfrm>
+          <a:prstGeom prst="rect">
+            <a:avLst/>
+          </a:prstGeom>
+          <a:noFill/>
+          <a:ln w="0">
+            <a:noFill/>
+          </a:ln>
+        </p:spPr>
+        <p:txBody>
+          <a:bodyPr lIns="0" rIns="0" tIns="0" bIns="0" anchor="t">
+            <a:normAutofit/>
+          </a:bodyPr>
+          <a:p>
+            <a:pPr marL="432000" indent="-324000">
+              <a:spcBef>
+                <a:spcPts val="1417"/>
+              </a:spcBef>
+              <a:buClr>
+                <a:srgbClr val="000000"/>
+              </a:buClr>
+              <a:buSzPct val="45000"/>
+              <a:buFont typeface="Wingdings" charset="2"/>
+              <a:buChar char=""/>
+            </a:pPr>
+            <a:r>
+              <a:rPr b="0" lang="en-US" sz="3200" spc="-1" strike="noStrike">
+                <a:latin typeface="Arial"/>
+              </a:rPr>
+              <a:t>Click to edit the outline text format</a:t>
+            </a:r>
+            <a:endParaRPr b="0" lang="en-US" sz="3200" spc="-1" strike="noStrike">
+              <a:latin typeface="Arial"/>
+            </a:endParaRPr>
+          </a:p>
+          <a:p>
+            <a:pPr lvl="1" marL="864000" indent="-324000">
+              <a:spcBef>
+                <a:spcPts val="1134"/>
+              </a:spcBef>
+              <a:buClr>
+                <a:srgbClr val="000000"/>
+              </a:buClr>
+              <a:buSzPct val="75000"/>
+              <a:buFont typeface="Symbol" charset="2"/>
+              <a:buChar char=""/>
+            </a:pPr>
+            <a:r>
+              <a:rPr b="0" lang="en-US" sz="2800" spc="-1" strike="noStrike">
+                <a:latin typeface="Arial"/>
+              </a:rPr>
+              <a:t>Second Outline Level</a:t>
+            </a:r>
+            <a:endParaRPr b="0" lang="en-US" sz="2800" spc="-1" strike="noStrike">
+              <a:latin typeface="Arial"/>
+            </a:endParaRPr>
+          </a:p>
+          <a:p>
+            <a:pPr lvl="2" marL="1296000" indent="-288000">
+              <a:spcBef>
+                <a:spcPts val="850"/>
+              </a:spcBef>
+              <a:buClr>
+                <a:srgbClr val="000000"/>
+              </a:buClr>
+              <a:buSzPct val="45000"/>
+              <a:buFont typeface="Wingdings" charset="2"/>
+              <a:buChar char=""/>
+            </a:pPr>
+            <a:r>
+              <a:rPr b="0" lang="en-US" sz="2400" spc="-1" strike="noStrike">
+                <a:latin typeface="Arial"/>
+              </a:rPr>
+              <a:t>Third Outline Level</a:t>
+            </a:r>
+            <a:endParaRPr b="0" lang="en-US" sz="2400" spc="-1" strike="noStrike">
+              <a:latin typeface="Arial"/>
+            </a:endParaRPr>
+          </a:p>
+          <a:p>
+            <a:pPr lvl="3" marL="1728000" indent="-216000">
+              <a:spcBef>
+                <a:spcPts val="567"/>
+              </a:spcBef>
+              <a:buClr>
+                <a:srgbClr val="000000"/>
+              </a:buClr>
+              <a:buSzPct val="75000"/>
+              <a:buFont typeface="Symbol" charset="2"/>
+              <a:buChar char=""/>
+            </a:pPr>
+            <a:r>
+              <a:rPr b="0" lang="en-US" sz="2000" spc="-1" strike="noStrike">
+                <a:latin typeface="Arial"/>
+              </a:rPr>
+              <a:t>Fourth Outline Level</a:t>
+            </a:r>
+            <a:endParaRPr b="0" lang="en-US" sz="2000" spc="-1" strike="noStrike">
+              <a:latin typeface="Arial"/>
+            </a:endParaRPr>
+          </a:p>
+          <a:p>
+            <a:pPr lvl="4" marL="2160000" indent="-216000">
+              <a:spcBef>
+                <a:spcPts val="283"/>
+              </a:spcBef>
+              <a:buClr>
+                <a:srgbClr val="000000"/>
+              </a:buClr>
+              <a:buSzPct val="45000"/>
+              <a:buFont typeface="Wingdings" charset="2"/>
+              <a:buChar char=""/>
+            </a:pPr>
+            <a:r>
+              <a:rPr b="0" lang="en-US" sz="2000" spc="-1" strike="noStrike">
+                <a:latin typeface="Arial"/>
+              </a:rPr>
+              <a:t>Fifth Outline Level</a:t>
+            </a:r>
+            <a:endParaRPr b="0" lang="en-US" sz="2000" spc="-1" strike="noStrike">
+              <a:latin typeface="Arial"/>
+            </a:endParaRPr>
+          </a:p>
+          <a:p>
+            <a:pPr lvl="5" marL="2592000" indent="-216000">
+              <a:spcBef>
+                <a:spcPts val="283"/>
+              </a:spcBef>
+              <a:buClr>
+                <a:srgbClr val="000000"/>
+              </a:buClr>
+              <a:buSzPct val="45000"/>
+              <a:buFont typeface="Wingdings" charset="2"/>
+              <a:buChar char=""/>
+            </a:pPr>
+            <a:r>
+              <a:rPr b="0" lang="en-US" sz="2000" spc="-1" strike="noStrike">
+                <a:latin typeface="Arial"/>
+              </a:rPr>
+              <a:t>Sixth Outline Level</a:t>
+            </a:r>
+            <a:endParaRPr b="0" lang="en-US" sz="2000" spc="-1" strike="noStrike">
+              <a:latin typeface="Arial"/>
+            </a:endParaRPr>
+          </a:p>
+          <a:p>
+            <a:pPr lvl="6" marL="3024000" indent="-216000">
+              <a:spcBef>
+                <a:spcPts val="283"/>
+              </a:spcBef>
+              <a:buClr>
+                <a:srgbClr val="000000"/>
+              </a:buClr>
+              <a:buSzPct val="45000"/>
+              <a:buFont typeface="Wingdings" charset="2"/>
+              <a:buChar char=""/>
+            </a:pPr>
+            <a:r>
+              <a:rPr b="0" lang="en-US" sz="2000" spc="-1" strike="noStrike">
+                <a:latin typeface="Arial"/>
+              </a:rPr>
+              <a:t>Seventh Outline Level</a:t>
+            </a:r>
+            <a:endParaRPr b="0" lang="en-US" sz="2000" spc="-1" strike="noStrike">
+              <a:latin typeface="Arial"/>
+            </a:endParaRPr>
+          </a:p>
+        </p:txBody>
       </p:sp>
     </p:spTree>
   </p:cSld>
@@ -8459,7 +8291,7 @@
         <p:spPr>
           <a:xfrm>
             <a:off x="450000" y="270000"/>
-            <a:ext cx="9000000" cy="3240000"/>
+            <a:ext cx="8999640" cy="3239640"/>
           </a:xfrm>
           <a:prstGeom prst="rect">
             <a:avLst/>
@@ -8474,6 +8306,12 @@
             <a:normAutofit/>
           </a:bodyPr>
           <a:p>
+            <a:pPr>
+              <a:lnSpc>
+                <a:spcPct val="100000"/>
+              </a:lnSpc>
+              <a:buNone/>
+            </a:pPr>
             <a:r>
               <a:rPr b="0" lang="de-AT" sz="6000" spc="-1" strike="noStrike">
                 <a:solidFill>
@@ -8483,11 +8321,8 @@
               </a:rPr>
               <a:t>Airbnb in NYC analysis</a:t>
             </a:r>
-            <a:endParaRPr b="0" lang="de-AT" sz="6000" spc="-1" strike="noStrike">
-              <a:solidFill>
-                <a:srgbClr val="04617b"/>
-              </a:solidFill>
-              <a:latin typeface="Noto Sans"/>
+            <a:endParaRPr b="0" lang="en-US" sz="6000" spc="-1" strike="noStrike">
+              <a:latin typeface="Arial"/>
             </a:endParaRPr>
           </a:p>
         </p:txBody>
@@ -8505,7 +8340,7 @@
         <p:spPr>
           <a:xfrm>
             <a:off x="450000" y="3870000"/>
-            <a:ext cx="9000000" cy="1170000"/>
+            <a:ext cx="8999640" cy="1169640"/>
           </a:xfrm>
           <a:prstGeom prst="rect">
             <a:avLst/>
@@ -8520,6 +8355,12 @@
             <a:noAutofit/>
           </a:bodyPr>
           <a:p>
+            <a:pPr>
+              <a:lnSpc>
+                <a:spcPct val="100000"/>
+              </a:lnSpc>
+              <a:buNone/>
+            </a:pPr>
             <a:r>
               <a:rPr b="1" lang="de-AT" sz="3600" spc="-1" strike="noStrike">
                 <a:solidFill>
@@ -8529,17 +8370,22 @@
               </a:rPr>
               <a:t>New York Airbnb Open Data</a:t>
             </a:r>
-            <a:endParaRPr b="1" lang="de-AT" sz="3600" spc="-1" strike="noStrike">
-              <a:solidFill>
-                <a:srgbClr val="dbf5f9"/>
-              </a:solidFill>
-              <a:latin typeface="Noto Sans"/>
+            <a:endParaRPr b="0" lang="en-US" sz="3600" spc="-1" strike="noStrike">
+              <a:latin typeface="Arial"/>
             </a:endParaRPr>
           </a:p>
         </p:txBody>
       </p:sp>
     </p:spTree>
   </p:cSld>
+  <mc:AlternateContent>
+    <mc:Choice Requires="p14">
+      <p:transition spd="slow" p14:dur="2000"/>
+    </mc:Choice>
+    <mc:Fallback>
+      <p:transition spd="slow"/>
+    </mc:Fallback>
+  </mc:AlternateContent>
 </p:sld>
 </file>
 
@@ -8581,7 +8427,7 @@
         <p:spPr>
           <a:xfrm>
             <a:off x="502920" y="90720"/>
-            <a:ext cx="9071640" cy="946800"/>
+            <a:ext cx="9071280" cy="946440"/>
           </a:xfrm>
           <a:prstGeom prst="rect">
             <a:avLst/>
@@ -8611,11 +8457,8 @@
               </a:rPr>
               <a:t>New York Airbnb Open Data</a:t>
             </a:r>
-            <a:endParaRPr b="0" lang="de-AT" sz="4500" spc="-1" strike="noStrike">
-              <a:solidFill>
-                <a:srgbClr val="ffffff"/>
-              </a:solidFill>
-              <a:latin typeface="Noto Sans"/>
+            <a:endParaRPr b="0" lang="en-US" sz="4500" spc="-1" strike="noStrike">
+              <a:latin typeface="Arial"/>
             </a:endParaRPr>
           </a:p>
         </p:txBody>
@@ -8633,7 +8476,7 @@
         <p:spPr>
           <a:xfrm>
             <a:off x="502920" y="1440000"/>
-            <a:ext cx="9021960" cy="3497760"/>
+            <a:ext cx="9021600" cy="3497400"/>
           </a:xfrm>
           <a:prstGeom prst="rect">
             <a:avLst/>
@@ -8649,6 +8492,9 @@
           </a:bodyPr>
           <a:p>
             <a:pPr marL="432000" indent="-324000">
+              <a:lnSpc>
+                <a:spcPct val="100000"/>
+              </a:lnSpc>
               <a:spcAft>
                 <a:spcPts val="1054"/>
               </a:spcAft>
@@ -8665,12 +8511,15 @@
               </a:rPr>
               <a:t>Our dataset have 102.058 rental properties</a:t>
             </a:r>
-            <a:endParaRPr b="0" lang="de-AT" sz="2400" spc="-1" strike="noStrike">
-              <a:latin typeface="Noto Sans"/>
+            <a:endParaRPr b="0" lang="en-US" sz="2400" spc="-1" strike="noStrike">
+              <a:latin typeface="Arial"/>
             </a:endParaRPr>
           </a:p>
           <a:p>
             <a:pPr marL="432000" indent="-324000">
+              <a:lnSpc>
+                <a:spcPct val="100000"/>
+              </a:lnSpc>
               <a:spcAft>
                 <a:spcPts val="1054"/>
               </a:spcAft>
@@ -8687,12 +8536,15 @@
               </a:rPr>
               <a:t>From Manhattan, Brooklyn, Queens and Bronx</a:t>
             </a:r>
-            <a:endParaRPr b="0" lang="de-AT" sz="2400" spc="-1" strike="noStrike">
-              <a:latin typeface="Noto Sans"/>
+            <a:endParaRPr b="0" lang="en-US" sz="2400" spc="-1" strike="noStrike">
+              <a:latin typeface="Arial"/>
             </a:endParaRPr>
           </a:p>
           <a:p>
             <a:pPr marL="432000" indent="-324000">
+              <a:lnSpc>
+                <a:spcPct val="100000"/>
+              </a:lnSpc>
               <a:spcAft>
                 <a:spcPts val="1054"/>
               </a:spcAft>
@@ -8709,12 +8561,15 @@
               </a:rPr>
               <a:t>With Apartments, shared and private rooms</a:t>
             </a:r>
-            <a:endParaRPr b="0" lang="de-AT" sz="2400" spc="-1" strike="noStrike">
-              <a:latin typeface="Noto Sans"/>
+            <a:endParaRPr b="0" lang="en-US" sz="2400" spc="-1" strike="noStrike">
+              <a:latin typeface="Arial"/>
             </a:endParaRPr>
           </a:p>
           <a:p>
             <a:pPr marL="432000" indent="-324000">
+              <a:lnSpc>
+                <a:spcPct val="100000"/>
+              </a:lnSpc>
               <a:spcAft>
                 <a:spcPts val="1054"/>
               </a:spcAft>
@@ -8731,14 +8586,22 @@
               </a:rPr>
               <a:t>Information about price and review score</a:t>
             </a:r>
-            <a:endParaRPr b="0" lang="de-AT" sz="2400" spc="-1" strike="noStrike">
-              <a:latin typeface="Noto Sans"/>
+            <a:endParaRPr b="0" lang="en-US" sz="2400" spc="-1" strike="noStrike">
+              <a:latin typeface="Arial"/>
             </a:endParaRPr>
           </a:p>
         </p:txBody>
       </p:sp>
     </p:spTree>
   </p:cSld>
+  <mc:AlternateContent>
+    <mc:Choice Requires="p14">
+      <p:transition spd="slow" p14:dur="2000"/>
+    </mc:Choice>
+    <mc:Fallback>
+      <p:transition spd="slow"/>
+    </mc:Fallback>
+  </mc:AlternateContent>
 </p:sld>
 </file>
 
@@ -8772,7 +8635,7 @@
         <p:spPr>
           <a:xfrm>
             <a:off x="540000" y="270000"/>
-            <a:ext cx="9000000" cy="990000"/>
+            <a:ext cx="8999640" cy="989640"/>
           </a:xfrm>
           <a:prstGeom prst="rect">
             <a:avLst/>
@@ -8784,9 +8647,15 @@
         </p:spPr>
         <p:txBody>
           <a:bodyPr lIns="0" rIns="0" tIns="0" bIns="0" anchor="ctr">
-            <a:normAutofit fontScale="70000"/>
-          </a:bodyPr>
-          <a:p>
+            <a:normAutofit fontScale="72000"/>
+          </a:bodyPr>
+          <a:p>
+            <a:pPr>
+              <a:lnSpc>
+                <a:spcPct val="100000"/>
+              </a:lnSpc>
+              <a:buNone/>
+            </a:pPr>
             <a:r>
               <a:rPr b="0" lang="de-AT" sz="4500" spc="-1" strike="noStrike">
                 <a:solidFill>
@@ -8796,11 +8665,8 @@
               </a:rPr>
               <a:t>Access price based on qualitative characteristics</a:t>
             </a:r>
-            <a:endParaRPr b="0" lang="de-AT" sz="4500" spc="-1" strike="noStrike">
-              <a:solidFill>
-                <a:srgbClr val="04617b"/>
-              </a:solidFill>
-              <a:latin typeface="Noto Sans"/>
+            <a:endParaRPr b="0" lang="en-US" sz="4500" spc="-1" strike="noStrike">
+              <a:latin typeface="Arial"/>
             </a:endParaRPr>
           </a:p>
         </p:txBody>
@@ -8818,7 +8684,7 @@
         <p:spPr>
           <a:xfrm>
             <a:off x="540000" y="4048200"/>
-            <a:ext cx="9000000" cy="1384200"/>
+            <a:ext cx="8999640" cy="1383840"/>
           </a:xfrm>
           <a:prstGeom prst="rect">
             <a:avLst/>
@@ -8834,6 +8700,9 @@
           </a:bodyPr>
           <a:p>
             <a:pPr algn="ctr">
+              <a:lnSpc>
+                <a:spcPct val="100000"/>
+              </a:lnSpc>
               <a:buNone/>
             </a:pPr>
             <a:r>
@@ -8845,11 +8714,8 @@
               </a:rPr>
               <a:t>There is no difference in price per NY region</a:t>
             </a:r>
-            <a:endParaRPr b="1" lang="de-AT" sz="4000" spc="-1" strike="noStrike">
-              <a:solidFill>
-                <a:srgbClr val="009eda"/>
-              </a:solidFill>
-              <a:latin typeface="Noto Sans"/>
+            <a:endParaRPr b="0" lang="en-US" sz="4000" spc="-1" strike="noStrike">
+              <a:latin typeface="Arial"/>
             </a:endParaRPr>
           </a:p>
         </p:txBody>
@@ -8866,8 +8732,8 @@
         </p:blipFill>
         <p:spPr>
           <a:xfrm>
-            <a:off x="1371600" y="1305360"/>
-            <a:ext cx="7094880" cy="2809440"/>
+            <a:off x="1600200" y="1305720"/>
+            <a:ext cx="7094520" cy="2809080"/>
           </a:xfrm>
           <a:prstGeom prst="rect">
             <a:avLst/>
@@ -8879,6 +8745,14 @@
       </p:pic>
     </p:spTree>
   </p:cSld>
+  <mc:AlternateContent>
+    <mc:Choice Requires="p14">
+      <p:transition spd="slow" p14:dur="2000"/>
+    </mc:Choice>
+    <mc:Fallback>
+      <p:transition spd="slow"/>
+    </mc:Fallback>
+  </mc:AlternateContent>
 </p:sld>
 </file>
 
@@ -8912,7 +8786,7 @@
         <p:spPr>
           <a:xfrm>
             <a:off x="540000" y="270000"/>
-            <a:ext cx="9000000" cy="990000"/>
+            <a:ext cx="8999640" cy="989640"/>
           </a:xfrm>
           <a:prstGeom prst="rect">
             <a:avLst/>
@@ -8924,9 +8798,15 @@
         </p:spPr>
         <p:txBody>
           <a:bodyPr lIns="0" rIns="0" tIns="0" bIns="0" anchor="ctr">
-            <a:normAutofit fontScale="70000"/>
-          </a:bodyPr>
-          <a:p>
+            <a:normAutofit fontScale="72000"/>
+          </a:bodyPr>
+          <a:p>
+            <a:pPr>
+              <a:lnSpc>
+                <a:spcPct val="100000"/>
+              </a:lnSpc>
+              <a:buNone/>
+            </a:pPr>
             <a:r>
               <a:rPr b="0" lang="de-AT" sz="4500" spc="-1" strike="noStrike">
                 <a:solidFill>
@@ -8936,11 +8816,8 @@
               </a:rPr>
               <a:t>Access price based on qualitative characteristics</a:t>
             </a:r>
-            <a:endParaRPr b="0" lang="de-AT" sz="4500" spc="-1" strike="noStrike">
-              <a:solidFill>
-                <a:srgbClr val="04617b"/>
-              </a:solidFill>
-              <a:latin typeface="Noto Sans"/>
+            <a:endParaRPr b="0" lang="en-US" sz="4500" spc="-1" strike="noStrike">
+              <a:latin typeface="Arial"/>
             </a:endParaRPr>
           </a:p>
         </p:txBody>
@@ -8958,7 +8835,7 @@
         <p:spPr>
           <a:xfrm>
             <a:off x="1371600" y="4572000"/>
-            <a:ext cx="8001000" cy="1036800"/>
+            <a:ext cx="8000640" cy="1036440"/>
           </a:xfrm>
           <a:prstGeom prst="rect">
             <a:avLst/>
@@ -8974,6 +8851,9 @@
           </a:bodyPr>
           <a:p>
             <a:pPr algn="ctr">
+              <a:lnSpc>
+                <a:spcPct val="100000"/>
+              </a:lnSpc>
               <a:buNone/>
             </a:pPr>
             <a:r>
@@ -8985,11 +8865,8 @@
               </a:rPr>
               <a:t>There are neighbourhoods that we can offer rentals in higher prices</a:t>
             </a:r>
-            <a:endParaRPr b="1" lang="de-AT" sz="2200" spc="-1" strike="noStrike">
-              <a:solidFill>
-                <a:srgbClr val="009eda"/>
-              </a:solidFill>
-              <a:latin typeface="Noto Sans"/>
+            <a:endParaRPr b="0" lang="en-US" sz="2200" spc="-1" strike="noStrike">
+              <a:latin typeface="Arial"/>
             </a:endParaRPr>
           </a:p>
         </p:txBody>
@@ -9006,8 +8883,8 @@
         </p:blipFill>
         <p:spPr>
           <a:xfrm>
-            <a:off x="1600200" y="1070640"/>
-            <a:ext cx="7565040" cy="1901160"/>
+            <a:off x="1807920" y="1371600"/>
+            <a:ext cx="7564680" cy="1900800"/>
           </a:xfrm>
           <a:prstGeom prst="rect">
             <a:avLst/>
@@ -9029,8 +8906,8 @@
         </p:blipFill>
         <p:spPr>
           <a:xfrm>
-            <a:off x="1862280" y="2971800"/>
-            <a:ext cx="6595920" cy="1622880"/>
+            <a:off x="2057400" y="3178080"/>
+            <a:ext cx="6595560" cy="1622520"/>
           </a:xfrm>
           <a:prstGeom prst="rect">
             <a:avLst/>
@@ -9042,6 +8919,14 @@
       </p:pic>
     </p:spTree>
   </p:cSld>
+  <mc:AlternateContent>
+    <mc:Choice Requires="p14">
+      <p:transition spd="slow" p14:dur="2000"/>
+    </mc:Choice>
+    <mc:Fallback>
+      <p:transition spd="slow"/>
+    </mc:Fallback>
+  </mc:AlternateContent>
 </p:sld>
 </file>
 
@@ -9075,7 +8960,7 @@
         <p:spPr>
           <a:xfrm>
             <a:off x="540000" y="270000"/>
-            <a:ext cx="9000000" cy="990000"/>
+            <a:ext cx="8999640" cy="989640"/>
           </a:xfrm>
           <a:prstGeom prst="rect">
             <a:avLst/>
@@ -9087,9 +8972,15 @@
         </p:spPr>
         <p:txBody>
           <a:bodyPr lIns="0" rIns="0" tIns="0" bIns="0" anchor="ctr">
-            <a:normAutofit fontScale="70000"/>
-          </a:bodyPr>
-          <a:p>
+            <a:normAutofit fontScale="72000"/>
+          </a:bodyPr>
+          <a:p>
+            <a:pPr>
+              <a:lnSpc>
+                <a:spcPct val="100000"/>
+              </a:lnSpc>
+              <a:buNone/>
+            </a:pPr>
             <a:r>
               <a:rPr b="0" lang="de-AT" sz="4500" spc="-1" strike="noStrike">
                 <a:solidFill>
@@ -9097,22 +8988,10 @@
                 </a:solidFill>
                 <a:latin typeface="Noto Sans"/>
               </a:rPr>
-              <a:t>Access price</a:t>
-            </a:r>
-            <a:r>
-              <a:rPr b="0" lang="de-AT" sz="4500" spc="-1" strike="noStrike">
-                <a:solidFill>
-                  <a:srgbClr val="04617b"/>
-                </a:solidFill>
-                <a:latin typeface="Noto Sans"/>
-              </a:rPr>
-              <a:t> based on qualitative characteristics</a:t>
-            </a:r>
-            <a:endParaRPr b="0" lang="de-AT" sz="4500" spc="-1" strike="noStrike">
-              <a:solidFill>
-                <a:srgbClr val="04617b"/>
-              </a:solidFill>
-              <a:latin typeface="Noto Sans"/>
+              <a:t>Access price based on qualitative characteristics</a:t>
+            </a:r>
+            <a:endParaRPr b="0" lang="en-US" sz="4500" spc="-1" strike="noStrike">
+              <a:latin typeface="Arial"/>
             </a:endParaRPr>
           </a:p>
         </p:txBody>
@@ -9129,8 +9008,8 @@
         </p:blipFill>
         <p:spPr>
           <a:xfrm>
-            <a:off x="685800" y="1109160"/>
-            <a:ext cx="4114800" cy="1634040"/>
+            <a:off x="685800" y="1371600"/>
+            <a:ext cx="4114440" cy="1633680"/>
           </a:xfrm>
           <a:prstGeom prst="rect">
             <a:avLst/>
@@ -9152,8 +9031,8 @@
         </p:blipFill>
         <p:spPr>
           <a:xfrm>
-            <a:off x="5284080" y="1143000"/>
-            <a:ext cx="4088520" cy="1636920"/>
+            <a:off x="5284440" y="1335240"/>
+            <a:ext cx="4088160" cy="1636560"/>
           </a:xfrm>
           <a:prstGeom prst="rect">
             <a:avLst/>
@@ -9175,8 +9054,8 @@
         </p:blipFill>
         <p:spPr>
           <a:xfrm>
-            <a:off x="2743200" y="2976480"/>
-            <a:ext cx="4800600" cy="1595520"/>
+            <a:off x="2743200" y="3434040"/>
+            <a:ext cx="4800240" cy="1595160"/>
           </a:xfrm>
           <a:prstGeom prst="rect">
             <a:avLst/>
@@ -9188,6 +9067,14 @@
       </p:pic>
     </p:spTree>
   </p:cSld>
+  <mc:AlternateContent>
+    <mc:Choice Requires="p14">
+      <p:transition spd="slow" p14:dur="2000"/>
+    </mc:Choice>
+    <mc:Fallback>
+      <p:transition spd="slow"/>
+    </mc:Fallback>
+  </mc:AlternateContent>
 </p:sld>
 </file>
 
@@ -9221,7 +9108,7 @@
         <p:spPr>
           <a:xfrm>
             <a:off x="540000" y="270000"/>
-            <a:ext cx="9000000" cy="990000"/>
+            <a:ext cx="8999640" cy="989640"/>
           </a:xfrm>
           <a:prstGeom prst="rect">
             <a:avLst/>
@@ -9233,9 +9120,15 @@
         </p:spPr>
         <p:txBody>
           <a:bodyPr lIns="0" rIns="0" tIns="0" bIns="0" anchor="ctr">
-            <a:normAutofit fontScale="70000"/>
-          </a:bodyPr>
-          <a:p>
+            <a:normAutofit fontScale="74000"/>
+          </a:bodyPr>
+          <a:p>
+            <a:pPr>
+              <a:lnSpc>
+                <a:spcPct val="100000"/>
+              </a:lnSpc>
+              <a:buNone/>
+            </a:pPr>
             <a:r>
               <a:rPr b="0" lang="de-AT" sz="4500" spc="-1" strike="noStrike">
                 <a:solidFill>
@@ -9245,11 +9138,8 @@
               </a:rPr>
               <a:t>Access  reviews on qualitative characteristics</a:t>
             </a:r>
-            <a:endParaRPr b="0" lang="de-AT" sz="4500" spc="-1" strike="noStrike">
-              <a:solidFill>
-                <a:srgbClr val="04617b"/>
-              </a:solidFill>
-              <a:latin typeface="Noto Sans"/>
+            <a:endParaRPr b="0" lang="en-US" sz="4500" spc="-1" strike="noStrike">
+              <a:latin typeface="Arial"/>
             </a:endParaRPr>
           </a:p>
         </p:txBody>
@@ -9267,7 +9157,7 @@
         <p:spPr>
           <a:xfrm>
             <a:off x="1626480" y="1143000"/>
-            <a:ext cx="7288920" cy="1838880"/>
+            <a:ext cx="7288560" cy="1838520"/>
           </a:xfrm>
           <a:prstGeom prst="rect">
             <a:avLst/>
@@ -9290,7 +9180,7 @@
         <p:spPr>
           <a:xfrm>
             <a:off x="1600200" y="3122280"/>
-            <a:ext cx="6831720" cy="1678320"/>
+            <a:ext cx="6831360" cy="1677960"/>
           </a:xfrm>
           <a:prstGeom prst="rect">
             <a:avLst/>
@@ -9302,6 +9192,14 @@
       </p:pic>
     </p:spTree>
   </p:cSld>
+  <mc:AlternateContent>
+    <mc:Choice Requires="p14">
+      <p:transition spd="slow" p14:dur="2000"/>
+    </mc:Choice>
+    <mc:Fallback>
+      <p:transition spd="slow"/>
+    </mc:Fallback>
+  </mc:AlternateContent>
 </p:sld>
 </file>
 
@@ -9335,7 +9233,7 @@
         <p:spPr>
           <a:xfrm>
             <a:off x="540000" y="270000"/>
-            <a:ext cx="9000000" cy="990000"/>
+            <a:ext cx="8999640" cy="989640"/>
           </a:xfrm>
           <a:prstGeom prst="rect">
             <a:avLst/>
@@ -9347,9 +9245,15 @@
         </p:spPr>
         <p:txBody>
           <a:bodyPr lIns="0" rIns="0" tIns="0" bIns="0" anchor="ctr">
-            <a:normAutofit fontScale="70000"/>
-          </a:bodyPr>
-          <a:p>
+            <a:normAutofit fontScale="74000"/>
+          </a:bodyPr>
+          <a:p>
+            <a:pPr>
+              <a:lnSpc>
+                <a:spcPct val="100000"/>
+              </a:lnSpc>
+              <a:buNone/>
+            </a:pPr>
             <a:r>
               <a:rPr b="0" lang="de-AT" sz="4500" spc="-1" strike="noStrike">
                 <a:solidFill>
@@ -9359,11 +9263,8 @@
               </a:rPr>
               <a:t>Access  reviews on qualitative characteristics</a:t>
             </a:r>
-            <a:endParaRPr b="0" lang="de-AT" sz="4500" spc="-1" strike="noStrike">
-              <a:solidFill>
-                <a:srgbClr val="04617b"/>
-              </a:solidFill>
-              <a:latin typeface="Noto Sans"/>
+            <a:endParaRPr b="0" lang="en-US" sz="4500" spc="-1" strike="noStrike">
+              <a:latin typeface="Arial"/>
             </a:endParaRPr>
           </a:p>
         </p:txBody>
@@ -9380,8 +9281,8 @@
         </p:blipFill>
         <p:spPr>
           <a:xfrm>
-            <a:off x="5257800" y="1371600"/>
-            <a:ext cx="4343400" cy="1469160"/>
+            <a:off x="5257800" y="1274400"/>
+            <a:ext cx="4343040" cy="1468800"/>
           </a:xfrm>
           <a:prstGeom prst="rect">
             <a:avLst/>
@@ -9404,7 +9305,7 @@
         <p:spPr>
           <a:xfrm>
             <a:off x="254880" y="1143000"/>
-            <a:ext cx="4317120" cy="1730160"/>
+            <a:ext cx="4316760" cy="1729800"/>
           </a:xfrm>
           <a:prstGeom prst="rect">
             <a:avLst/>
@@ -9427,7 +9328,7 @@
         <p:spPr>
           <a:xfrm>
             <a:off x="2881440" y="3156480"/>
-            <a:ext cx="4662360" cy="1872720"/>
+            <a:ext cx="4662000" cy="1872360"/>
           </a:xfrm>
           <a:prstGeom prst="rect">
             <a:avLst/>
@@ -9439,6 +9340,14 @@
       </p:pic>
     </p:spTree>
   </p:cSld>
+  <mc:AlternateContent>
+    <mc:Choice Requires="p14">
+      <p:transition spd="slow" p14:dur="2000"/>
+    </mc:Choice>
+    <mc:Fallback>
+      <p:transition spd="slow"/>
+    </mc:Fallback>
+  </mc:AlternateContent>
 </p:sld>
 </file>
 
